--- a/lectures/강의자료/강의자료_내부설명용.pptx
+++ b/lectures/강의자료/강의자료_내부설명용.pptx
@@ -5,33 +5,34 @@
     <p:sldMasterId id="2147483648" r:id="rId1"/>
   </p:sldMasterIdLst>
   <p:notesMasterIdLst>
-    <p:notesMasterId r:id="rId26"/>
+    <p:notesMasterId r:id="rId27"/>
   </p:notesMasterIdLst>
   <p:sldIdLst>
     <p:sldId id="257" r:id="rId2"/>
-    <p:sldId id="259" r:id="rId3"/>
-    <p:sldId id="260" r:id="rId4"/>
-    <p:sldId id="272" r:id="rId5"/>
-    <p:sldId id="273" r:id="rId6"/>
-    <p:sldId id="270" r:id="rId7"/>
-    <p:sldId id="262" r:id="rId8"/>
-    <p:sldId id="287" r:id="rId9"/>
-    <p:sldId id="291" r:id="rId10"/>
-    <p:sldId id="289" r:id="rId11"/>
-    <p:sldId id="274" r:id="rId12"/>
-    <p:sldId id="290" r:id="rId13"/>
-    <p:sldId id="278" r:id="rId14"/>
-    <p:sldId id="288" r:id="rId15"/>
-    <p:sldId id="295" r:id="rId16"/>
-    <p:sldId id="258" r:id="rId17"/>
-    <p:sldId id="292" r:id="rId18"/>
-    <p:sldId id="281" r:id="rId19"/>
-    <p:sldId id="282" r:id="rId20"/>
-    <p:sldId id="283" r:id="rId21"/>
-    <p:sldId id="284" r:id="rId22"/>
-    <p:sldId id="285" r:id="rId23"/>
-    <p:sldId id="293" r:id="rId24"/>
-    <p:sldId id="296" r:id="rId25"/>
+    <p:sldId id="297" r:id="rId3"/>
+    <p:sldId id="259" r:id="rId4"/>
+    <p:sldId id="260" r:id="rId5"/>
+    <p:sldId id="272" r:id="rId6"/>
+    <p:sldId id="273" r:id="rId7"/>
+    <p:sldId id="270" r:id="rId8"/>
+    <p:sldId id="262" r:id="rId9"/>
+    <p:sldId id="287" r:id="rId10"/>
+    <p:sldId id="291" r:id="rId11"/>
+    <p:sldId id="289" r:id="rId12"/>
+    <p:sldId id="274" r:id="rId13"/>
+    <p:sldId id="290" r:id="rId14"/>
+    <p:sldId id="278" r:id="rId15"/>
+    <p:sldId id="288" r:id="rId16"/>
+    <p:sldId id="295" r:id="rId17"/>
+    <p:sldId id="258" r:id="rId18"/>
+    <p:sldId id="292" r:id="rId19"/>
+    <p:sldId id="281" r:id="rId20"/>
+    <p:sldId id="282" r:id="rId21"/>
+    <p:sldId id="283" r:id="rId22"/>
+    <p:sldId id="284" r:id="rId23"/>
+    <p:sldId id="285" r:id="rId24"/>
+    <p:sldId id="293" r:id="rId25"/>
+    <p:sldId id="296" r:id="rId26"/>
   </p:sldIdLst>
   <p:sldSz cx="12192000" cy="6858000"/>
   <p:notesSz cx="6858000" cy="9144000"/>
@@ -148,7 +149,7 @@
             <a:srgbClr val="A4A3A4"/>
           </p15:clr>
         </p15:guide>
-        <p15:guide id="4" orient="horz" pos="822" userDrawn="1">
+        <p15:guide id="4" orient="horz" pos="323" userDrawn="1">
           <p15:clr>
             <a:srgbClr val="A4A3A4"/>
           </p15:clr>
@@ -246,7 +247,7 @@
           <a:p>
             <a:fld id="{391FA9FE-7FF6-463A-A415-1FBF968FB7FB}" type="datetimeFigureOut">
               <a:rPr lang="ko-KR" altLang="en-US" smtClean="0"/>
-              <a:t>2025-02-21</a:t>
+              <a:t>2025-02-22</a:t>
             </a:fld>
             <a:endParaRPr lang="ko-KR" altLang="en-US"/>
           </a:p>
@@ -559,7 +560,7 @@
           <a:p>
             <a:r>
               <a:rPr lang="ko-KR" altLang="en-US" dirty="0"/>
-              <a:t>제가 비록 </a:t>
+              <a:t>제가 </a:t>
             </a:r>
             <a:r>
               <a:rPr lang="ko-KR" altLang="en-US" dirty="0" err="1"/>
@@ -936,21 +937,137 @@
           <a:p>
             <a:r>
               <a:rPr lang="ko-KR" altLang="en-US" dirty="0"/>
-              <a:t>반대로 초기자산이 없어도</a:t>
-            </a:r>
-          </a:p>
-          <a:p>
-            <a:r>
-              <a:rPr lang="ko-KR" altLang="en-US" dirty="0"/>
-              <a:t>월 투자금을 늘리면 </a:t>
-            </a:r>
+              <a:t>먼저</a:t>
+            </a:r>
+            <a:r>
+              <a:rPr lang="en-US" altLang="ko-KR" dirty="0"/>
+              <a:t>, </a:t>
+            </a:r>
+            <a:r>
+              <a:rPr lang="ko-KR" altLang="en-US" dirty="0"/>
+              <a:t>투자기간을 좀 보죠</a:t>
+            </a:r>
+            <a:r>
+              <a:rPr lang="en-US" altLang="ko-KR" dirty="0"/>
+              <a:t>.</a:t>
+            </a:r>
+          </a:p>
+          <a:p>
+            <a:r>
+              <a:rPr lang="ko-KR" altLang="en-US" dirty="0"/>
+              <a:t>초기자산이 없고</a:t>
+            </a:r>
+            <a:r>
+              <a:rPr lang="en-US" altLang="ko-KR" dirty="0"/>
+              <a:t>, </a:t>
+            </a:r>
+            <a:r>
+              <a:rPr lang="ko-KR" altLang="en-US" dirty="0"/>
+              <a:t>매월 </a:t>
+            </a:r>
+            <a:r>
+              <a:rPr lang="en-US" altLang="ko-KR" dirty="0"/>
+              <a:t>100</a:t>
+            </a:r>
+            <a:r>
+              <a:rPr lang="ko-KR" altLang="en-US" dirty="0"/>
+              <a:t>만원씩 투자한다고 하고요</a:t>
+            </a:r>
+            <a:r>
+              <a:rPr lang="en-US" altLang="ko-KR" dirty="0"/>
+              <a:t>.</a:t>
+            </a:r>
+          </a:p>
+          <a:p>
+            <a:r>
+              <a:rPr lang="ko-KR" altLang="en-US" dirty="0"/>
+              <a:t>매년 </a:t>
+            </a:r>
+            <a:r>
+              <a:rPr lang="en-US" altLang="ko-KR" dirty="0"/>
+              <a:t>10%</a:t>
+            </a:r>
+            <a:r>
+              <a:rPr lang="ko-KR" altLang="en-US" dirty="0"/>
+              <a:t>씩 수익을 낸다고 하면</a:t>
+            </a:r>
+          </a:p>
+          <a:p>
             <a:r>
               <a:rPr lang="en-US" altLang="ko-KR" dirty="0"/>
               <a:t>5</a:t>
             </a:r>
             <a:r>
               <a:rPr lang="ko-KR" altLang="en-US" dirty="0"/>
-              <a:t>억까지 가는 기간을 크게 줄일 수 있는데요</a:t>
+              <a:t>년 투자했을 때는 </a:t>
+            </a:r>
+            <a:r>
+              <a:rPr lang="en-US" altLang="ko-KR" dirty="0"/>
+              <a:t>7</a:t>
+            </a:r>
+            <a:r>
+              <a:rPr lang="ko-KR" altLang="en-US" dirty="0"/>
+              <a:t>천</a:t>
+            </a:r>
+            <a:r>
+              <a:rPr lang="en-US" altLang="ko-KR" dirty="0"/>
+              <a:t>3</a:t>
+            </a:r>
+            <a:r>
+              <a:rPr lang="ko-KR" altLang="en-US" dirty="0"/>
+              <a:t>백</a:t>
+            </a:r>
+          </a:p>
+          <a:p>
+            <a:r>
+              <a:rPr lang="en-US" altLang="ko-KR" dirty="0"/>
+              <a:t>10</a:t>
+            </a:r>
+            <a:r>
+              <a:rPr lang="ko-KR" altLang="en-US" dirty="0"/>
+              <a:t>년 투자했을 때는 </a:t>
+            </a:r>
+            <a:r>
+              <a:rPr lang="en-US" altLang="ko-KR" dirty="0"/>
+              <a:t>1</a:t>
+            </a:r>
+            <a:r>
+              <a:rPr lang="ko-KR" altLang="en-US" dirty="0"/>
+              <a:t>억</a:t>
+            </a:r>
+            <a:r>
+              <a:rPr lang="en-US" altLang="ko-KR" dirty="0"/>
+              <a:t>9</a:t>
+            </a:r>
+            <a:r>
+              <a:rPr lang="ko-KR" altLang="en-US" dirty="0"/>
+              <a:t>천</a:t>
+            </a:r>
+          </a:p>
+          <a:p>
+            <a:r>
+              <a:rPr lang="en-US" altLang="ko-KR" dirty="0"/>
+              <a:t>30</a:t>
+            </a:r>
+            <a:r>
+              <a:rPr lang="ko-KR" altLang="en-US" dirty="0"/>
+              <a:t>년 투자하면 </a:t>
+            </a:r>
+            <a:r>
+              <a:rPr lang="en-US" altLang="ko-KR" dirty="0"/>
+              <a:t>19</a:t>
+            </a:r>
+            <a:r>
+              <a:rPr lang="ko-KR" altLang="en-US" dirty="0"/>
+              <a:t>억</a:t>
+            </a:r>
+            <a:r>
+              <a:rPr lang="en-US" altLang="ko-KR" dirty="0"/>
+              <a:t>7</a:t>
+            </a:r>
+            <a:r>
+              <a:rPr lang="ko-KR" altLang="en-US" dirty="0"/>
+              <a:t>천을 만들 수 있고요</a:t>
             </a:r>
             <a:r>
               <a:rPr lang="en-US" altLang="ko-KR" dirty="0"/>
@@ -958,43 +1075,16 @@
             </a:r>
           </a:p>
           <a:p>
-            <a:r>
-              <a:rPr lang="ko-KR" altLang="en-US" dirty="0"/>
-              <a:t>월에 </a:t>
-            </a:r>
-            <a:r>
-              <a:rPr lang="en-US" altLang="ko-KR" dirty="0"/>
-              <a:t>50</a:t>
-            </a:r>
-            <a:r>
-              <a:rPr lang="ko-KR" altLang="en-US" dirty="0"/>
-              <a:t>만원씩 투자하면 </a:t>
-            </a:r>
-            <a:r>
-              <a:rPr lang="en-US" altLang="ko-KR" dirty="0"/>
-              <a:t>23</a:t>
-            </a:r>
-            <a:r>
-              <a:rPr lang="ko-KR" altLang="en-US" dirty="0"/>
-              <a:t>년 걸리던 목표달성 기간이</a:t>
-            </a:r>
-          </a:p>
-          <a:p>
-            <a:r>
-              <a:rPr lang="en-US" altLang="ko-KR" dirty="0"/>
-              <a:t>200</a:t>
-            </a:r>
-            <a:r>
-              <a:rPr lang="ko-KR" altLang="en-US" dirty="0"/>
-              <a:t>만원씩 투자할 수 있다고 하면 </a:t>
-            </a:r>
-            <a:r>
-              <a:rPr lang="en-US" altLang="ko-KR" dirty="0"/>
-              <a:t>12</a:t>
-            </a:r>
-            <a:r>
-              <a:rPr lang="ko-KR" altLang="en-US" dirty="0"/>
-              <a:t>년 밑으로 줄어듭니다</a:t>
+            <a:endParaRPr lang="en-US" altLang="ko-KR" dirty="0"/>
+          </a:p>
+          <a:p>
+            <a:r>
+              <a:rPr lang="ko-KR" altLang="en-US" dirty="0"/>
+              <a:t>여러분이 잘 아시는 </a:t>
+            </a:r>
+            <a:r>
+              <a:rPr lang="ko-KR" altLang="en-US" dirty="0" err="1"/>
+              <a:t>복리효과죠</a:t>
             </a:r>
             <a:r>
               <a:rPr lang="en-US" altLang="ko-KR" dirty="0"/>
@@ -1002,25 +1092,16 @@
             </a:r>
           </a:p>
           <a:p>
-            <a:endParaRPr lang="en-US" altLang="ko-KR" dirty="0"/>
-          </a:p>
-          <a:p>
-            <a:r>
-              <a:rPr lang="ko-KR" altLang="en-US" dirty="0"/>
-              <a:t>초반에 </a:t>
-            </a:r>
-            <a:r>
-              <a:rPr lang="ko-KR" altLang="en-US" dirty="0" err="1"/>
-              <a:t>시드를</a:t>
-            </a:r>
-            <a:r>
-              <a:rPr lang="ko-KR" altLang="en-US" dirty="0"/>
-              <a:t> 만들기 전에는 절약이 중요한 이유를 알 수 있죠</a:t>
+            <a:r>
+              <a:rPr lang="ko-KR" altLang="en-US" dirty="0"/>
+              <a:t>투자기간이 깡패입니다</a:t>
             </a:r>
             <a:r>
               <a:rPr lang="en-US" altLang="ko-KR" dirty="0"/>
               <a:t>.</a:t>
             </a:r>
+          </a:p>
+          <a:p>
             <a:endParaRPr lang="ko-KR" altLang="en-US" dirty="0"/>
           </a:p>
         </p:txBody>
@@ -1042,7 +1123,7 @@
           <a:p>
             <a:fld id="{AF377DAE-6E9C-4F87-A8EC-C6E75F6BD3E4}" type="slidenum">
               <a:rPr lang="ko-KR" altLang="en-US" smtClean="0"/>
-              <a:t>11</a:t>
+              <a:t>10</a:t>
             </a:fld>
             <a:endParaRPr lang="ko-KR" altLang="en-US"/>
           </a:p>
@@ -1051,7 +1132,7 @@
     </p:spTree>
     <p:extLst>
       <p:ext uri="{BB962C8B-B14F-4D97-AF65-F5344CB8AC3E}">
-        <p14:creationId xmlns:p14="http://schemas.microsoft.com/office/powerpoint/2010/main" val="784051990"/>
+        <p14:creationId xmlns:p14="http://schemas.microsoft.com/office/powerpoint/2010/main" val="1288199087"/>
       </p:ext>
     </p:extLst>
   </p:cSld>
@@ -1107,7 +1188,57 @@
           <a:p>
             <a:r>
               <a:rPr lang="ko-KR" altLang="en-US" dirty="0"/>
-              <a:t>문제의 기대 수익률인데요</a:t>
+              <a:t>시간 못지않게 초기자산도 중요한데</a:t>
+            </a:r>
+          </a:p>
+          <a:p>
+            <a:r>
+              <a:rPr lang="ko-KR" altLang="en-US" dirty="0"/>
+              <a:t>초기 자산이 천만원 있었다면 매월 </a:t>
+            </a:r>
+            <a:r>
+              <a:rPr lang="en-US" altLang="ko-KR" dirty="0"/>
+              <a:t>100</a:t>
+            </a:r>
+            <a:r>
+              <a:rPr lang="ko-KR" altLang="en-US" dirty="0"/>
+              <a:t>만원씩 적립식으로 투자했을 때</a:t>
+            </a:r>
+          </a:p>
+          <a:p>
+            <a:r>
+              <a:rPr lang="en-US" altLang="ko-KR" dirty="0"/>
+              <a:t>5</a:t>
+            </a:r>
+            <a:r>
+              <a:rPr lang="ko-KR" altLang="en-US" dirty="0"/>
+              <a:t>억을 달성하는데 </a:t>
+            </a:r>
+            <a:r>
+              <a:rPr lang="en-US" altLang="ko-KR" dirty="0"/>
+              <a:t>16</a:t>
+            </a:r>
+            <a:r>
+              <a:rPr lang="ko-KR" altLang="en-US" dirty="0"/>
+              <a:t>년이 걸리고</a:t>
+            </a:r>
+          </a:p>
+          <a:p>
+            <a:r>
+              <a:rPr lang="en-US" altLang="ko-KR" dirty="0"/>
+              <a:t>1</a:t>
+            </a:r>
+            <a:r>
+              <a:rPr lang="ko-KR" altLang="en-US" dirty="0"/>
+              <a:t>억이 있었다면 </a:t>
+            </a:r>
+            <a:r>
+              <a:rPr lang="en-US" altLang="ko-KR" dirty="0"/>
+              <a:t>11</a:t>
+            </a:r>
+            <a:r>
+              <a:rPr lang="ko-KR" altLang="en-US" dirty="0"/>
+              <a:t>년이 걸립니다</a:t>
             </a:r>
             <a:r>
               <a:rPr lang="en-US" altLang="ko-KR" dirty="0"/>
@@ -1115,115 +1246,53 @@
             </a:r>
           </a:p>
           <a:p>
-            <a:r>
-              <a:rPr lang="ko-KR" altLang="en-US" dirty="0"/>
-              <a:t>많은 투자 전략이나 주식 관련 방송이 사실은</a:t>
-            </a:r>
-          </a:p>
-          <a:p>
-            <a:r>
-              <a:rPr lang="ko-KR" altLang="en-US" dirty="0"/>
-              <a:t>이 기대수익률을 높이자고 보게 되는 경우가 많죠</a:t>
-            </a:r>
-            <a:r>
-              <a:rPr lang="en-US" altLang="ko-KR" dirty="0"/>
-              <a:t>.</a:t>
-            </a:r>
-          </a:p>
-          <a:p>
             <a:endParaRPr lang="en-US" altLang="ko-KR" dirty="0"/>
           </a:p>
           <a:p>
             <a:r>
               <a:rPr lang="ko-KR" altLang="en-US" dirty="0"/>
-              <a:t>정확히 기대수익률이라는 단어를 사용하지는 않지만</a:t>
-            </a:r>
-          </a:p>
-          <a:p>
-            <a:r>
-              <a:rPr lang="ko-KR" altLang="en-US" dirty="0"/>
-              <a:t>결국 많이 벌겠다 라는 일념으로 유튜브나 방송</a:t>
-            </a:r>
-            <a:r>
-              <a:rPr lang="en-US" altLang="ko-KR" dirty="0"/>
-              <a:t>, </a:t>
-            </a:r>
-            <a:r>
-              <a:rPr lang="ko-KR" altLang="en-US" dirty="0"/>
-              <a:t>뉴스 </a:t>
+              <a:t>더 많았다면 더 크게 단축할 수 </a:t>
             </a:r>
             <a:r>
               <a:rPr lang="ko-KR" altLang="en-US" dirty="0" err="1"/>
-              <a:t>같은걸</a:t>
+              <a:t>있었겠지만</a:t>
+            </a:r>
+            <a:r>
+              <a:rPr lang="en-US" altLang="ko-KR" dirty="0"/>
+              <a:t>,</a:t>
+            </a:r>
+          </a:p>
+          <a:p>
+            <a:r>
+              <a:rPr lang="ko-KR" altLang="en-US" dirty="0"/>
+              <a:t>이번 강의는 사회 초년생을 위한 </a:t>
+            </a:r>
+            <a:r>
+              <a:rPr lang="ko-KR" altLang="en-US" dirty="0" err="1"/>
+              <a:t>강의니까</a:t>
             </a:r>
             <a:endParaRPr lang="ko-KR" altLang="en-US" dirty="0"/>
           </a:p>
           <a:p>
             <a:r>
               <a:rPr lang="ko-KR" altLang="en-US" dirty="0"/>
-              <a:t>시청하시는 거니까요</a:t>
-            </a:r>
-            <a:r>
-              <a:rPr lang="en-US" altLang="ko-KR" dirty="0"/>
-              <a:t>.</a:t>
-            </a:r>
-          </a:p>
-          <a:p>
-            <a:endParaRPr lang="en-US" altLang="ko-KR" dirty="0"/>
-          </a:p>
-          <a:p>
-            <a:r>
-              <a:rPr lang="ko-KR" altLang="en-US" dirty="0"/>
-              <a:t>실제로 기대수익률을 </a:t>
-            </a:r>
-            <a:r>
-              <a:rPr lang="en-US" altLang="ko-KR" dirty="0"/>
-              <a:t>5%</a:t>
-            </a:r>
-            <a:r>
-              <a:rPr lang="ko-KR" altLang="en-US" dirty="0"/>
-              <a:t>늘릴 때 마다 목표달성 기간을 크게 줄일 수 있으니까</a:t>
-            </a:r>
-          </a:p>
-          <a:p>
-            <a:r>
-              <a:rPr lang="ko-KR" altLang="en-US" dirty="0"/>
-              <a:t>기대수익률이 높다고 </a:t>
+              <a:t>초기자산은 </a:t>
+            </a:r>
+            <a:r>
+              <a:rPr lang="en-US" altLang="ko-KR" dirty="0"/>
+              <a:t>1</a:t>
+            </a:r>
+            <a:r>
+              <a:rPr lang="ko-KR" altLang="en-US" dirty="0"/>
+              <a:t>억 </a:t>
             </a:r>
             <a:r>
               <a:rPr lang="ko-KR" altLang="en-US" dirty="0" err="1"/>
-              <a:t>나쁠껀</a:t>
-            </a:r>
-            <a:r>
-              <a:rPr lang="ko-KR" altLang="en-US" dirty="0"/>
-              <a:t> 없죠</a:t>
-            </a:r>
-            <a:r>
-              <a:rPr lang="en-US" altLang="ko-KR" dirty="0"/>
-              <a:t>.</a:t>
-            </a:r>
-          </a:p>
-          <a:p>
-            <a:r>
-              <a:rPr lang="ko-KR" altLang="en-US" dirty="0"/>
-              <a:t>오히려 </a:t>
-            </a:r>
-            <a:r>
-              <a:rPr lang="ko-KR" altLang="en-US" dirty="0" err="1"/>
-              <a:t>좋은거죠</a:t>
-            </a:r>
-            <a:r>
-              <a:rPr lang="en-US" altLang="ko-KR" dirty="0"/>
-              <a:t>.</a:t>
-            </a:r>
-          </a:p>
-          <a:p>
-            <a:endParaRPr lang="en-US" altLang="ko-KR" dirty="0"/>
-          </a:p>
-          <a:p>
-            <a:r>
-              <a:rPr lang="ko-KR" altLang="en-US" dirty="0"/>
-              <a:t>근데 문제는 기대 수익률의 정반대편에 리스크가 있다는 건데요</a:t>
+              <a:t>정도까지만</a:t>
+            </a:r>
+            <a:r>
+              <a:rPr lang="ko-KR" altLang="en-US" dirty="0"/>
+              <a:t> 살펴보겠습니다</a:t>
             </a:r>
             <a:r>
               <a:rPr lang="en-US" altLang="ko-KR" dirty="0"/>
@@ -1250,7 +1319,7 @@
           <a:p>
             <a:fld id="{AF377DAE-6E9C-4F87-A8EC-C6E75F6BD3E4}" type="slidenum">
               <a:rPr lang="ko-KR" altLang="en-US" smtClean="0"/>
-              <a:t>12</a:t>
+              <a:t>11</a:t>
             </a:fld>
             <a:endParaRPr lang="ko-KR" altLang="en-US"/>
           </a:p>
@@ -1259,7 +1328,7 @@
     </p:spTree>
     <p:extLst>
       <p:ext uri="{BB962C8B-B14F-4D97-AF65-F5344CB8AC3E}">
-        <p14:creationId xmlns:p14="http://schemas.microsoft.com/office/powerpoint/2010/main" val="2145182515"/>
+        <p14:creationId xmlns:p14="http://schemas.microsoft.com/office/powerpoint/2010/main" val="922536909"/>
       </p:ext>
     </p:extLst>
   </p:cSld>
@@ -1315,57 +1384,86 @@
           <a:p>
             <a:r>
               <a:rPr lang="ko-KR" altLang="en-US" dirty="0"/>
-              <a:t>제가 예전에 올린 유튜브 영상에서도 </a:t>
+              <a:t>반대로 초기자산이 없어도</a:t>
+            </a:r>
+          </a:p>
+          <a:p>
+            <a:r>
+              <a:rPr lang="ko-KR" altLang="en-US" dirty="0"/>
+              <a:t>월 투자금을 늘리면 </a:t>
+            </a:r>
+            <a:r>
+              <a:rPr lang="en-US" altLang="ko-KR" dirty="0"/>
+              <a:t>5</a:t>
+            </a:r>
+            <a:r>
+              <a:rPr lang="ko-KR" altLang="en-US" dirty="0"/>
+              <a:t>억까지 가는 기간을 크게 줄일 수 있는데요</a:t>
+            </a:r>
+            <a:r>
+              <a:rPr lang="en-US" altLang="ko-KR" dirty="0"/>
+              <a:t>.</a:t>
+            </a:r>
+          </a:p>
+          <a:p>
+            <a:r>
+              <a:rPr lang="ko-KR" altLang="en-US" dirty="0"/>
+              <a:t>월에 </a:t>
+            </a:r>
+            <a:r>
+              <a:rPr lang="en-US" altLang="ko-KR" dirty="0"/>
+              <a:t>50</a:t>
+            </a:r>
+            <a:r>
+              <a:rPr lang="ko-KR" altLang="en-US" dirty="0"/>
+              <a:t>만원씩 투자하면 </a:t>
+            </a:r>
+            <a:r>
+              <a:rPr lang="en-US" altLang="ko-KR" dirty="0"/>
+              <a:t>23</a:t>
+            </a:r>
+            <a:r>
+              <a:rPr lang="ko-KR" altLang="en-US" dirty="0"/>
+              <a:t>년 걸리던 목표달성 기간이</a:t>
+            </a:r>
+          </a:p>
+          <a:p>
+            <a:r>
+              <a:rPr lang="en-US" altLang="ko-KR" dirty="0"/>
+              <a:t>200</a:t>
+            </a:r>
+            <a:r>
+              <a:rPr lang="ko-KR" altLang="en-US" dirty="0"/>
+              <a:t>만원씩 투자할 수 있다고 하면 </a:t>
+            </a:r>
+            <a:r>
+              <a:rPr lang="en-US" altLang="ko-KR" dirty="0"/>
+              <a:t>12</a:t>
+            </a:r>
+            <a:r>
+              <a:rPr lang="ko-KR" altLang="en-US" dirty="0"/>
+              <a:t>년 밑으로 줄어듭니다</a:t>
+            </a:r>
+            <a:r>
+              <a:rPr lang="en-US" altLang="ko-KR" dirty="0"/>
+              <a:t>.</a:t>
+            </a:r>
+          </a:p>
+          <a:p>
+            <a:endParaRPr lang="en-US" altLang="ko-KR" dirty="0"/>
+          </a:p>
+          <a:p>
+            <a:r>
+              <a:rPr lang="ko-KR" altLang="en-US" dirty="0"/>
+              <a:t>초반에 </a:t>
             </a:r>
             <a:r>
               <a:rPr lang="ko-KR" altLang="en-US" dirty="0" err="1"/>
-              <a:t>설명드린</a:t>
-            </a:r>
-            <a:r>
-              <a:rPr lang="ko-KR" altLang="en-US" dirty="0"/>
-              <a:t> 자료인데</a:t>
-            </a:r>
-          </a:p>
-          <a:p>
-            <a:r>
-              <a:rPr lang="en-US" altLang="ko-KR" dirty="0"/>
-              <a:t>TQQQ </a:t>
-            </a:r>
-            <a:r>
-              <a:rPr lang="ko-KR" altLang="en-US" dirty="0"/>
-              <a:t>나스닥 </a:t>
-            </a:r>
-            <a:r>
-              <a:rPr lang="en-US" altLang="ko-KR" dirty="0"/>
-              <a:t>3</a:t>
-            </a:r>
-            <a:r>
-              <a:rPr lang="ko-KR" altLang="en-US" dirty="0"/>
-              <a:t>배 </a:t>
-            </a:r>
-            <a:r>
-              <a:rPr lang="ko-KR" altLang="en-US" dirty="0" err="1"/>
-              <a:t>레버리지죠</a:t>
-            </a:r>
-            <a:r>
-              <a:rPr lang="en-US" altLang="ko-KR" dirty="0"/>
-              <a:t>.</a:t>
-            </a:r>
-          </a:p>
-          <a:p>
-            <a:r>
-              <a:rPr lang="en-US" altLang="ko-KR" dirty="0"/>
-              <a:t>TQQQ</a:t>
-            </a:r>
-            <a:r>
-              <a:rPr lang="ko-KR" altLang="en-US" dirty="0"/>
-              <a:t>에 안전자산을 섞는 방식으로 포트폴리오를 구성하는 건데</a:t>
-            </a:r>
-          </a:p>
-          <a:p>
-            <a:r>
-              <a:rPr lang="ko-KR" altLang="en-US" dirty="0"/>
-              <a:t>리턴이 높아지면 높아질수록 리스크도 같이 높아지는 경향을 확실하게 확인할 수 있습니다</a:t>
+              <a:t>시드를</a:t>
+            </a:r>
+            <a:r>
+              <a:rPr lang="ko-KR" altLang="en-US" dirty="0"/>
+              <a:t> 만들기 전에는 절약이 중요한 이유를 알 수 있죠</a:t>
             </a:r>
             <a:r>
               <a:rPr lang="en-US" altLang="ko-KR" dirty="0"/>
@@ -1392,7 +1490,7 @@
           <a:p>
             <a:fld id="{AF377DAE-6E9C-4F87-A8EC-C6E75F6BD3E4}" type="slidenum">
               <a:rPr lang="ko-KR" altLang="en-US" smtClean="0"/>
-              <a:t>13</a:t>
+              <a:t>12</a:t>
             </a:fld>
             <a:endParaRPr lang="ko-KR" altLang="en-US"/>
           </a:p>
@@ -1401,7 +1499,7 @@
     </p:spTree>
     <p:extLst>
       <p:ext uri="{BB962C8B-B14F-4D97-AF65-F5344CB8AC3E}">
-        <p14:creationId xmlns:p14="http://schemas.microsoft.com/office/powerpoint/2010/main" val="2123527070"/>
+        <p14:creationId xmlns:p14="http://schemas.microsoft.com/office/powerpoint/2010/main" val="784051990"/>
       </p:ext>
     </p:extLst>
   </p:cSld>
@@ -1457,13 +1555,7 @@
           <a:p>
             <a:r>
               <a:rPr lang="ko-KR" altLang="en-US" dirty="0"/>
-              <a:t>그러니까 높은 리턴에는 높은 리스크가 따른다는 건</a:t>
-            </a:r>
-          </a:p>
-          <a:p>
-            <a:r>
-              <a:rPr lang="ko-KR" altLang="en-US" dirty="0"/>
-              <a:t>이건 정확히 알고 가셔야 하는 거고</a:t>
+              <a:t>문제의 기대 수익률인데요</a:t>
             </a:r>
             <a:r>
               <a:rPr lang="en-US" altLang="ko-KR" dirty="0"/>
@@ -1473,26 +1565,51 @@
           <a:p>
             <a:r>
               <a:rPr lang="ko-KR" altLang="en-US" dirty="0"/>
-              <a:t>사실상 리스크가 없고 높은 리턴만 있다고 말하는 사람은</a:t>
-            </a:r>
+              <a:t>많은 투자 전략이나 주식 관련 방송이 사실은</a:t>
+            </a:r>
+          </a:p>
+          <a:p>
+            <a:r>
+              <a:rPr lang="ko-KR" altLang="en-US" dirty="0"/>
+              <a:t>이 기대수익률을 높이자고 보게 되는 경우가 많죠</a:t>
+            </a:r>
+            <a:r>
+              <a:rPr lang="en-US" altLang="ko-KR" dirty="0"/>
+              <a:t>.</a:t>
+            </a:r>
+          </a:p>
+          <a:p>
             <a:endParaRPr lang="en-US" altLang="ko-KR" dirty="0"/>
           </a:p>
           <a:p>
             <a:r>
-              <a:rPr lang="en-US" altLang="ko-KR" dirty="0"/>
-              <a:t>99% </a:t>
-            </a:r>
-            <a:r>
-              <a:rPr lang="ko-KR" altLang="en-US" dirty="0"/>
-              <a:t>사기꾼이거나 멍청이 둘 중에 하나라고 </a:t>
+              <a:rPr lang="ko-KR" altLang="en-US" dirty="0"/>
+              <a:t>정확히 기대수익률이라는 단어를 사용하지는 않지만</a:t>
+            </a:r>
+          </a:p>
+          <a:p>
+            <a:r>
+              <a:rPr lang="ko-KR" altLang="en-US" dirty="0"/>
+              <a:t>결국 많이 벌겠다 라는 일념으로 유튜브나 방송</a:t>
+            </a:r>
+            <a:r>
+              <a:rPr lang="en-US" altLang="ko-KR" dirty="0"/>
+              <a:t>, </a:t>
+            </a:r>
+            <a:r>
+              <a:rPr lang="ko-KR" altLang="en-US" dirty="0"/>
+              <a:t>뉴스 </a:t>
             </a:r>
             <a:r>
               <a:rPr lang="ko-KR" altLang="en-US" dirty="0" err="1"/>
-              <a:t>보셔도</a:t>
-            </a:r>
-            <a:r>
-              <a:rPr lang="ko-KR" altLang="en-US" dirty="0"/>
-              <a:t> 무방합니다</a:t>
+              <a:t>같은걸</a:t>
+            </a:r>
+            <a:endParaRPr lang="ko-KR" altLang="en-US" dirty="0"/>
+          </a:p>
+          <a:p>
+            <a:r>
+              <a:rPr lang="ko-KR" altLang="en-US" dirty="0"/>
+              <a:t>시청하시는 거니까요</a:t>
             </a:r>
             <a:r>
               <a:rPr lang="en-US" altLang="ko-KR" dirty="0"/>
@@ -1500,30 +1617,67 @@
             </a:r>
           </a:p>
           <a:p>
-            <a:r>
-              <a:rPr lang="ko-KR" altLang="en-US" dirty="0"/>
-              <a:t>그런</a:t>
-            </a:r>
-            <a:r>
-              <a:rPr lang="en-US" altLang="ko-KR" dirty="0"/>
-              <a:t> </a:t>
-            </a:r>
-            <a:r>
-              <a:rPr lang="ko-KR" altLang="en-US" dirty="0"/>
-              <a:t>사람들</a:t>
-            </a:r>
-            <a:r>
-              <a:rPr lang="en-US" altLang="ko-KR" dirty="0"/>
-              <a:t> </a:t>
-            </a:r>
-            <a:r>
-              <a:rPr lang="ko-KR" altLang="en-US" dirty="0"/>
-              <a:t>조심하시고요</a:t>
+            <a:endParaRPr lang="en-US" altLang="ko-KR" dirty="0"/>
+          </a:p>
+          <a:p>
+            <a:r>
+              <a:rPr lang="ko-KR" altLang="en-US" dirty="0"/>
+              <a:t>실제로 기대수익률을 </a:t>
+            </a:r>
+            <a:r>
+              <a:rPr lang="en-US" altLang="ko-KR" dirty="0"/>
+              <a:t>5%</a:t>
+            </a:r>
+            <a:r>
+              <a:rPr lang="ko-KR" altLang="en-US" dirty="0"/>
+              <a:t>늘릴 때 마다 목표달성 기간을 크게 줄일 수 있으니까</a:t>
+            </a:r>
+          </a:p>
+          <a:p>
+            <a:r>
+              <a:rPr lang="ko-KR" altLang="en-US" dirty="0"/>
+              <a:t>기대수익률이 높다고 </a:t>
+            </a:r>
+            <a:r>
+              <a:rPr lang="ko-KR" altLang="en-US" dirty="0" err="1"/>
+              <a:t>나쁠껀</a:t>
+            </a:r>
+            <a:r>
+              <a:rPr lang="ko-KR" altLang="en-US" dirty="0"/>
+              <a:t> 없죠</a:t>
             </a:r>
             <a:r>
               <a:rPr lang="en-US" altLang="ko-KR" dirty="0"/>
               <a:t>.</a:t>
             </a:r>
+          </a:p>
+          <a:p>
+            <a:r>
+              <a:rPr lang="ko-KR" altLang="en-US" dirty="0"/>
+              <a:t>오히려 </a:t>
+            </a:r>
+            <a:r>
+              <a:rPr lang="ko-KR" altLang="en-US" dirty="0" err="1"/>
+              <a:t>좋은거죠</a:t>
+            </a:r>
+            <a:r>
+              <a:rPr lang="en-US" altLang="ko-KR" dirty="0"/>
+              <a:t>.</a:t>
+            </a:r>
+          </a:p>
+          <a:p>
+            <a:endParaRPr lang="en-US" altLang="ko-KR" dirty="0"/>
+          </a:p>
+          <a:p>
+            <a:r>
+              <a:rPr lang="ko-KR" altLang="en-US" dirty="0"/>
+              <a:t>근데 문제는 기대 수익률의 정반대편에 리스크가 있다는 건데요</a:t>
+            </a:r>
+            <a:r>
+              <a:rPr lang="en-US" altLang="ko-KR" dirty="0"/>
+              <a:t>.</a:t>
+            </a:r>
+            <a:endParaRPr lang="ko-KR" altLang="en-US" dirty="0"/>
           </a:p>
         </p:txBody>
       </p:sp>
@@ -1544,7 +1698,7 @@
           <a:p>
             <a:fld id="{AF377DAE-6E9C-4F87-A8EC-C6E75F6BD3E4}" type="slidenum">
               <a:rPr lang="ko-KR" altLang="en-US" smtClean="0"/>
-              <a:t>14</a:t>
+              <a:t>13</a:t>
             </a:fld>
             <a:endParaRPr lang="ko-KR" altLang="en-US"/>
           </a:p>
@@ -1553,7 +1707,7 @@
     </p:spTree>
     <p:extLst>
       <p:ext uri="{BB962C8B-B14F-4D97-AF65-F5344CB8AC3E}">
-        <p14:creationId xmlns:p14="http://schemas.microsoft.com/office/powerpoint/2010/main" val="2752934493"/>
+        <p14:creationId xmlns:p14="http://schemas.microsoft.com/office/powerpoint/2010/main" val="2145182515"/>
       </p:ext>
     </p:extLst>
   </p:cSld>
@@ -1568,13 +1722,7 @@
   <p:cSld>
     <p:spTree>
       <p:nvGrpSpPr>
-        <p:cNvPr id="1" name="">
-          <a:extLst>
-            <a:ext uri="{FF2B5EF4-FFF2-40B4-BE49-F238E27FC236}">
-              <a16:creationId xmlns:a16="http://schemas.microsoft.com/office/drawing/2014/main" id="{44A3D186-F4BC-3192-AB38-B33A4F9F11FE}"/>
-            </a:ext>
-          </a:extLst>
-        </p:cNvPr>
+        <p:cNvPr id="1" name=""/>
         <p:cNvGrpSpPr/>
         <p:nvPr/>
       </p:nvGrpSpPr>
@@ -1588,13 +1736,7 @@
       </p:grpSpPr>
       <p:sp>
         <p:nvSpPr>
-          <p:cNvPr id="2" name="슬라이드 이미지 개체 틀 1">
-            <a:extLst>
-              <a:ext uri="{FF2B5EF4-FFF2-40B4-BE49-F238E27FC236}">
-                <a16:creationId xmlns:a16="http://schemas.microsoft.com/office/drawing/2014/main" id="{D613DF70-2609-0AE4-DD58-4CFBDF78F657}"/>
-              </a:ext>
-            </a:extLst>
-          </p:cNvPr>
+          <p:cNvPr id="2" name="슬라이드 이미지 개체 틀 1"/>
           <p:cNvSpPr>
             <a:spLocks noGrp="1" noRot="1" noChangeAspect="1"/>
           </p:cNvSpPr>
@@ -1606,13 +1748,7 @@
       </p:sp>
       <p:sp>
         <p:nvSpPr>
-          <p:cNvPr id="3" name="슬라이드 노트 개체 틀 2">
-            <a:extLst>
-              <a:ext uri="{FF2B5EF4-FFF2-40B4-BE49-F238E27FC236}">
-                <a16:creationId xmlns:a16="http://schemas.microsoft.com/office/drawing/2014/main" id="{4E6852B1-589C-458F-D592-7A1CF8BC33D8}"/>
-              </a:ext>
-            </a:extLst>
-          </p:cNvPr>
+          <p:cNvPr id="3" name="슬라이드 노트 개체 틀 2"/>
           <p:cNvSpPr>
             <a:spLocks noGrp="1"/>
           </p:cNvSpPr>
@@ -1627,22 +1763,37 @@
           <a:p>
             <a:r>
               <a:rPr lang="ko-KR" altLang="en-US" dirty="0"/>
-              <a:t>다만</a:t>
-            </a:r>
-            <a:r>
-              <a:rPr lang="en-US" altLang="ko-KR" dirty="0"/>
-              <a:t>, </a:t>
-            </a:r>
-            <a:r>
-              <a:rPr lang="ko-KR" altLang="en-US" dirty="0"/>
-              <a:t>이 그래프처럼 리턴과 리스크가 직선으로 쭉 내려오는 게 아니라</a:t>
-            </a:r>
-            <a:endParaRPr lang="en-US" altLang="ko-KR" dirty="0"/>
-          </a:p>
-          <a:p>
-            <a:r>
-              <a:rPr lang="ko-KR" altLang="en-US" dirty="0"/>
-              <a:t>이렇게 휘어지는 경우가 있는데</a:t>
+              <a:t>제가 예전에 올린 유튜브 영상에서도 </a:t>
+            </a:r>
+            <a:r>
+              <a:rPr lang="ko-KR" altLang="en-US" dirty="0" err="1"/>
+              <a:t>설명드린</a:t>
+            </a:r>
+            <a:r>
+              <a:rPr lang="ko-KR" altLang="en-US" dirty="0"/>
+              <a:t> 자료인데</a:t>
+            </a:r>
+          </a:p>
+          <a:p>
+            <a:r>
+              <a:rPr lang="en-US" altLang="ko-KR" dirty="0"/>
+              <a:t>TQQQ </a:t>
+            </a:r>
+            <a:r>
+              <a:rPr lang="ko-KR" altLang="en-US" dirty="0"/>
+              <a:t>나스닥 </a:t>
+            </a:r>
+            <a:r>
+              <a:rPr lang="en-US" altLang="ko-KR" dirty="0"/>
+              <a:t>3</a:t>
+            </a:r>
+            <a:r>
+              <a:rPr lang="ko-KR" altLang="en-US" dirty="0"/>
+              <a:t>배 </a:t>
+            </a:r>
+            <a:r>
+              <a:rPr lang="ko-KR" altLang="en-US" dirty="0" err="1"/>
+              <a:t>레버리지죠</a:t>
             </a:r>
             <a:r>
               <a:rPr lang="en-US" altLang="ko-KR" dirty="0"/>
@@ -1651,30 +1802,18 @@
           </a:p>
           <a:p>
             <a:r>
-              <a:rPr lang="ko-KR" altLang="en-US" dirty="0"/>
-              <a:t>이런 경우를 활용해서 리턴 대비 리스크를 효율적으로 조절하는 방법이</a:t>
-            </a:r>
-            <a:endParaRPr lang="en-US" altLang="ko-KR" dirty="0"/>
-          </a:p>
-          <a:p>
-            <a:r>
-              <a:rPr lang="ko-KR" altLang="en-US" dirty="0"/>
-              <a:t>제가 드린 프로그램을 활용하시면 직접 해보실 수 </a:t>
-            </a:r>
-            <a:r>
-              <a:rPr lang="ko-KR" altLang="en-US" dirty="0" err="1"/>
-              <a:t>있는거고</a:t>
-            </a:r>
-            <a:endParaRPr lang="en-US" altLang="ko-KR" dirty="0"/>
-          </a:p>
-          <a:p>
-            <a:r>
-              <a:rPr lang="ko-KR" altLang="en-US" dirty="0"/>
-              <a:t>이렇게 효율적인 리턴 대비 리스크 포트폴리오를 구성하는 게 전략을 수립한다 행위의 진짜 </a:t>
-            </a:r>
-            <a:r>
-              <a:rPr lang="ko-KR" altLang="en-US" dirty="0" err="1"/>
-              <a:t>의미인거죠</a:t>
+              <a:rPr lang="en-US" altLang="ko-KR" dirty="0"/>
+              <a:t>TQQQ</a:t>
+            </a:r>
+            <a:r>
+              <a:rPr lang="ko-KR" altLang="en-US" dirty="0"/>
+              <a:t>에 안전자산을 섞는 방식으로 포트폴리오를 구성하는 건데</a:t>
+            </a:r>
+          </a:p>
+          <a:p>
+            <a:r>
+              <a:rPr lang="ko-KR" altLang="en-US" dirty="0"/>
+              <a:t>리턴이 높아지면 높아질수록 리스크도 같이 높아지는 경향을 확실하게 확인할 수 있습니다</a:t>
             </a:r>
             <a:r>
               <a:rPr lang="en-US" altLang="ko-KR" dirty="0"/>
@@ -1686,13 +1825,7 @@
       </p:sp>
       <p:sp>
         <p:nvSpPr>
-          <p:cNvPr id="4" name="슬라이드 번호 개체 틀 3">
-            <a:extLst>
-              <a:ext uri="{FF2B5EF4-FFF2-40B4-BE49-F238E27FC236}">
-                <a16:creationId xmlns:a16="http://schemas.microsoft.com/office/drawing/2014/main" id="{2F768616-3CCC-6F0D-943D-B750EB8190FA}"/>
-              </a:ext>
-            </a:extLst>
-          </p:cNvPr>
+          <p:cNvPr id="4" name="슬라이드 번호 개체 틀 3"/>
           <p:cNvSpPr>
             <a:spLocks noGrp="1"/>
           </p:cNvSpPr>
@@ -1707,7 +1840,7 @@
           <a:p>
             <a:fld id="{AF377DAE-6E9C-4F87-A8EC-C6E75F6BD3E4}" type="slidenum">
               <a:rPr lang="ko-KR" altLang="en-US" smtClean="0"/>
-              <a:t>15</a:t>
+              <a:t>14</a:t>
             </a:fld>
             <a:endParaRPr lang="ko-KR" altLang="en-US"/>
           </a:p>
@@ -1716,7 +1849,7 @@
     </p:spTree>
     <p:extLst>
       <p:ext uri="{BB962C8B-B14F-4D97-AF65-F5344CB8AC3E}">
-        <p14:creationId xmlns:p14="http://schemas.microsoft.com/office/powerpoint/2010/main" val="653269696"/>
+        <p14:creationId xmlns:p14="http://schemas.microsoft.com/office/powerpoint/2010/main" val="2123527070"/>
       </p:ext>
     </p:extLst>
   </p:cSld>
@@ -1772,51 +1905,13 @@
           <a:p>
             <a:r>
               <a:rPr lang="ko-KR" altLang="en-US" dirty="0"/>
-              <a:t>그럼 이제 우리가 목표 자산을 </a:t>
-            </a:r>
-            <a:r>
-              <a:rPr lang="en-US" altLang="ko-KR" dirty="0"/>
-              <a:t>5</a:t>
-            </a:r>
-            <a:r>
-              <a:rPr lang="ko-KR" altLang="en-US" dirty="0"/>
-              <a:t>억으로 정했고</a:t>
-            </a:r>
-          </a:p>
-          <a:p>
-            <a:r>
-              <a:rPr lang="ko-KR" altLang="en-US" dirty="0"/>
-              <a:t>목표 자산을 구성하는 변수인 초기자산</a:t>
-            </a:r>
-            <a:r>
-              <a:rPr lang="en-US" altLang="ko-KR" dirty="0"/>
-              <a:t>, </a:t>
-            </a:r>
-            <a:r>
-              <a:rPr lang="ko-KR" altLang="en-US" dirty="0"/>
-              <a:t>월투자금</a:t>
-            </a:r>
-            <a:r>
-              <a:rPr lang="en-US" altLang="ko-KR" dirty="0"/>
-              <a:t>, </a:t>
-            </a:r>
-            <a:r>
-              <a:rPr lang="ko-KR" altLang="en-US" dirty="0"/>
-              <a:t>투자기간을 통해서</a:t>
-            </a:r>
-          </a:p>
-          <a:p>
-            <a:r>
-              <a:rPr lang="ko-KR" altLang="en-US" dirty="0"/>
-              <a:t>이건 사람마다 각자 다르겠죠</a:t>
-            </a:r>
-            <a:r>
-              <a:rPr lang="en-US" altLang="ko-KR" dirty="0"/>
-              <a:t>. </a:t>
-            </a:r>
-            <a:r>
-              <a:rPr lang="ko-KR" altLang="en-US" dirty="0"/>
-              <a:t>직접 입력해보시면 되고요</a:t>
+              <a:t>그러니까 높은 리턴에는 높은 리스크가 따른다는 건</a:t>
+            </a:r>
+          </a:p>
+          <a:p>
+            <a:r>
+              <a:rPr lang="ko-KR" altLang="en-US" dirty="0"/>
+              <a:t>이건 정확히 알고 가셔야 하는 거고</a:t>
             </a:r>
             <a:r>
               <a:rPr lang="en-US" altLang="ko-KR" dirty="0"/>
@@ -1826,7 +1921,26 @@
           <a:p>
             <a:r>
               <a:rPr lang="ko-KR" altLang="en-US" dirty="0"/>
-              <a:t>이걸 통해서 필요한 기대수익률을 알게 되실 거예요</a:t>
+              <a:t>사실상 리스크가 없고 높은 리턴만 있다고 말하는 사람은</a:t>
+            </a:r>
+            <a:endParaRPr lang="en-US" altLang="ko-KR" dirty="0"/>
+          </a:p>
+          <a:p>
+            <a:r>
+              <a:rPr lang="en-US" altLang="ko-KR" dirty="0"/>
+              <a:t>99% </a:t>
+            </a:r>
+            <a:r>
+              <a:rPr lang="ko-KR" altLang="en-US" dirty="0"/>
+              <a:t>사기꾼이거나 멍청이 둘 중에 하나라고 </a:t>
+            </a:r>
+            <a:r>
+              <a:rPr lang="ko-KR" altLang="en-US" dirty="0" err="1"/>
+              <a:t>보셔도</a:t>
+            </a:r>
+            <a:r>
+              <a:rPr lang="ko-KR" altLang="en-US" dirty="0"/>
+              <a:t> 무방합니다</a:t>
             </a:r>
             <a:r>
               <a:rPr lang="en-US" altLang="ko-KR" dirty="0"/>
@@ -1836,16 +1950,28 @@
           <a:p>
             <a:r>
               <a:rPr lang="ko-KR" altLang="en-US" dirty="0"/>
-              <a:t>그리고 기대수익률이 변동성과 반비례한다는 것도 설명을 통해서</a:t>
-            </a:r>
-            <a:endParaRPr lang="en-US" altLang="ko-KR" dirty="0"/>
-          </a:p>
-          <a:p>
-            <a:r>
-              <a:rPr lang="ko-KR" altLang="en-US" dirty="0"/>
-              <a:t>어느 정도 이해는 하셨을 텐데</a:t>
-            </a:r>
-            <a:endParaRPr lang="en-US" altLang="ko-KR" dirty="0"/>
+              <a:t>그런</a:t>
+            </a:r>
+            <a:r>
+              <a:rPr lang="en-US" altLang="ko-KR" dirty="0"/>
+              <a:t> </a:t>
+            </a:r>
+            <a:r>
+              <a:rPr lang="ko-KR" altLang="en-US" dirty="0"/>
+              <a:t>사람들</a:t>
+            </a:r>
+            <a:r>
+              <a:rPr lang="en-US" altLang="ko-KR" dirty="0"/>
+              <a:t> </a:t>
+            </a:r>
+            <a:r>
+              <a:rPr lang="ko-KR" altLang="en-US" dirty="0"/>
+              <a:t>조심하시고요</a:t>
+            </a:r>
+            <a:r>
+              <a:rPr lang="en-US" altLang="ko-KR" dirty="0"/>
+              <a:t>.</a:t>
+            </a:r>
           </a:p>
         </p:txBody>
       </p:sp>
@@ -1866,7 +1992,7 @@
           <a:p>
             <a:fld id="{AF377DAE-6E9C-4F87-A8EC-C6E75F6BD3E4}" type="slidenum">
               <a:rPr lang="ko-KR" altLang="en-US" smtClean="0"/>
-              <a:t>16</a:t>
+              <a:t>15</a:t>
             </a:fld>
             <a:endParaRPr lang="ko-KR" altLang="en-US"/>
           </a:p>
@@ -1875,7 +2001,7 @@
     </p:spTree>
     <p:extLst>
       <p:ext uri="{BB962C8B-B14F-4D97-AF65-F5344CB8AC3E}">
-        <p14:creationId xmlns:p14="http://schemas.microsoft.com/office/powerpoint/2010/main" val="3123320162"/>
+        <p14:creationId xmlns:p14="http://schemas.microsoft.com/office/powerpoint/2010/main" val="2752934493"/>
       </p:ext>
     </p:extLst>
   </p:cSld>
@@ -1890,7 +2016,13 @@
   <p:cSld>
     <p:spTree>
       <p:nvGrpSpPr>
-        <p:cNvPr id="1" name=""/>
+        <p:cNvPr id="1" name="">
+          <a:extLst>
+            <a:ext uri="{FF2B5EF4-FFF2-40B4-BE49-F238E27FC236}">
+              <a16:creationId xmlns:a16="http://schemas.microsoft.com/office/drawing/2014/main" id="{44A3D186-F4BC-3192-AB38-B33A4F9F11FE}"/>
+            </a:ext>
+          </a:extLst>
+        </p:cNvPr>
         <p:cNvGrpSpPr/>
         <p:nvPr/>
       </p:nvGrpSpPr>
@@ -1904,7 +2036,13 @@
       </p:grpSpPr>
       <p:sp>
         <p:nvSpPr>
-          <p:cNvPr id="2" name="슬라이드 이미지 개체 틀 1"/>
+          <p:cNvPr id="2" name="슬라이드 이미지 개체 틀 1">
+            <a:extLst>
+              <a:ext uri="{FF2B5EF4-FFF2-40B4-BE49-F238E27FC236}">
+                <a16:creationId xmlns:a16="http://schemas.microsoft.com/office/drawing/2014/main" id="{D613DF70-2609-0AE4-DD58-4CFBDF78F657}"/>
+              </a:ext>
+            </a:extLst>
+          </p:cNvPr>
           <p:cNvSpPr>
             <a:spLocks noGrp="1" noRot="1" noChangeAspect="1"/>
           </p:cNvSpPr>
@@ -1916,7 +2054,13 @@
       </p:sp>
       <p:sp>
         <p:nvSpPr>
-          <p:cNvPr id="3" name="슬라이드 노트 개체 틀 2"/>
+          <p:cNvPr id="3" name="슬라이드 노트 개체 틀 2">
+            <a:extLst>
+              <a:ext uri="{FF2B5EF4-FFF2-40B4-BE49-F238E27FC236}">
+                <a16:creationId xmlns:a16="http://schemas.microsoft.com/office/drawing/2014/main" id="{4E6852B1-589C-458F-D592-7A1CF8BC33D8}"/>
+              </a:ext>
+            </a:extLst>
+          </p:cNvPr>
           <p:cNvSpPr>
             <a:spLocks noGrp="1"/>
           </p:cNvSpPr>
@@ -1931,7 +2075,22 @@
           <a:p>
             <a:r>
               <a:rPr lang="ko-KR" altLang="en-US" dirty="0"/>
-              <a:t>근데 이 변동성이라는 게 확 와닿지는 않아요</a:t>
+              <a:t>다만</a:t>
+            </a:r>
+            <a:r>
+              <a:rPr lang="en-US" altLang="ko-KR" dirty="0"/>
+              <a:t>, </a:t>
+            </a:r>
+            <a:r>
+              <a:rPr lang="ko-KR" altLang="en-US" dirty="0"/>
+              <a:t>이 그래프처럼 리턴과 리스크가 직선으로 쭉 내려오는 게 아니라</a:t>
+            </a:r>
+            <a:endParaRPr lang="en-US" altLang="ko-KR" dirty="0"/>
+          </a:p>
+          <a:p>
+            <a:r>
+              <a:rPr lang="ko-KR" altLang="en-US" dirty="0"/>
+              <a:t>이렇게 휘어지는 경우가 있는데</a:t>
             </a:r>
             <a:r>
               <a:rPr lang="en-US" altLang="ko-KR" dirty="0"/>
@@ -1941,71 +2100,47 @@
           <a:p>
             <a:r>
               <a:rPr lang="ko-KR" altLang="en-US" dirty="0"/>
-              <a:t>일상적으로 사용하는 단어는 </a:t>
+              <a:t>이런 경우를 활용해서 리턴 대비 리스크를 효율적으로 조절하는 방법이</a:t>
+            </a:r>
+            <a:endParaRPr lang="en-US" altLang="ko-KR" dirty="0"/>
+          </a:p>
+          <a:p>
+            <a:r>
+              <a:rPr lang="ko-KR" altLang="en-US" dirty="0"/>
+              <a:t>제가 드린 프로그램을 활용하시면 직접 해보실 수 </a:t>
             </a:r>
             <a:r>
               <a:rPr lang="ko-KR" altLang="en-US" dirty="0" err="1"/>
-              <a:t>아니라서</a:t>
-            </a:r>
-            <a:r>
-              <a:rPr lang="ko-KR" altLang="en-US" dirty="0"/>
-              <a:t> 그런지</a:t>
+              <a:t>있는거고</a:t>
             </a:r>
             <a:endParaRPr lang="en-US" altLang="ko-KR" dirty="0"/>
           </a:p>
           <a:p>
             <a:r>
               <a:rPr lang="ko-KR" altLang="en-US" dirty="0"/>
-              <a:t>도대체 얼마나 리스크를 감당하라는 건지 도통 모르겠죠</a:t>
+              <a:t>이렇게 효율적인 리턴 대비 리스크 포트폴리오를 구성하는 게 전략을 수립한다 행위의 진짜 </a:t>
+            </a:r>
+            <a:r>
+              <a:rPr lang="ko-KR" altLang="en-US" dirty="0" err="1"/>
+              <a:t>의미인거죠</a:t>
             </a:r>
             <a:r>
               <a:rPr lang="en-US" altLang="ko-KR" dirty="0"/>
               <a:t>.</a:t>
             </a:r>
-          </a:p>
-          <a:p>
-            <a:endParaRPr lang="en-US" altLang="ko-KR" dirty="0"/>
-          </a:p>
-          <a:p>
-            <a:r>
-              <a:rPr lang="ko-KR" altLang="en-US" dirty="0"/>
-              <a:t>그래서 제가 자산들의</a:t>
-            </a:r>
-            <a:r>
-              <a:rPr lang="en-US" altLang="ko-KR" dirty="0"/>
-              <a:t> </a:t>
-            </a:r>
-            <a:r>
-              <a:rPr lang="ko-KR" altLang="en-US" dirty="0"/>
-              <a:t>기본적인 분석을 통해서 변동성에 대한 감을 잡을 수 있도록</a:t>
-            </a:r>
-            <a:endParaRPr lang="en-US" altLang="ko-KR" dirty="0"/>
-          </a:p>
-          <a:p>
-            <a:r>
-              <a:rPr lang="ko-KR" altLang="en-US" dirty="0"/>
-              <a:t>첫번째 프로그램을 만들어 뒀습니다</a:t>
-            </a:r>
-            <a:r>
-              <a:rPr lang="en-US" altLang="ko-KR" dirty="0"/>
-              <a:t>.</a:t>
-            </a:r>
-          </a:p>
-          <a:p>
-            <a:r>
-              <a:rPr lang="ko-KR" altLang="en-US" dirty="0"/>
-              <a:t>조금 있다가 같이 돌려보시고 일단 먼저 장표로 보시죠</a:t>
-            </a:r>
-            <a:r>
-              <a:rPr lang="en-US" altLang="ko-KR" dirty="0"/>
-              <a:t>.</a:t>
-            </a:r>
-          </a:p>
-        </p:txBody>
-      </p:sp>
-      <p:sp>
-        <p:nvSpPr>
-          <p:cNvPr id="4" name="슬라이드 번호 개체 틀 3"/>
+            <a:endParaRPr lang="ko-KR" altLang="en-US" dirty="0"/>
+          </a:p>
+        </p:txBody>
+      </p:sp>
+      <p:sp>
+        <p:nvSpPr>
+          <p:cNvPr id="4" name="슬라이드 번호 개체 틀 3">
+            <a:extLst>
+              <a:ext uri="{FF2B5EF4-FFF2-40B4-BE49-F238E27FC236}">
+                <a16:creationId xmlns:a16="http://schemas.microsoft.com/office/drawing/2014/main" id="{2F768616-3CCC-6F0D-943D-B750EB8190FA}"/>
+              </a:ext>
+            </a:extLst>
+          </p:cNvPr>
           <p:cNvSpPr>
             <a:spLocks noGrp="1"/>
           </p:cNvSpPr>
@@ -2020,7 +2155,7 @@
           <a:p>
             <a:fld id="{AF377DAE-6E9C-4F87-A8EC-C6E75F6BD3E4}" type="slidenum">
               <a:rPr lang="ko-KR" altLang="en-US" smtClean="0"/>
-              <a:t>17</a:t>
+              <a:t>16</a:t>
             </a:fld>
             <a:endParaRPr lang="ko-KR" altLang="en-US"/>
           </a:p>
@@ -2029,7 +2164,7 @@
     </p:spTree>
     <p:extLst>
       <p:ext uri="{BB962C8B-B14F-4D97-AF65-F5344CB8AC3E}">
-        <p14:creationId xmlns:p14="http://schemas.microsoft.com/office/powerpoint/2010/main" val="2008329760"/>
+        <p14:creationId xmlns:p14="http://schemas.microsoft.com/office/powerpoint/2010/main" val="653269696"/>
       </p:ext>
     </p:extLst>
   </p:cSld>
@@ -2085,15 +2220,51 @@
           <a:p>
             <a:r>
               <a:rPr lang="ko-KR" altLang="en-US" dirty="0"/>
-              <a:t>이게 </a:t>
-            </a:r>
-            <a:r>
-              <a:rPr lang="en-US" altLang="ko-KR" dirty="0"/>
-              <a:t>QQQ </a:t>
-            </a:r>
-            <a:r>
-              <a:rPr lang="ko-KR" altLang="en-US" dirty="0"/>
-              <a:t>누적 수익률인데요</a:t>
+              <a:t>그럼 이제 우리가 목표 자산을 </a:t>
+            </a:r>
+            <a:r>
+              <a:rPr lang="en-US" altLang="ko-KR" dirty="0"/>
+              <a:t>5</a:t>
+            </a:r>
+            <a:r>
+              <a:rPr lang="ko-KR" altLang="en-US" dirty="0"/>
+              <a:t>억으로 정했고</a:t>
+            </a:r>
+          </a:p>
+          <a:p>
+            <a:r>
+              <a:rPr lang="ko-KR" altLang="en-US" dirty="0"/>
+              <a:t>목표 자산을 구성하는 변수인 초기자산</a:t>
+            </a:r>
+            <a:r>
+              <a:rPr lang="en-US" altLang="ko-KR" dirty="0"/>
+              <a:t>, </a:t>
+            </a:r>
+            <a:r>
+              <a:rPr lang="ko-KR" altLang="en-US" dirty="0"/>
+              <a:t>월투자금</a:t>
+            </a:r>
+            <a:r>
+              <a:rPr lang="en-US" altLang="ko-KR" dirty="0"/>
+              <a:t>, </a:t>
+            </a:r>
+            <a:r>
+              <a:rPr lang="ko-KR" altLang="en-US" dirty="0"/>
+              <a:t>투자기간을 통해서</a:t>
+            </a:r>
+          </a:p>
+          <a:p>
+            <a:r>
+              <a:rPr lang="ko-KR" altLang="en-US" dirty="0"/>
+              <a:t>이건 사람마다 각자 다르겠죠</a:t>
+            </a:r>
+            <a:r>
+              <a:rPr lang="en-US" altLang="ko-KR" dirty="0"/>
+              <a:t>. </a:t>
+            </a:r>
+            <a:r>
+              <a:rPr lang="ko-KR" altLang="en-US" dirty="0"/>
+              <a:t>직접 입력해보시면 되고요</a:t>
             </a:r>
             <a:r>
               <a:rPr lang="en-US" altLang="ko-KR" dirty="0"/>
@@ -2103,11 +2274,7 @@
           <a:p>
             <a:r>
               <a:rPr lang="ko-KR" altLang="en-US" dirty="0"/>
-              <a:t>많이 보셨을 </a:t>
-            </a:r>
-            <a:r>
-              <a:rPr lang="ko-KR" altLang="en-US" dirty="0" err="1"/>
-              <a:t>그래프죠</a:t>
+              <a:t>이걸 통해서 필요한 기대수익률을 알게 되실 거예요</a:t>
             </a:r>
             <a:r>
               <a:rPr lang="en-US" altLang="ko-KR" dirty="0"/>
@@ -2117,79 +2284,16 @@
           <a:p>
             <a:r>
               <a:rPr lang="ko-KR" altLang="en-US" dirty="0"/>
-              <a:t>이 그래프로 봐도 약간 변동성이 </a:t>
-            </a:r>
-            <a:r>
-              <a:rPr lang="ko-KR" altLang="en-US" dirty="0" err="1"/>
-              <a:t>뭔지는</a:t>
-            </a:r>
-            <a:r>
-              <a:rPr lang="ko-KR" altLang="en-US" dirty="0"/>
-              <a:t> 조금 감은 오죠</a:t>
-            </a:r>
-            <a:r>
-              <a:rPr lang="en-US" altLang="ko-KR" dirty="0"/>
-              <a:t>.</a:t>
-            </a:r>
-          </a:p>
-          <a:p>
-            <a:r>
-              <a:rPr lang="ko-KR" altLang="en-US" dirty="0"/>
-              <a:t>여기 경기 침체 기간 전후로 주가가 </a:t>
-            </a:r>
-            <a:r>
-              <a:rPr lang="ko-KR" altLang="en-US" dirty="0" err="1"/>
-              <a:t>출렁출렁하는게</a:t>
-            </a:r>
-            <a:r>
-              <a:rPr lang="ko-KR" altLang="en-US" dirty="0"/>
-              <a:t> 보이니까요</a:t>
-            </a:r>
-            <a:r>
-              <a:rPr lang="en-US" altLang="ko-KR" dirty="0"/>
-              <a:t>.</a:t>
-            </a:r>
-          </a:p>
-          <a:p>
-            <a:r>
-              <a:rPr lang="ko-KR" altLang="en-US" dirty="0"/>
-              <a:t>근데 이걸 본다고 해서 </a:t>
-            </a:r>
-            <a:r>
-              <a:rPr lang="en-US" altLang="ko-KR" dirty="0"/>
-              <a:t>QQQ</a:t>
-            </a:r>
-            <a:r>
-              <a:rPr lang="ko-KR" altLang="en-US" dirty="0"/>
-              <a:t>를 투자하면서</a:t>
+              <a:t>그리고 기대수익률이 변동성과 비례한다는 것도 설명을 통해서</a:t>
             </a:r>
             <a:endParaRPr lang="en-US" altLang="ko-KR" dirty="0"/>
           </a:p>
           <a:p>
             <a:r>
               <a:rPr lang="ko-KR" altLang="en-US" dirty="0"/>
-              <a:t>도대체 얼마의 변동성을 감내해야 하는지는</a:t>
+              <a:t>어느 정도 이해는 하셨을 텐데</a:t>
             </a:r>
             <a:endParaRPr lang="en-US" altLang="ko-KR" dirty="0"/>
-          </a:p>
-          <a:p>
-            <a:r>
-              <a:rPr lang="ko-KR" altLang="en-US" dirty="0"/>
-              <a:t>잘 모르겠다</a:t>
-            </a:r>
-            <a:r>
-              <a:rPr lang="en-US" altLang="ko-KR" dirty="0"/>
-              <a:t>. </a:t>
-            </a:r>
-            <a:r>
-              <a:rPr lang="ko-KR" altLang="en-US" dirty="0" err="1"/>
-              <a:t>그쵸</a:t>
-            </a:r>
-            <a:r>
-              <a:rPr lang="en-US" altLang="ko-KR" dirty="0"/>
-              <a:t>.</a:t>
-            </a:r>
-            <a:endParaRPr lang="ko-KR" altLang="en-US" dirty="0"/>
           </a:p>
         </p:txBody>
       </p:sp>
@@ -2210,7 +2314,7 @@
           <a:p>
             <a:fld id="{AF377DAE-6E9C-4F87-A8EC-C6E75F6BD3E4}" type="slidenum">
               <a:rPr lang="ko-KR" altLang="en-US" smtClean="0"/>
-              <a:t>18</a:t>
+              <a:t>17</a:t>
             </a:fld>
             <a:endParaRPr lang="ko-KR" altLang="en-US"/>
           </a:p>
@@ -2219,7 +2323,7 @@
     </p:spTree>
     <p:extLst>
       <p:ext uri="{BB962C8B-B14F-4D97-AF65-F5344CB8AC3E}">
-        <p14:creationId xmlns:p14="http://schemas.microsoft.com/office/powerpoint/2010/main" val="3838161193"/>
+        <p14:creationId xmlns:p14="http://schemas.microsoft.com/office/powerpoint/2010/main" val="3123320162"/>
       </p:ext>
     </p:extLst>
   </p:cSld>
@@ -2275,39 +2379,60 @@
           <a:p>
             <a:r>
               <a:rPr lang="ko-KR" altLang="en-US" dirty="0"/>
-              <a:t>그래서 금융 통계 분야에서 자주 활용하는 방법이</a:t>
+              <a:t>근데 이 변동성이라는 게 확 와닿지는 않아요</a:t>
+            </a:r>
+            <a:r>
+              <a:rPr lang="en-US" altLang="ko-KR" dirty="0"/>
+              <a:t>.</a:t>
+            </a:r>
+          </a:p>
+          <a:p>
+            <a:r>
+              <a:rPr lang="ko-KR" altLang="en-US" dirty="0"/>
+              <a:t>일상적으로 사용하는 단어는 </a:t>
+            </a:r>
+            <a:r>
+              <a:rPr lang="ko-KR" altLang="en-US" dirty="0" err="1"/>
+              <a:t>아니라서</a:t>
+            </a:r>
+            <a:r>
+              <a:rPr lang="ko-KR" altLang="en-US" dirty="0"/>
+              <a:t> 그런지</a:t>
             </a:r>
             <a:endParaRPr lang="en-US" altLang="ko-KR" dirty="0"/>
           </a:p>
           <a:p>
             <a:r>
               <a:rPr lang="ko-KR" altLang="en-US" dirty="0"/>
-              <a:t>하루하루 수익률의 변동성을 이렇게 분포표로 표현하는 건데</a:t>
-            </a:r>
+              <a:t>도대체 얼마나 리스크를 감당하라는 건지 도통 모르겠죠</a:t>
+            </a:r>
+            <a:r>
+              <a:rPr lang="en-US" altLang="ko-KR" dirty="0"/>
+              <a:t>.</a:t>
+            </a:r>
+          </a:p>
+          <a:p>
             <a:endParaRPr lang="en-US" altLang="ko-KR" dirty="0"/>
           </a:p>
           <a:p>
             <a:r>
               <a:rPr lang="ko-KR" altLang="en-US" dirty="0"/>
-              <a:t>이 분포표를 보면 하루에 </a:t>
-            </a:r>
-            <a:r>
-              <a:rPr lang="en-US" altLang="ko-KR" dirty="0"/>
-              <a:t>-2.17% </a:t>
-            </a:r>
-            <a:r>
-              <a:rPr lang="ko-KR" altLang="en-US" dirty="0"/>
-              <a:t>하락 정도를 감당하면 되는 건가</a:t>
-            </a:r>
-            <a:r>
-              <a:rPr lang="en-US" altLang="ko-KR" dirty="0"/>
-              <a:t>?</a:t>
-            </a:r>
-          </a:p>
-          <a:p>
-            <a:r>
-              <a:rPr lang="ko-KR" altLang="en-US" dirty="0"/>
-              <a:t>이렇게 생각하게 되죠</a:t>
+              <a:t>그래서 제가 자산들의</a:t>
+            </a:r>
+            <a:r>
+              <a:rPr lang="en-US" altLang="ko-KR" dirty="0"/>
+              <a:t> </a:t>
+            </a:r>
+            <a:r>
+              <a:rPr lang="ko-KR" altLang="en-US" dirty="0"/>
+              <a:t>기본적인 분석을 통해서 변동성에 대한 감을 잡을 수 있도록</a:t>
+            </a:r>
+            <a:endParaRPr lang="en-US" altLang="ko-KR" dirty="0"/>
+          </a:p>
+          <a:p>
+            <a:r>
+              <a:rPr lang="ko-KR" altLang="en-US" dirty="0"/>
+              <a:t>첫번째 프로그램을 만들어 뒀습니다</a:t>
             </a:r>
             <a:r>
               <a:rPr lang="en-US" altLang="ko-KR" dirty="0"/>
@@ -2317,37 +2442,11 @@
           <a:p>
             <a:r>
               <a:rPr lang="ko-KR" altLang="en-US" dirty="0"/>
-              <a:t>실제로 전문투자자나 기관에서는 이렇게 변동성을 측정해서</a:t>
-            </a:r>
-            <a:endParaRPr lang="en-US" altLang="ko-KR" dirty="0"/>
-          </a:p>
-          <a:p>
-            <a:r>
-              <a:rPr lang="ko-KR" altLang="en-US" dirty="0"/>
-              <a:t>리스크 관리를 하기도 하는데요</a:t>
+              <a:t>조금 있다가 같이 돌려보시고 일단 먼저 장표로 보시죠</a:t>
             </a:r>
             <a:r>
               <a:rPr lang="en-US" altLang="ko-KR" dirty="0"/>
               <a:t>.</a:t>
-            </a:r>
-          </a:p>
-          <a:p>
-            <a:endParaRPr lang="en-US" altLang="ko-KR" dirty="0"/>
-          </a:p>
-          <a:p>
-            <a:r>
-              <a:rPr lang="ko-KR" altLang="en-US" dirty="0"/>
-              <a:t>저희 같은 개인 투자자한테는 크게 와닿지는 않죠</a:t>
-            </a:r>
-            <a:r>
-              <a:rPr lang="en-US" altLang="ko-KR" dirty="0"/>
-              <a:t>.</a:t>
-            </a:r>
-          </a:p>
-          <a:p>
-            <a:r>
-              <a:rPr lang="ko-KR" altLang="en-US" dirty="0"/>
-              <a:t>이것보다는 오히려</a:t>
             </a:r>
           </a:p>
         </p:txBody>
@@ -2369,7 +2468,7 @@
           <a:p>
             <a:fld id="{AF377DAE-6E9C-4F87-A8EC-C6E75F6BD3E4}" type="slidenum">
               <a:rPr lang="ko-KR" altLang="en-US" smtClean="0"/>
-              <a:t>19</a:t>
+              <a:t>18</a:t>
             </a:fld>
             <a:endParaRPr lang="ko-KR" altLang="en-US"/>
           </a:p>
@@ -2378,7 +2477,7 @@
     </p:spTree>
     <p:extLst>
       <p:ext uri="{BB962C8B-B14F-4D97-AF65-F5344CB8AC3E}">
-        <p14:creationId xmlns:p14="http://schemas.microsoft.com/office/powerpoint/2010/main" val="3231610190"/>
+        <p14:creationId xmlns:p14="http://schemas.microsoft.com/office/powerpoint/2010/main" val="2008329760"/>
       </p:ext>
     </p:extLst>
   </p:cSld>
@@ -2434,51 +2533,109 @@
           <a:p>
             <a:r>
               <a:rPr lang="ko-KR" altLang="en-US" dirty="0"/>
-              <a:t>이렇게 경기침체가 왔을 때</a:t>
+              <a:t>이게 </a:t>
+            </a:r>
+            <a:r>
+              <a:rPr lang="en-US" altLang="ko-KR" dirty="0"/>
+              <a:t>QQQ </a:t>
+            </a:r>
+            <a:r>
+              <a:rPr lang="ko-KR" altLang="en-US" dirty="0"/>
+              <a:t>누적 수익률인데요</a:t>
+            </a:r>
+            <a:r>
+              <a:rPr lang="en-US" altLang="ko-KR" dirty="0"/>
+              <a:t>.</a:t>
+            </a:r>
+          </a:p>
+          <a:p>
+            <a:r>
+              <a:rPr lang="ko-KR" altLang="en-US" dirty="0"/>
+              <a:t>많이 보셨을 </a:t>
+            </a:r>
+            <a:r>
+              <a:rPr lang="ko-KR" altLang="en-US" dirty="0" err="1"/>
+              <a:t>그래프죠</a:t>
+            </a:r>
+            <a:r>
+              <a:rPr lang="en-US" altLang="ko-KR" dirty="0"/>
+              <a:t>.</a:t>
+            </a:r>
+          </a:p>
+          <a:p>
+            <a:r>
+              <a:rPr lang="ko-KR" altLang="en-US" dirty="0"/>
+              <a:t>이 그래프로 봐도 약간 변동성이 </a:t>
+            </a:r>
+            <a:r>
+              <a:rPr lang="ko-KR" altLang="en-US" dirty="0" err="1"/>
+              <a:t>뭔지는</a:t>
+            </a:r>
+            <a:r>
+              <a:rPr lang="ko-KR" altLang="en-US" dirty="0"/>
+              <a:t> 조금 감은 오죠</a:t>
+            </a:r>
+            <a:r>
+              <a:rPr lang="en-US" altLang="ko-KR" dirty="0"/>
+              <a:t>.</a:t>
+            </a:r>
+          </a:p>
+          <a:p>
+            <a:r>
+              <a:rPr lang="ko-KR" altLang="en-US" dirty="0"/>
+              <a:t>여기 경기 침체 기간 전후로 주가가 </a:t>
+            </a:r>
+            <a:r>
+              <a:rPr lang="ko-KR" altLang="en-US" dirty="0" err="1"/>
+              <a:t>출렁출렁하는게</a:t>
+            </a:r>
+            <a:r>
+              <a:rPr lang="ko-KR" altLang="en-US" dirty="0"/>
+              <a:t> 보이니까요</a:t>
+            </a:r>
+            <a:r>
+              <a:rPr lang="en-US" altLang="ko-KR" dirty="0"/>
+              <a:t>.</a:t>
+            </a:r>
+          </a:p>
+          <a:p>
+            <a:r>
+              <a:rPr lang="ko-KR" altLang="en-US" dirty="0"/>
+              <a:t>근데 이걸 본다고 해서 </a:t>
+            </a:r>
+            <a:r>
+              <a:rPr lang="en-US" altLang="ko-KR" dirty="0"/>
+              <a:t>QQQ</a:t>
+            </a:r>
+            <a:r>
+              <a:rPr lang="ko-KR" altLang="en-US" dirty="0"/>
+              <a:t>를 투자하면서</a:t>
             </a:r>
             <a:endParaRPr lang="en-US" altLang="ko-KR" dirty="0"/>
           </a:p>
           <a:p>
             <a:r>
               <a:rPr lang="ko-KR" altLang="en-US" dirty="0"/>
-              <a:t>최대로 많이 떨어지는 게 어느 </a:t>
+              <a:t>도대체 얼마의 변동성을 감내해야 하는지는</a:t>
+            </a:r>
+            <a:endParaRPr lang="en-US" altLang="ko-KR" dirty="0"/>
+          </a:p>
+          <a:p>
+            <a:r>
+              <a:rPr lang="ko-KR" altLang="en-US" dirty="0"/>
+              <a:t>잘 모르겠다</a:t>
+            </a:r>
+            <a:r>
+              <a:rPr lang="en-US" altLang="ko-KR" dirty="0"/>
+              <a:t>. </a:t>
             </a:r>
             <a:r>
               <a:rPr lang="ko-KR" altLang="en-US" dirty="0" err="1"/>
-              <a:t>정도냐</a:t>
-            </a:r>
-            <a:endParaRPr lang="en-US" altLang="ko-KR" dirty="0"/>
-          </a:p>
-          <a:p>
-            <a:r>
-              <a:rPr lang="ko-KR" altLang="en-US" dirty="0"/>
-              <a:t>이런 지표가 훨씬 더 잘 와닿고요</a:t>
+              <a:t>그쵸</a:t>
             </a:r>
             <a:r>
               <a:rPr lang="en-US" altLang="ko-KR" dirty="0"/>
               <a:t>.</a:t>
-            </a:r>
-          </a:p>
-          <a:p>
-            <a:r>
-              <a:rPr lang="en-US" altLang="ko-KR" dirty="0"/>
-              <a:t>QQQ</a:t>
-            </a:r>
-            <a:r>
-              <a:rPr lang="ko-KR" altLang="en-US" dirty="0"/>
-              <a:t>는 유명하죠</a:t>
-            </a:r>
-            <a:r>
-              <a:rPr lang="en-US" altLang="ko-KR" dirty="0"/>
-              <a:t>. </a:t>
-            </a:r>
-            <a:r>
-              <a:rPr lang="ko-KR" altLang="en-US" dirty="0"/>
-              <a:t>닷컴 버블에 </a:t>
-            </a:r>
-            <a:r>
-              <a:rPr lang="en-US" altLang="ko-KR" dirty="0"/>
-              <a:t>MDD -80%</a:t>
             </a:r>
             <a:endParaRPr lang="ko-KR" altLang="en-US" dirty="0"/>
           </a:p>
@@ -2501,7 +2658,7 @@
           <a:p>
             <a:fld id="{AF377DAE-6E9C-4F87-A8EC-C6E75F6BD3E4}" type="slidenum">
               <a:rPr lang="ko-KR" altLang="en-US" smtClean="0"/>
-              <a:t>20</a:t>
+              <a:t>19</a:t>
             </a:fld>
             <a:endParaRPr lang="ko-KR" altLang="en-US"/>
           </a:p>
@@ -2510,7 +2667,7 @@
     </p:spTree>
     <p:extLst>
       <p:ext uri="{BB962C8B-B14F-4D97-AF65-F5344CB8AC3E}">
-        <p14:creationId xmlns:p14="http://schemas.microsoft.com/office/powerpoint/2010/main" val="2109581950"/>
+        <p14:creationId xmlns:p14="http://schemas.microsoft.com/office/powerpoint/2010/main" val="3838161193"/>
       </p:ext>
     </p:extLst>
   </p:cSld>
@@ -2525,7 +2682,13 @@
   <p:cSld>
     <p:spTree>
       <p:nvGrpSpPr>
-        <p:cNvPr id="1" name=""/>
+        <p:cNvPr id="1" name="">
+          <a:extLst>
+            <a:ext uri="{FF2B5EF4-FFF2-40B4-BE49-F238E27FC236}">
+              <a16:creationId xmlns:a16="http://schemas.microsoft.com/office/drawing/2014/main" id="{E1307B0F-B37B-6BD3-FDA2-E240BE80442B}"/>
+            </a:ext>
+          </a:extLst>
+        </p:cNvPr>
         <p:cNvGrpSpPr/>
         <p:nvPr/>
       </p:nvGrpSpPr>
@@ -2539,7 +2702,13 @@
       </p:grpSpPr>
       <p:sp>
         <p:nvSpPr>
-          <p:cNvPr id="2" name="슬라이드 이미지 개체 틀 1"/>
+          <p:cNvPr id="2" name="슬라이드 이미지 개체 틀 1">
+            <a:extLst>
+              <a:ext uri="{FF2B5EF4-FFF2-40B4-BE49-F238E27FC236}">
+                <a16:creationId xmlns:a16="http://schemas.microsoft.com/office/drawing/2014/main" id="{224404E9-18E7-6E30-1461-518B806E3422}"/>
+              </a:ext>
+            </a:extLst>
+          </p:cNvPr>
           <p:cNvSpPr>
             <a:spLocks noGrp="1" noRot="1" noChangeAspect="1"/>
           </p:cNvSpPr>
@@ -2551,7 +2720,13 @@
       </p:sp>
       <p:sp>
         <p:nvSpPr>
-          <p:cNvPr id="3" name="슬라이드 노트 개체 틀 2"/>
+          <p:cNvPr id="3" name="슬라이드 노트 개체 틀 2">
+            <a:extLst>
+              <a:ext uri="{FF2B5EF4-FFF2-40B4-BE49-F238E27FC236}">
+                <a16:creationId xmlns:a16="http://schemas.microsoft.com/office/drawing/2014/main" id="{EB16B960-89F0-3436-7A16-46F755927638}"/>
+              </a:ext>
+            </a:extLst>
+          </p:cNvPr>
           <p:cNvSpPr>
             <a:spLocks noGrp="1"/>
           </p:cNvSpPr>
@@ -2566,15 +2741,29 @@
           <a:p>
             <a:r>
               <a:rPr lang="ko-KR" altLang="en-US" dirty="0"/>
-              <a:t>제가 제시하는 목표는 금융자산 </a:t>
-            </a:r>
-            <a:r>
-              <a:rPr lang="en-US" altLang="ko-KR" dirty="0"/>
-              <a:t>5</a:t>
-            </a:r>
-            <a:r>
-              <a:rPr lang="ko-KR" altLang="en-US" dirty="0"/>
-              <a:t>억인데요</a:t>
+              <a:t>제가 비록 </a:t>
+            </a:r>
+            <a:r>
+              <a:rPr lang="ko-KR" altLang="en-US" dirty="0" err="1"/>
+              <a:t>파이썬을</a:t>
+            </a:r>
+            <a:r>
+              <a:rPr lang="ko-KR" altLang="en-US" dirty="0"/>
+              <a:t> 활용한 데이터 분석이라는 주제로 강의안내를 </a:t>
+            </a:r>
+            <a:r>
+              <a:rPr lang="ko-KR" altLang="en-US" dirty="0" err="1"/>
+              <a:t>드리긴했지만</a:t>
+            </a:r>
+            <a:r>
+              <a:rPr lang="en-US" altLang="ko-KR" dirty="0"/>
+              <a:t>,</a:t>
+            </a:r>
+          </a:p>
+          <a:p>
+            <a:r>
+              <a:rPr lang="ko-KR" altLang="en-US" dirty="0"/>
+              <a:t>제 영상을 보시고 오신 분들은 파이썬 사용법 자체가 궁금하신 분들은 별로 없으실 거예요</a:t>
             </a:r>
             <a:r>
               <a:rPr lang="en-US" altLang="ko-KR" dirty="0"/>
@@ -2584,19 +2773,53 @@
           <a:p>
             <a:r>
               <a:rPr lang="ko-KR" altLang="en-US" dirty="0"/>
-              <a:t>왜 하필 </a:t>
-            </a:r>
-            <a:r>
-              <a:rPr lang="en-US" altLang="ko-KR" dirty="0"/>
-              <a:t>5</a:t>
-            </a:r>
-            <a:r>
-              <a:rPr lang="ko-KR" altLang="en-US" dirty="0"/>
-              <a:t>억일까요</a:t>
-            </a:r>
-            <a:r>
-              <a:rPr lang="en-US" altLang="ko-KR" dirty="0"/>
-              <a:t>?</a:t>
+              <a:t>왜냐하면 </a:t>
+            </a:r>
+            <a:r>
+              <a:rPr lang="ko-KR" altLang="en-US" dirty="0" err="1"/>
+              <a:t>파이썬을</a:t>
+            </a:r>
+            <a:r>
+              <a:rPr lang="ko-KR" altLang="en-US" dirty="0"/>
+              <a:t> 활용하는 방법 자체는 개발자나 데이터 분석가로 취업을 준비할 때는 유용하지만</a:t>
+            </a:r>
+          </a:p>
+          <a:p>
+            <a:r>
+              <a:rPr lang="ko-KR" altLang="en-US" dirty="0"/>
+              <a:t>미국 주식에 </a:t>
+            </a:r>
+            <a:r>
+              <a:rPr lang="en-US" altLang="ko-KR" dirty="0"/>
+              <a:t>"</a:t>
+            </a:r>
+            <a:r>
+              <a:rPr lang="ko-KR" altLang="en-US" dirty="0"/>
+              <a:t>투자</a:t>
+            </a:r>
+            <a:r>
+              <a:rPr lang="en-US" altLang="ko-KR" dirty="0"/>
+              <a:t>"</a:t>
+            </a:r>
+            <a:r>
+              <a:rPr lang="ko-KR" altLang="en-US" dirty="0"/>
+              <a:t>하기 위해 반드시 필요한 능력</a:t>
+            </a:r>
+            <a:r>
+              <a:rPr lang="en-US" altLang="ko-KR" dirty="0"/>
+              <a:t>? </a:t>
+            </a:r>
+            <a:r>
+              <a:rPr lang="ko-KR" altLang="en-US" dirty="0"/>
+              <a:t>이라고 생각되지는 않기 </a:t>
+            </a:r>
+            <a:r>
+              <a:rPr lang="ko-KR" altLang="en-US" dirty="0" err="1"/>
+              <a:t>때문일텐데요</a:t>
+            </a:r>
+            <a:r>
+              <a:rPr lang="en-US" altLang="ko-KR" dirty="0"/>
+              <a:t>.</a:t>
             </a:r>
           </a:p>
           <a:p>
@@ -2605,33 +2828,223 @@
           <a:p>
             <a:r>
               <a:rPr lang="ko-KR" altLang="en-US" dirty="0"/>
-              <a:t>지금부터 제가 제시하는 목표 금액이 왜 </a:t>
-            </a:r>
-            <a:r>
-              <a:rPr lang="en-US" altLang="ko-KR" dirty="0"/>
-              <a:t>5</a:t>
-            </a:r>
-            <a:r>
-              <a:rPr lang="ko-KR" altLang="en-US" dirty="0"/>
-              <a:t>억인지</a:t>
-            </a:r>
-          </a:p>
-          <a:p>
-            <a:r>
-              <a:rPr lang="ko-KR" altLang="en-US" dirty="0"/>
-              <a:t>말씀드리겠습니다</a:t>
+              <a:t>그래서 여러분들에게 좀 더 실용적으로 와닿을 수 있도록</a:t>
+            </a:r>
+          </a:p>
+          <a:p>
+            <a:r>
+              <a:rPr lang="ko-KR" altLang="en-US" dirty="0"/>
+              <a:t>어떻게 투자 목표를 체계적으로 수립하고</a:t>
+            </a:r>
+          </a:p>
+          <a:p>
+            <a:r>
+              <a:rPr lang="ko-KR" altLang="en-US" dirty="0"/>
+              <a:t>전략을 데이터 기반으로 </a:t>
+            </a:r>
+            <a:r>
+              <a:rPr lang="ko-KR" altLang="en-US" dirty="0" err="1"/>
+              <a:t>테스하고</a:t>
+            </a:r>
+            <a:r>
+              <a:rPr lang="ko-KR" altLang="en-US" dirty="0"/>
+              <a:t> 구체화할 수 있는지를</a:t>
+            </a:r>
+          </a:p>
+          <a:p>
+            <a:r>
+              <a:rPr lang="ko-KR" altLang="en-US" dirty="0" err="1"/>
+              <a:t>설명드리면서</a:t>
+            </a:r>
+            <a:r>
+              <a:rPr lang="ko-KR" altLang="en-US" dirty="0"/>
+              <a:t> 도구로써 </a:t>
+            </a:r>
+            <a:r>
+              <a:rPr lang="ko-KR" altLang="en-US" dirty="0" err="1"/>
+              <a:t>파이썬의</a:t>
+            </a:r>
+            <a:r>
+              <a:rPr lang="ko-KR" altLang="en-US" dirty="0"/>
+              <a:t> 간단한 활용법 위주로 </a:t>
+            </a:r>
+            <a:r>
+              <a:rPr lang="ko-KR" altLang="en-US" dirty="0" err="1"/>
+              <a:t>설명드리도록</a:t>
+            </a:r>
+            <a:r>
+              <a:rPr lang="ko-KR" altLang="en-US" dirty="0"/>
+              <a:t> 하겠습니다</a:t>
             </a:r>
             <a:r>
               <a:rPr lang="en-US" altLang="ko-KR" dirty="0"/>
               <a:t>.</a:t>
             </a:r>
+          </a:p>
+          <a:p>
+            <a:endParaRPr lang="en-US" altLang="ko-KR" dirty="0"/>
+          </a:p>
+          <a:p>
+            <a:r>
+              <a:rPr lang="ko-KR" altLang="en-US" dirty="0"/>
+              <a:t>제가 사전에 배포해드린 프로그램을 활용하면</a:t>
+            </a:r>
+          </a:p>
+          <a:p>
+            <a:r>
+              <a:rPr lang="ko-KR" altLang="en-US" dirty="0"/>
+              <a:t>굳이 어려운 파이썬 코드를 직접 짜지 않아도</a:t>
+            </a:r>
+          </a:p>
+          <a:p>
+            <a:r>
+              <a:rPr lang="ko-KR" altLang="en-US" dirty="0"/>
+              <a:t>약간의 단축키만 활용해서</a:t>
+            </a:r>
+          </a:p>
+          <a:p>
+            <a:r>
+              <a:rPr lang="ko-KR" altLang="en-US" dirty="0"/>
+              <a:t>오늘 설명드릴 내용은 물론이고</a:t>
+            </a:r>
+          </a:p>
+          <a:p>
+            <a:r>
+              <a:rPr lang="ko-KR" altLang="en-US" dirty="0"/>
+              <a:t>포트폴리오 수립도 </a:t>
+            </a:r>
+            <a:r>
+              <a:rPr lang="ko-KR" altLang="en-US" dirty="0" err="1"/>
+              <a:t>직접해보실</a:t>
+            </a:r>
+            <a:r>
+              <a:rPr lang="ko-KR" altLang="en-US" dirty="0"/>
+              <a:t> 수 있으니까</a:t>
+            </a:r>
+          </a:p>
+          <a:p>
+            <a:r>
+              <a:rPr lang="ko-KR" altLang="en-US" dirty="0"/>
+              <a:t>너무 걱정하지 마세요</a:t>
+            </a:r>
+            <a:r>
+              <a:rPr lang="en-US" altLang="ko-KR" dirty="0"/>
+              <a:t>.</a:t>
+            </a:r>
+          </a:p>
+          <a:p>
+            <a:endParaRPr lang="en-US" altLang="ko-KR" dirty="0"/>
+          </a:p>
+          <a:p>
+            <a:r>
+              <a:rPr lang="ko-KR" altLang="en-US" dirty="0"/>
+              <a:t>먼저 우리가 투자를 한다고 할 때</a:t>
+            </a:r>
+            <a:r>
+              <a:rPr lang="en-US" altLang="ko-KR" dirty="0"/>
+              <a:t>,</a:t>
+            </a:r>
+          </a:p>
+          <a:p>
+            <a:r>
+              <a:rPr lang="ko-KR" altLang="en-US" dirty="0"/>
+              <a:t>당연히 돈을 많이 벌면 벌수록 좋겠지만</a:t>
+            </a:r>
+          </a:p>
+          <a:p>
+            <a:r>
+              <a:rPr lang="ko-KR" altLang="en-US" dirty="0"/>
+              <a:t>그렇게 막연하게 많은 차익</a:t>
+            </a:r>
+            <a:r>
+              <a:rPr lang="en-US" altLang="ko-KR" dirty="0"/>
+              <a:t>.</a:t>
+            </a:r>
+          </a:p>
+          <a:p>
+            <a:r>
+              <a:rPr lang="ko-KR" altLang="en-US" dirty="0"/>
+              <a:t>그러니까 높은 수익률을 추구하면</a:t>
+            </a:r>
+          </a:p>
+          <a:p>
+            <a:r>
+              <a:rPr lang="ko-KR" altLang="en-US" dirty="0"/>
+              <a:t>자칫 감당할 수 없는 리스크에 놓이게 될 수 있는데요</a:t>
+            </a:r>
+            <a:r>
+              <a:rPr lang="en-US" altLang="ko-KR" dirty="0"/>
+              <a:t>.</a:t>
+            </a:r>
+          </a:p>
+          <a:p>
+            <a:endParaRPr lang="en-US" altLang="ko-KR" dirty="0"/>
+          </a:p>
+          <a:p>
+            <a:r>
+              <a:rPr lang="ko-KR" altLang="en-US" dirty="0"/>
+              <a:t>그래서 투자 전략 수립의 가장 기본은 투자 목표 설정입니다</a:t>
+            </a:r>
+            <a:r>
+              <a:rPr lang="en-US" altLang="ko-KR" dirty="0"/>
+              <a:t>.</a:t>
+            </a:r>
+          </a:p>
+          <a:p>
+            <a:endParaRPr lang="en-US" altLang="ko-KR" dirty="0"/>
+          </a:p>
+          <a:p>
+            <a:r>
+              <a:rPr lang="ko-KR" altLang="en-US" dirty="0"/>
+              <a:t>목표라고 해서 거창할 건 없고</a:t>
+            </a:r>
+            <a:r>
+              <a:rPr lang="en-US" altLang="ko-KR" dirty="0"/>
+              <a:t>,</a:t>
+            </a:r>
+          </a:p>
+          <a:p>
+            <a:r>
+              <a:rPr lang="ko-KR" altLang="en-US" dirty="0"/>
+              <a:t>현금흐름 얼마를 만들겠다</a:t>
+            </a:r>
+            <a:r>
+              <a:rPr lang="en-US" altLang="ko-KR" dirty="0"/>
+              <a:t>.</a:t>
+            </a:r>
+          </a:p>
+          <a:p>
+            <a:r>
+              <a:rPr lang="ko-KR" altLang="en-US" dirty="0"/>
+              <a:t>아니면 목돈 얼마를 만들겠다</a:t>
+            </a:r>
+            <a:r>
+              <a:rPr lang="en-US" altLang="ko-KR" dirty="0"/>
+              <a:t>.</a:t>
+            </a:r>
+          </a:p>
+          <a:p>
+            <a:r>
+              <a:rPr lang="ko-KR" altLang="en-US" dirty="0"/>
+              <a:t>이런 식의 목표면 충분합니다</a:t>
+            </a:r>
+            <a:r>
+              <a:rPr lang="en-US" altLang="ko-KR" dirty="0"/>
+              <a:t>.</a:t>
+            </a:r>
             <a:endParaRPr lang="ko-KR" altLang="en-US" dirty="0"/>
           </a:p>
         </p:txBody>
       </p:sp>
       <p:sp>
         <p:nvSpPr>
-          <p:cNvPr id="4" name="슬라이드 번호 개체 틀 3"/>
+          <p:cNvPr id="4" name="슬라이드 번호 개체 틀 3">
+            <a:extLst>
+              <a:ext uri="{FF2B5EF4-FFF2-40B4-BE49-F238E27FC236}">
+                <a16:creationId xmlns:a16="http://schemas.microsoft.com/office/drawing/2014/main" id="{2A028607-D3CF-34BE-9F18-44ED2279B83D}"/>
+              </a:ext>
+            </a:extLst>
+          </p:cNvPr>
           <p:cNvSpPr>
             <a:spLocks noGrp="1"/>
           </p:cNvSpPr>
@@ -2655,7 +3068,7 @@
     </p:spTree>
     <p:extLst>
       <p:ext uri="{BB962C8B-B14F-4D97-AF65-F5344CB8AC3E}">
-        <p14:creationId xmlns:p14="http://schemas.microsoft.com/office/powerpoint/2010/main" val="583714445"/>
+        <p14:creationId xmlns:p14="http://schemas.microsoft.com/office/powerpoint/2010/main" val="3906892683"/>
       </p:ext>
     </p:extLst>
   </p:cSld>
@@ -2709,58 +3122,41 @@
           <a:bodyPr/>
           <a:lstStyle/>
           <a:p>
-            <a:pPr marL="0" marR="0" lvl="0" indent="0" algn="l" defTabSz="914400" rtl="0" eaLnBrk="1" fontAlgn="auto" latinLnBrk="1" hangingPunct="1">
-              <a:lnSpc>
-                <a:spcPct val="100000"/>
-              </a:lnSpc>
-              <a:spcBef>
-                <a:spcPts val="0"/>
-              </a:spcBef>
-              <a:spcAft>
-                <a:spcPts val="0"/>
-              </a:spcAft>
-              <a:buClrTx/>
-              <a:buSzTx/>
-              <a:buFontTx/>
-              <a:buNone/>
-              <a:tabLst/>
-              <a:defRPr/>
-            </a:pPr>
-            <a:r>
-              <a:rPr lang="en-US" altLang="ko-KR" dirty="0"/>
-              <a:t>MDD </a:t>
-            </a:r>
-            <a:r>
-              <a:rPr lang="ko-KR" altLang="en-US" dirty="0"/>
-              <a:t>못지않게 전고점을 회복하는데 얼마나 </a:t>
-            </a:r>
-            <a:r>
-              <a:rPr lang="ko-KR" altLang="en-US" dirty="0" err="1"/>
-              <a:t>걸렸느냐도</a:t>
+            <a:r>
+              <a:rPr lang="ko-KR" altLang="en-US" dirty="0"/>
+              <a:t>그래서 금융 통계 분야에서 자주 활용하는 방법이</a:t>
             </a:r>
             <a:endParaRPr lang="en-US" altLang="ko-KR" dirty="0"/>
           </a:p>
           <a:p>
-            <a:pPr marL="0" marR="0" lvl="0" indent="0" algn="l" defTabSz="914400" rtl="0" eaLnBrk="1" fontAlgn="auto" latinLnBrk="1" hangingPunct="1">
-              <a:lnSpc>
-                <a:spcPct val="100000"/>
-              </a:lnSpc>
-              <a:spcBef>
-                <a:spcPts val="0"/>
-              </a:spcBef>
-              <a:spcAft>
-                <a:spcPts val="0"/>
-              </a:spcAft>
-              <a:buClrTx/>
-              <a:buSzTx/>
-              <a:buFontTx/>
-              <a:buNone/>
-              <a:tabLst/>
-              <a:defRPr/>
-            </a:pPr>
-            <a:r>
-              <a:rPr lang="ko-KR" altLang="en-US" dirty="0"/>
-              <a:t>실제 개인 투자자 입장에서는 꽤나 중요한 지표고요</a:t>
+            <a:r>
+              <a:rPr lang="ko-KR" altLang="en-US" dirty="0"/>
+              <a:t>하루하루 수익률의 변동성을 이렇게 분포표로 표현하는 건데</a:t>
+            </a:r>
+            <a:endParaRPr lang="en-US" altLang="ko-KR" dirty="0"/>
+          </a:p>
+          <a:p>
+            <a:r>
+              <a:rPr lang="ko-KR" altLang="en-US" dirty="0"/>
+              <a:t>이 분포표를 보면 하루에 </a:t>
+            </a:r>
+            <a:r>
+              <a:rPr lang="en-US" altLang="ko-KR" dirty="0"/>
+              <a:t>-2.17% </a:t>
+            </a:r>
+            <a:r>
+              <a:rPr lang="ko-KR" altLang="en-US" dirty="0"/>
+              <a:t>하락 정도를 감당하면 되는 건가</a:t>
+            </a:r>
+            <a:r>
+              <a:rPr lang="en-US" altLang="ko-KR" dirty="0"/>
+              <a:t>?</a:t>
+            </a:r>
+          </a:p>
+          <a:p>
+            <a:r>
+              <a:rPr lang="ko-KR" altLang="en-US" dirty="0"/>
+              <a:t>이렇게 생각하게 되죠</a:t>
             </a:r>
             <a:r>
               <a:rPr lang="en-US" altLang="ko-KR" dirty="0"/>
@@ -2768,56 +3164,40 @@
             </a:r>
           </a:p>
           <a:p>
-            <a:pPr marL="0" marR="0" lvl="0" indent="0" algn="l" defTabSz="914400" rtl="0" eaLnBrk="1" fontAlgn="auto" latinLnBrk="1" hangingPunct="1">
-              <a:lnSpc>
-                <a:spcPct val="100000"/>
-              </a:lnSpc>
-              <a:spcBef>
-                <a:spcPts val="0"/>
-              </a:spcBef>
-              <a:spcAft>
-                <a:spcPts val="0"/>
-              </a:spcAft>
-              <a:buClrTx/>
-              <a:buSzTx/>
-              <a:buFontTx/>
-              <a:buNone/>
-              <a:tabLst/>
-              <a:defRPr/>
-            </a:pPr>
+            <a:r>
+              <a:rPr lang="ko-KR" altLang="en-US" dirty="0"/>
+              <a:t>실제로 전문투자자나 기관에서는 이렇게 변동성을 측정해서</a:t>
+            </a:r>
             <a:endParaRPr lang="en-US" altLang="ko-KR" dirty="0"/>
           </a:p>
           <a:p>
-            <a:pPr marL="0" marR="0" lvl="0" indent="0" algn="l" defTabSz="914400" rtl="0" eaLnBrk="1" fontAlgn="auto" latinLnBrk="1" hangingPunct="1">
-              <a:lnSpc>
-                <a:spcPct val="100000"/>
-              </a:lnSpc>
-              <a:spcBef>
-                <a:spcPts val="0"/>
-              </a:spcBef>
-              <a:spcAft>
-                <a:spcPts val="0"/>
-              </a:spcAft>
-              <a:buClrTx/>
-              <a:buSzTx/>
-              <a:buFontTx/>
-              <a:buNone/>
-              <a:tabLst/>
-              <a:defRPr/>
-            </a:pPr>
-            <a:r>
-              <a:rPr lang="en-US" altLang="ko-KR" dirty="0"/>
-              <a:t>15</a:t>
-            </a:r>
-            <a:r>
-              <a:rPr lang="ko-KR" altLang="en-US" dirty="0"/>
-              <a:t>년을 물렸다 이건 보통일이 아니잖아요</a:t>
+            <a:r>
+              <a:rPr lang="ko-KR" altLang="en-US" dirty="0"/>
+              <a:t>리스크 관리를 하기도 하는데요</a:t>
             </a:r>
             <a:r>
               <a:rPr lang="en-US" altLang="ko-KR" dirty="0"/>
               <a:t>.</a:t>
             </a:r>
-            <a:endParaRPr lang="ko-KR" altLang="en-US" dirty="0"/>
+          </a:p>
+          <a:p>
+            <a:endParaRPr lang="en-US" altLang="ko-KR" dirty="0"/>
+          </a:p>
+          <a:p>
+            <a:r>
+              <a:rPr lang="ko-KR" altLang="en-US" dirty="0"/>
+              <a:t>저희 같은 개인 투자자한테는 크게 와닿지는 않죠</a:t>
+            </a:r>
+            <a:r>
+              <a:rPr lang="en-US" altLang="ko-KR" dirty="0"/>
+              <a:t>.</a:t>
+            </a:r>
+          </a:p>
+          <a:p>
+            <a:r>
+              <a:rPr lang="ko-KR" altLang="en-US" dirty="0"/>
+              <a:t>이것보다는 오히려</a:t>
+            </a:r>
           </a:p>
         </p:txBody>
       </p:sp>
@@ -2838,7 +3218,7 @@
           <a:p>
             <a:fld id="{AF377DAE-6E9C-4F87-A8EC-C6E75F6BD3E4}" type="slidenum">
               <a:rPr lang="ko-KR" altLang="en-US" smtClean="0"/>
-              <a:t>21</a:t>
+              <a:t>20</a:t>
             </a:fld>
             <a:endParaRPr lang="ko-KR" altLang="en-US"/>
           </a:p>
@@ -2847,7 +3227,7 @@
     </p:spTree>
     <p:extLst>
       <p:ext uri="{BB962C8B-B14F-4D97-AF65-F5344CB8AC3E}">
-        <p14:creationId xmlns:p14="http://schemas.microsoft.com/office/powerpoint/2010/main" val="503408480"/>
+        <p14:creationId xmlns:p14="http://schemas.microsoft.com/office/powerpoint/2010/main" val="3231610190"/>
       </p:ext>
     </p:extLst>
   </p:cSld>
@@ -2903,25 +3283,25 @@
           <a:p>
             <a:r>
               <a:rPr lang="ko-KR" altLang="en-US" dirty="0"/>
-              <a:t>그리고 같이 보면 좋은 방법이</a:t>
+              <a:t>이렇게 경기침체가 왔을 때</a:t>
             </a:r>
             <a:endParaRPr lang="en-US" altLang="ko-KR" dirty="0"/>
           </a:p>
           <a:p>
             <a:r>
               <a:rPr lang="ko-KR" altLang="en-US" dirty="0"/>
-              <a:t>저는 이렇게 보는 게 가장 현실적으로 도움이 된다고 생각하는데</a:t>
+              <a:t>최대로 많이 떨어지는 게 어느 </a:t>
+            </a:r>
+            <a:r>
+              <a:rPr lang="ko-KR" altLang="en-US" dirty="0" err="1"/>
+              <a:t>정도냐</a:t>
             </a:r>
             <a:endParaRPr lang="en-US" altLang="ko-KR" dirty="0"/>
           </a:p>
           <a:p>
             <a:r>
-              <a:rPr lang="en-US" altLang="ko-KR" dirty="0"/>
-              <a:t>5</a:t>
-            </a:r>
-            <a:r>
-              <a:rPr lang="ko-KR" altLang="en-US" dirty="0"/>
-              <a:t>년 단위로 끊어서 백테스트를 한 결과를 모은 거고요</a:t>
+              <a:rPr lang="ko-KR" altLang="en-US" dirty="0"/>
+              <a:t>이런 지표가 훨씬 더 잘 와닿고요</a:t>
             </a:r>
             <a:r>
               <a:rPr lang="en-US" altLang="ko-KR" dirty="0"/>
@@ -2930,106 +3310,26 @@
           </a:p>
           <a:p>
             <a:r>
-              <a:rPr lang="ko-KR" altLang="en-US" dirty="0" err="1"/>
-              <a:t>롤링리턴이라고</a:t>
-            </a:r>
-            <a:r>
-              <a:rPr lang="ko-KR" altLang="en-US" dirty="0"/>
-              <a:t> 부르죠</a:t>
-            </a:r>
-            <a:r>
-              <a:rPr lang="en-US" altLang="ko-KR" dirty="0"/>
-              <a:t>.</a:t>
-            </a:r>
-          </a:p>
-          <a:p>
-            <a:r>
-              <a:rPr lang="ko-KR" altLang="en-US" dirty="0"/>
-              <a:t>실제로 투자했을 때 내가 만나게 될 투자 성과가 얼마나 </a:t>
-            </a:r>
-            <a:r>
-              <a:rPr lang="ko-KR" altLang="en-US" dirty="0" err="1"/>
-              <a:t>퍼져있는가</a:t>
-            </a:r>
-            <a:r>
-              <a:rPr lang="ko-KR" altLang="en-US" dirty="0"/>
-              <a:t> </a:t>
-            </a:r>
-            <a:r>
-              <a:rPr lang="ko-KR" altLang="en-US" dirty="0" err="1"/>
-              <a:t>하는거니까</a:t>
-            </a:r>
-            <a:endParaRPr lang="en-US" altLang="ko-KR" dirty="0"/>
-          </a:p>
-          <a:p>
-            <a:r>
               <a:rPr lang="en-US" altLang="ko-KR" dirty="0"/>
               <a:t>QQQ</a:t>
             </a:r>
             <a:r>
               <a:rPr lang="ko-KR" altLang="en-US" dirty="0"/>
-              <a:t>에 투자했을 때 </a:t>
-            </a:r>
-            <a:r>
-              <a:rPr lang="ko-KR" altLang="en-US" dirty="0" err="1"/>
-              <a:t>운좋으면</a:t>
-            </a:r>
-            <a:r>
-              <a:rPr lang="ko-KR" altLang="en-US" dirty="0"/>
-              <a:t> </a:t>
-            </a:r>
-            <a:r>
-              <a:rPr lang="en-US" altLang="ko-KR" dirty="0"/>
-              <a:t>5</a:t>
-            </a:r>
-            <a:r>
-              <a:rPr lang="ko-KR" altLang="en-US" dirty="0" err="1"/>
-              <a:t>년동안</a:t>
-            </a:r>
-            <a:r>
-              <a:rPr lang="ko-KR" altLang="en-US" dirty="0"/>
-              <a:t> 매년 </a:t>
-            </a:r>
-            <a:r>
-              <a:rPr lang="en-US" altLang="ko-KR" dirty="0"/>
-              <a:t>40% </a:t>
-            </a:r>
-            <a:r>
-              <a:rPr lang="ko-KR" altLang="en-US" dirty="0"/>
-              <a:t>넘는 수익률을 올릴 수도 있지만</a:t>
-            </a:r>
-            <a:endParaRPr lang="en-US" altLang="ko-KR" dirty="0"/>
-          </a:p>
-          <a:p>
-            <a:r>
-              <a:rPr lang="ko-KR" altLang="en-US" dirty="0"/>
-              <a:t>자칫하면 </a:t>
-            </a:r>
-            <a:r>
-              <a:rPr lang="en-US" altLang="ko-KR" dirty="0"/>
-              <a:t>-20%</a:t>
-            </a:r>
-            <a:r>
-              <a:rPr lang="ko-KR" altLang="en-US" dirty="0"/>
-              <a:t>를 매년 맞는 것과 같은 꼴이 날수도 있다</a:t>
-            </a:r>
-            <a:r>
-              <a:rPr lang="en-US" altLang="ko-KR" dirty="0"/>
-              <a:t>.</a:t>
-            </a:r>
-          </a:p>
-          <a:p>
-            <a:endParaRPr lang="en-US" altLang="ko-KR" dirty="0"/>
-          </a:p>
-          <a:p>
-            <a:r>
-              <a:rPr lang="ko-KR" altLang="en-US" dirty="0"/>
-              <a:t>이런 걸 확인할 수 있습니다</a:t>
-            </a:r>
-            <a:r>
-              <a:rPr lang="en-US" altLang="ko-KR" dirty="0"/>
-              <a:t>.</a:t>
-            </a:r>
+              <a:t>는 유명하죠</a:t>
+            </a:r>
+            <a:r>
+              <a:rPr lang="en-US" altLang="ko-KR" dirty="0"/>
+              <a:t>. </a:t>
+            </a:r>
+            <a:r>
+              <a:rPr lang="ko-KR" altLang="en-US" dirty="0"/>
+              <a:t>닷컴 버블에 </a:t>
+            </a:r>
+            <a:r>
+              <a:rPr lang="en-US" altLang="ko-KR" dirty="0"/>
+              <a:t>MDD -80%</a:t>
+            </a:r>
+            <a:endParaRPr lang="ko-KR" altLang="en-US" dirty="0"/>
           </a:p>
         </p:txBody>
       </p:sp>
@@ -3050,7 +3350,7 @@
           <a:p>
             <a:fld id="{AF377DAE-6E9C-4F87-A8EC-C6E75F6BD3E4}" type="slidenum">
               <a:rPr lang="ko-KR" altLang="en-US" smtClean="0"/>
-              <a:t>22</a:t>
+              <a:t>21</a:t>
             </a:fld>
             <a:endParaRPr lang="ko-KR" altLang="en-US"/>
           </a:p>
@@ -3059,7 +3359,7 @@
     </p:spTree>
     <p:extLst>
       <p:ext uri="{BB962C8B-B14F-4D97-AF65-F5344CB8AC3E}">
-        <p14:creationId xmlns:p14="http://schemas.microsoft.com/office/powerpoint/2010/main" val="3520991377"/>
+        <p14:creationId xmlns:p14="http://schemas.microsoft.com/office/powerpoint/2010/main" val="2109581950"/>
       </p:ext>
     </p:extLst>
   </p:cSld>
@@ -3113,13 +3413,58 @@
           <a:bodyPr/>
           <a:lstStyle/>
           <a:p>
-            <a:r>
-              <a:rPr lang="ko-KR" altLang="en-US" dirty="0"/>
-              <a:t>자 장표로 보는 건 </a:t>
+            <a:pPr marL="0" marR="0" lvl="0" indent="0" algn="l" defTabSz="914400" rtl="0" eaLnBrk="1" fontAlgn="auto" latinLnBrk="1" hangingPunct="1">
+              <a:lnSpc>
+                <a:spcPct val="100000"/>
+              </a:lnSpc>
+              <a:spcBef>
+                <a:spcPts val="0"/>
+              </a:spcBef>
+              <a:spcAft>
+                <a:spcPts val="0"/>
+              </a:spcAft>
+              <a:buClrTx/>
+              <a:buSzTx/>
+              <a:buFontTx/>
+              <a:buNone/>
+              <a:tabLst/>
+              <a:defRPr/>
+            </a:pPr>
+            <a:r>
+              <a:rPr lang="en-US" altLang="ko-KR" dirty="0"/>
+              <a:t>MDD </a:t>
+            </a:r>
+            <a:r>
+              <a:rPr lang="ko-KR" altLang="en-US" dirty="0"/>
+              <a:t>못지않게 전고점을 회복하는데 얼마나 </a:t>
             </a:r>
             <a:r>
               <a:rPr lang="ko-KR" altLang="en-US" dirty="0" err="1"/>
-              <a:t>여기까지고요</a:t>
+              <a:t>걸렸느냐도</a:t>
+            </a:r>
+            <a:endParaRPr lang="en-US" altLang="ko-KR" dirty="0"/>
+          </a:p>
+          <a:p>
+            <a:pPr marL="0" marR="0" lvl="0" indent="0" algn="l" defTabSz="914400" rtl="0" eaLnBrk="1" fontAlgn="auto" latinLnBrk="1" hangingPunct="1">
+              <a:lnSpc>
+                <a:spcPct val="100000"/>
+              </a:lnSpc>
+              <a:spcBef>
+                <a:spcPts val="0"/>
+              </a:spcBef>
+              <a:spcAft>
+                <a:spcPts val="0"/>
+              </a:spcAft>
+              <a:buClrTx/>
+              <a:buSzTx/>
+              <a:buFontTx/>
+              <a:buNone/>
+              <a:tabLst/>
+              <a:defRPr/>
+            </a:pPr>
+            <a:r>
+              <a:rPr lang="ko-KR" altLang="en-US" dirty="0"/>
+              <a:t>실제 개인 투자자 입장에서는 꽤나 중요한 지표고요</a:t>
             </a:r>
             <a:r>
               <a:rPr lang="en-US" altLang="ko-KR" dirty="0"/>
@@ -3127,14 +3472,56 @@
             </a:r>
           </a:p>
           <a:p>
-            <a:r>
-              <a:rPr lang="ko-KR" altLang="en-US" dirty="0"/>
-              <a:t>이제 실제 실습을 해보겠습니다</a:t>
+            <a:pPr marL="0" marR="0" lvl="0" indent="0" algn="l" defTabSz="914400" rtl="0" eaLnBrk="1" fontAlgn="auto" latinLnBrk="1" hangingPunct="1">
+              <a:lnSpc>
+                <a:spcPct val="100000"/>
+              </a:lnSpc>
+              <a:spcBef>
+                <a:spcPts val="0"/>
+              </a:spcBef>
+              <a:spcAft>
+                <a:spcPts val="0"/>
+              </a:spcAft>
+              <a:buClrTx/>
+              <a:buSzTx/>
+              <a:buFontTx/>
+              <a:buNone/>
+              <a:tabLst/>
+              <a:defRPr/>
+            </a:pPr>
+            <a:endParaRPr lang="en-US" altLang="ko-KR" dirty="0"/>
+          </a:p>
+          <a:p>
+            <a:pPr marL="0" marR="0" lvl="0" indent="0" algn="l" defTabSz="914400" rtl="0" eaLnBrk="1" fontAlgn="auto" latinLnBrk="1" hangingPunct="1">
+              <a:lnSpc>
+                <a:spcPct val="100000"/>
+              </a:lnSpc>
+              <a:spcBef>
+                <a:spcPts val="0"/>
+              </a:spcBef>
+              <a:spcAft>
+                <a:spcPts val="0"/>
+              </a:spcAft>
+              <a:buClrTx/>
+              <a:buSzTx/>
+              <a:buFontTx/>
+              <a:buNone/>
+              <a:tabLst/>
+              <a:defRPr/>
+            </a:pPr>
+            <a:r>
+              <a:rPr lang="en-US" altLang="ko-KR" dirty="0"/>
+              <a:t>15</a:t>
+            </a:r>
+            <a:r>
+              <a:rPr lang="ko-KR" altLang="en-US" dirty="0"/>
+              <a:t>년을 물렸다 이건 보통일이 아니잖아요</a:t>
             </a:r>
             <a:r>
               <a:rPr lang="en-US" altLang="ko-KR" dirty="0"/>
               <a:t>.</a:t>
             </a:r>
+            <a:endParaRPr lang="ko-KR" altLang="en-US" dirty="0"/>
           </a:p>
         </p:txBody>
       </p:sp>
@@ -3155,7 +3542,324 @@
           <a:p>
             <a:fld id="{AF377DAE-6E9C-4F87-A8EC-C6E75F6BD3E4}" type="slidenum">
               <a:rPr lang="ko-KR" altLang="en-US" smtClean="0"/>
+              <a:t>22</a:t>
+            </a:fld>
+            <a:endParaRPr lang="ko-KR" altLang="en-US"/>
+          </a:p>
+        </p:txBody>
+      </p:sp>
+    </p:spTree>
+    <p:extLst>
+      <p:ext uri="{BB962C8B-B14F-4D97-AF65-F5344CB8AC3E}">
+        <p14:creationId xmlns:p14="http://schemas.microsoft.com/office/powerpoint/2010/main" val="503408480"/>
+      </p:ext>
+    </p:extLst>
+  </p:cSld>
+  <p:clrMapOvr>
+    <a:masterClrMapping/>
+  </p:clrMapOvr>
+</p:notes>
+</file>
+
+<file path=ppt/notesSlides/notesSlide23.xml><?xml version="1.0" encoding="utf-8"?>
+<p:notes xmlns:a="http://schemas.openxmlformats.org/drawingml/2006/main" xmlns:r="http://schemas.openxmlformats.org/officeDocument/2006/relationships" xmlns:p="http://schemas.openxmlformats.org/presentationml/2006/main">
+  <p:cSld>
+    <p:spTree>
+      <p:nvGrpSpPr>
+        <p:cNvPr id="1" name=""/>
+        <p:cNvGrpSpPr/>
+        <p:nvPr/>
+      </p:nvGrpSpPr>
+      <p:grpSpPr>
+        <a:xfrm>
+          <a:off x="0" y="0"/>
+          <a:ext cx="0" cy="0"/>
+          <a:chOff x="0" y="0"/>
+          <a:chExt cx="0" cy="0"/>
+        </a:xfrm>
+      </p:grpSpPr>
+      <p:sp>
+        <p:nvSpPr>
+          <p:cNvPr id="2" name="슬라이드 이미지 개체 틀 1"/>
+          <p:cNvSpPr>
+            <a:spLocks noGrp="1" noRot="1" noChangeAspect="1"/>
+          </p:cNvSpPr>
+          <p:nvPr>
+            <p:ph type="sldImg"/>
+          </p:nvPr>
+        </p:nvSpPr>
+        <p:spPr/>
+      </p:sp>
+      <p:sp>
+        <p:nvSpPr>
+          <p:cNvPr id="3" name="슬라이드 노트 개체 틀 2"/>
+          <p:cNvSpPr>
+            <a:spLocks noGrp="1"/>
+          </p:cNvSpPr>
+          <p:nvPr>
+            <p:ph type="body" idx="1"/>
+          </p:nvPr>
+        </p:nvSpPr>
+        <p:spPr/>
+        <p:txBody>
+          <a:bodyPr/>
+          <a:lstStyle/>
+          <a:p>
+            <a:r>
+              <a:rPr lang="ko-KR" altLang="en-US" dirty="0"/>
+              <a:t>그리고 같이 보면 좋은 방법이</a:t>
+            </a:r>
+            <a:endParaRPr lang="en-US" altLang="ko-KR" dirty="0"/>
+          </a:p>
+          <a:p>
+            <a:r>
+              <a:rPr lang="ko-KR" altLang="en-US" dirty="0"/>
+              <a:t>저는 이렇게 보는 게 가장 현실적으로 도움이 된다고 생각하는데</a:t>
+            </a:r>
+            <a:endParaRPr lang="en-US" altLang="ko-KR" dirty="0"/>
+          </a:p>
+          <a:p>
+            <a:r>
+              <a:rPr lang="en-US" altLang="ko-KR" dirty="0"/>
+              <a:t>5</a:t>
+            </a:r>
+            <a:r>
+              <a:rPr lang="ko-KR" altLang="en-US" dirty="0"/>
+              <a:t>년 단위로 끊어서 백테스트를 한 결과를 모은 거고요</a:t>
+            </a:r>
+            <a:r>
+              <a:rPr lang="en-US" altLang="ko-KR" dirty="0"/>
+              <a:t>.</a:t>
+            </a:r>
+          </a:p>
+          <a:p>
+            <a:r>
+              <a:rPr lang="ko-KR" altLang="en-US" dirty="0" err="1"/>
+              <a:t>롤링리턴이라고</a:t>
+            </a:r>
+            <a:r>
+              <a:rPr lang="ko-KR" altLang="en-US" dirty="0"/>
+              <a:t> 부르죠</a:t>
+            </a:r>
+            <a:r>
+              <a:rPr lang="en-US" altLang="ko-KR" dirty="0"/>
+              <a:t>.</a:t>
+            </a:r>
+          </a:p>
+          <a:p>
+            <a:r>
+              <a:rPr lang="ko-KR" altLang="en-US" dirty="0"/>
+              <a:t>실제로 투자했을 때 내가 만나게 될 투자 성과가 얼마나 </a:t>
+            </a:r>
+            <a:r>
+              <a:rPr lang="ko-KR" altLang="en-US" dirty="0" err="1"/>
+              <a:t>퍼져있는가</a:t>
+            </a:r>
+            <a:r>
+              <a:rPr lang="ko-KR" altLang="en-US" dirty="0"/>
+              <a:t> </a:t>
+            </a:r>
+            <a:r>
+              <a:rPr lang="ko-KR" altLang="en-US" dirty="0" err="1"/>
+              <a:t>하는거니까</a:t>
+            </a:r>
+            <a:endParaRPr lang="en-US" altLang="ko-KR" dirty="0"/>
+          </a:p>
+          <a:p>
+            <a:r>
+              <a:rPr lang="en-US" altLang="ko-KR" dirty="0"/>
+              <a:t>QQQ</a:t>
+            </a:r>
+            <a:r>
+              <a:rPr lang="ko-KR" altLang="en-US" dirty="0"/>
+              <a:t>에 투자했을 때 </a:t>
+            </a:r>
+            <a:r>
+              <a:rPr lang="ko-KR" altLang="en-US" dirty="0" err="1"/>
+              <a:t>운좋으면</a:t>
+            </a:r>
+            <a:r>
+              <a:rPr lang="ko-KR" altLang="en-US" dirty="0"/>
+              <a:t> </a:t>
+            </a:r>
+            <a:r>
+              <a:rPr lang="en-US" altLang="ko-KR" dirty="0"/>
+              <a:t>5</a:t>
+            </a:r>
+            <a:r>
+              <a:rPr lang="ko-KR" altLang="en-US" dirty="0" err="1"/>
+              <a:t>년동안</a:t>
+            </a:r>
+            <a:r>
+              <a:rPr lang="ko-KR" altLang="en-US" dirty="0"/>
+              <a:t> 매년 </a:t>
+            </a:r>
+            <a:r>
+              <a:rPr lang="en-US" altLang="ko-KR" dirty="0"/>
+              <a:t>40% </a:t>
+            </a:r>
+            <a:r>
+              <a:rPr lang="ko-KR" altLang="en-US" dirty="0"/>
+              <a:t>넘는 수익률을 올릴 수도 있지만</a:t>
+            </a:r>
+            <a:endParaRPr lang="en-US" altLang="ko-KR" dirty="0"/>
+          </a:p>
+          <a:p>
+            <a:r>
+              <a:rPr lang="ko-KR" altLang="en-US" dirty="0"/>
+              <a:t>자칫하면 </a:t>
+            </a:r>
+            <a:r>
+              <a:rPr lang="en-US" altLang="ko-KR" dirty="0"/>
+              <a:t>-20%</a:t>
+            </a:r>
+            <a:r>
+              <a:rPr lang="ko-KR" altLang="en-US" dirty="0"/>
+              <a:t>를 매년 맞는 것과 같은 꼴이 날수도 있다</a:t>
+            </a:r>
+            <a:r>
+              <a:rPr lang="en-US" altLang="ko-KR" dirty="0"/>
+              <a:t>.</a:t>
+            </a:r>
+          </a:p>
+          <a:p>
+            <a:endParaRPr lang="en-US" altLang="ko-KR" dirty="0"/>
+          </a:p>
+          <a:p>
+            <a:r>
+              <a:rPr lang="ko-KR" altLang="en-US" dirty="0"/>
+              <a:t>이런 걸 확인할 수 있습니다</a:t>
+            </a:r>
+            <a:r>
+              <a:rPr lang="en-US" altLang="ko-KR" dirty="0"/>
+              <a:t>.</a:t>
+            </a:r>
+          </a:p>
+        </p:txBody>
+      </p:sp>
+      <p:sp>
+        <p:nvSpPr>
+          <p:cNvPr id="4" name="슬라이드 번호 개체 틀 3"/>
+          <p:cNvSpPr>
+            <a:spLocks noGrp="1"/>
+          </p:cNvSpPr>
+          <p:nvPr>
+            <p:ph type="sldNum" sz="quarter" idx="5"/>
+          </p:nvPr>
+        </p:nvSpPr>
+        <p:spPr/>
+        <p:txBody>
+          <a:bodyPr/>
+          <a:lstStyle/>
+          <a:p>
+            <a:fld id="{AF377DAE-6E9C-4F87-A8EC-C6E75F6BD3E4}" type="slidenum">
+              <a:rPr lang="ko-KR" altLang="en-US" smtClean="0"/>
               <a:t>23</a:t>
+            </a:fld>
+            <a:endParaRPr lang="ko-KR" altLang="en-US"/>
+          </a:p>
+        </p:txBody>
+      </p:sp>
+    </p:spTree>
+    <p:extLst>
+      <p:ext uri="{BB962C8B-B14F-4D97-AF65-F5344CB8AC3E}">
+        <p14:creationId xmlns:p14="http://schemas.microsoft.com/office/powerpoint/2010/main" val="3520991377"/>
+      </p:ext>
+    </p:extLst>
+  </p:cSld>
+  <p:clrMapOvr>
+    <a:masterClrMapping/>
+  </p:clrMapOvr>
+</p:notes>
+</file>
+
+<file path=ppt/notesSlides/notesSlide24.xml><?xml version="1.0" encoding="utf-8"?>
+<p:notes xmlns:a="http://schemas.openxmlformats.org/drawingml/2006/main" xmlns:r="http://schemas.openxmlformats.org/officeDocument/2006/relationships" xmlns:p="http://schemas.openxmlformats.org/presentationml/2006/main">
+  <p:cSld>
+    <p:spTree>
+      <p:nvGrpSpPr>
+        <p:cNvPr id="1" name=""/>
+        <p:cNvGrpSpPr/>
+        <p:nvPr/>
+      </p:nvGrpSpPr>
+      <p:grpSpPr>
+        <a:xfrm>
+          <a:off x="0" y="0"/>
+          <a:ext cx="0" cy="0"/>
+          <a:chOff x="0" y="0"/>
+          <a:chExt cx="0" cy="0"/>
+        </a:xfrm>
+      </p:grpSpPr>
+      <p:sp>
+        <p:nvSpPr>
+          <p:cNvPr id="2" name="슬라이드 이미지 개체 틀 1"/>
+          <p:cNvSpPr>
+            <a:spLocks noGrp="1" noRot="1" noChangeAspect="1"/>
+          </p:cNvSpPr>
+          <p:nvPr>
+            <p:ph type="sldImg"/>
+          </p:nvPr>
+        </p:nvSpPr>
+        <p:spPr/>
+      </p:sp>
+      <p:sp>
+        <p:nvSpPr>
+          <p:cNvPr id="3" name="슬라이드 노트 개체 틀 2"/>
+          <p:cNvSpPr>
+            <a:spLocks noGrp="1"/>
+          </p:cNvSpPr>
+          <p:nvPr>
+            <p:ph type="body" idx="1"/>
+          </p:nvPr>
+        </p:nvSpPr>
+        <p:spPr/>
+        <p:txBody>
+          <a:bodyPr/>
+          <a:lstStyle/>
+          <a:p>
+            <a:r>
+              <a:rPr lang="ko-KR" altLang="en-US" dirty="0"/>
+              <a:t>자 장표로 보는 건 </a:t>
+            </a:r>
+            <a:r>
+              <a:rPr lang="ko-KR" altLang="en-US" dirty="0" err="1"/>
+              <a:t>여기까지고요</a:t>
+            </a:r>
+            <a:r>
+              <a:rPr lang="en-US" altLang="ko-KR" dirty="0"/>
+              <a:t>.</a:t>
+            </a:r>
+          </a:p>
+          <a:p>
+            <a:r>
+              <a:rPr lang="ko-KR" altLang="en-US" dirty="0"/>
+              <a:t>이제 실제 실습을 해보겠습니다</a:t>
+            </a:r>
+            <a:r>
+              <a:rPr lang="en-US" altLang="ko-KR" dirty="0"/>
+              <a:t>.</a:t>
+            </a:r>
+          </a:p>
+        </p:txBody>
+      </p:sp>
+      <p:sp>
+        <p:nvSpPr>
+          <p:cNvPr id="4" name="슬라이드 번호 개체 틀 3"/>
+          <p:cNvSpPr>
+            <a:spLocks noGrp="1"/>
+          </p:cNvSpPr>
+          <p:nvPr>
+            <p:ph type="sldNum" sz="quarter" idx="5"/>
+          </p:nvPr>
+        </p:nvSpPr>
+        <p:spPr/>
+        <p:txBody>
+          <a:bodyPr/>
+          <a:lstStyle/>
+          <a:p>
+            <a:fld id="{AF377DAE-6E9C-4F87-A8EC-C6E75F6BD3E4}" type="slidenum">
+              <a:rPr lang="ko-KR" altLang="en-US" smtClean="0"/>
+              <a:t>24</a:t>
             </a:fld>
             <a:endParaRPr lang="ko-KR" altLang="en-US"/>
           </a:p>
@@ -3174,7 +3878,7 @@
 </p:notes>
 </file>
 
-<file path=ppt/notesSlides/notesSlide23.xml><?xml version="1.0" encoding="utf-8"?>
+<file path=ppt/notesSlides/notesSlide25.xml><?xml version="1.0" encoding="utf-8"?>
 <p:notes xmlns:a="http://schemas.openxmlformats.org/drawingml/2006/main" xmlns:r="http://schemas.openxmlformats.org/officeDocument/2006/relationships" xmlns:p="http://schemas.openxmlformats.org/presentationml/2006/main">
   <p:cSld>
     <p:spTree>
@@ -3263,7 +3967,7 @@
           <a:p>
             <a:fld id="{AF377DAE-6E9C-4F87-A8EC-C6E75F6BD3E4}" type="slidenum">
               <a:rPr lang="ko-KR" altLang="en-US" smtClean="0"/>
-              <a:t>24</a:t>
+              <a:t>25</a:t>
             </a:fld>
             <a:endParaRPr lang="ko-KR" altLang="en-US"/>
           </a:p>
@@ -3328,23 +4032,15 @@
           <a:p>
             <a:r>
               <a:rPr lang="ko-KR" altLang="en-US" dirty="0"/>
-              <a:t>이건 제가 활용하고 있는 </a:t>
-            </a:r>
-            <a:r>
-              <a:rPr lang="ko-KR" altLang="en-US" dirty="0" err="1"/>
-              <a:t>배당시뮬레이션</a:t>
-            </a:r>
-            <a:r>
-              <a:rPr lang="ko-KR" altLang="en-US" dirty="0"/>
-              <a:t> 워크시트에서 </a:t>
-            </a:r>
-            <a:r>
-              <a:rPr lang="ko-KR" altLang="en-US" dirty="0" err="1"/>
-              <a:t>캡쳐한</a:t>
-            </a:r>
-            <a:r>
-              <a:rPr lang="ko-KR" altLang="en-US" dirty="0"/>
-              <a:t> 내용입니다</a:t>
+              <a:t>제가 제시하는 목표는 금융자산 </a:t>
+            </a:r>
+            <a:r>
+              <a:rPr lang="en-US" altLang="ko-KR" dirty="0"/>
+              <a:t>5</a:t>
+            </a:r>
+            <a:r>
+              <a:rPr lang="ko-KR" altLang="en-US" dirty="0"/>
+              <a:t>억인데요</a:t>
             </a:r>
             <a:r>
               <a:rPr lang="en-US" altLang="ko-KR" dirty="0"/>
@@ -3354,461 +4050,48 @@
           <a:p>
             <a:r>
               <a:rPr lang="ko-KR" altLang="en-US" dirty="0"/>
-              <a:t>주로 은퇴를 앞두고 있는 분들이 </a:t>
-            </a:r>
-            <a:r>
-              <a:rPr lang="ko-KR" altLang="en-US" dirty="0" err="1"/>
-              <a:t>여쭤보시면</a:t>
+              <a:t>왜 하필 </a:t>
+            </a:r>
+            <a:r>
+              <a:rPr lang="en-US" altLang="ko-KR" dirty="0"/>
+              <a:t>5</a:t>
+            </a:r>
+            <a:r>
+              <a:rPr lang="ko-KR" altLang="en-US" dirty="0"/>
+              <a:t>억일까요</a:t>
+            </a:r>
+            <a:r>
+              <a:rPr lang="en-US" altLang="ko-KR" dirty="0"/>
+              <a:t>?</a:t>
+            </a:r>
+          </a:p>
+          <a:p>
+            <a:endParaRPr lang="en-US" altLang="ko-KR" dirty="0"/>
+          </a:p>
+          <a:p>
+            <a:r>
+              <a:rPr lang="ko-KR" altLang="en-US" dirty="0"/>
+              <a:t>지금부터 제가 제시하는 목표 금액이 왜 </a:t>
+            </a:r>
+            <a:r>
+              <a:rPr lang="en-US" altLang="ko-KR" dirty="0"/>
+              <a:t>5</a:t>
+            </a:r>
+            <a:r>
+              <a:rPr lang="ko-KR" altLang="en-US" dirty="0"/>
+              <a:t>억인지</a:t>
+            </a:r>
+          </a:p>
+          <a:p>
+            <a:r>
+              <a:rPr lang="ko-KR" altLang="en-US" dirty="0"/>
+              <a:t>말씀드리겠습니다</a:t>
+            </a:r>
+            <a:r>
+              <a:rPr lang="en-US" altLang="ko-KR" dirty="0"/>
+              <a:t>.</a:t>
             </a:r>
             <a:endParaRPr lang="ko-KR" altLang="en-US" dirty="0"/>
-          </a:p>
-          <a:p>
-            <a:r>
-              <a:rPr lang="ko-KR" altLang="en-US" dirty="0"/>
-              <a:t>직관적으로 알려드리기 위해 사용하고 있습니다</a:t>
-            </a:r>
-            <a:r>
-              <a:rPr lang="en-US" altLang="ko-KR" dirty="0"/>
-              <a:t>.</a:t>
-            </a:r>
-          </a:p>
-          <a:p>
-            <a:endParaRPr lang="en-US" altLang="ko-KR" dirty="0"/>
-          </a:p>
-          <a:p>
-            <a:r>
-              <a:rPr lang="ko-KR" altLang="en-US" dirty="0" err="1"/>
-              <a:t>슈드</a:t>
-            </a:r>
-            <a:r>
-              <a:rPr lang="en-US" altLang="ko-KR" dirty="0"/>
-              <a:t>, </a:t>
-            </a:r>
-            <a:r>
-              <a:rPr lang="ko-KR" altLang="en-US" dirty="0" err="1"/>
-              <a:t>제피</a:t>
-            </a:r>
-            <a:r>
-              <a:rPr lang="en-US" altLang="ko-KR" dirty="0"/>
-              <a:t>, TLT </a:t>
-            </a:r>
-            <a:r>
-              <a:rPr lang="ko-KR" altLang="en-US" dirty="0"/>
-              <a:t>장기채권이죠</a:t>
-            </a:r>
-            <a:r>
-              <a:rPr lang="en-US" altLang="ko-KR" dirty="0"/>
-              <a:t>. SGOV </a:t>
-            </a:r>
-            <a:r>
-              <a:rPr lang="ko-KR" altLang="en-US" dirty="0"/>
-              <a:t>단기채권이고요</a:t>
-            </a:r>
-            <a:r>
-              <a:rPr lang="en-US" altLang="ko-KR" dirty="0"/>
-              <a:t>.</a:t>
-            </a:r>
-          </a:p>
-          <a:p>
-            <a:r>
-              <a:rPr lang="ko-KR" altLang="en-US" dirty="0"/>
-              <a:t>이렇게 </a:t>
-            </a:r>
-            <a:r>
-              <a:rPr lang="en-US" altLang="ko-KR" dirty="0"/>
-              <a:t>25%</a:t>
-            </a:r>
-            <a:r>
-              <a:rPr lang="ko-KR" altLang="en-US" dirty="0"/>
-              <a:t>씩 포트폴리오를 구성하면 마르지 않는 배당 전략을 짤 수 있는데요</a:t>
-            </a:r>
-            <a:r>
-              <a:rPr lang="en-US" altLang="ko-KR" dirty="0"/>
-              <a:t>.</a:t>
-            </a:r>
-          </a:p>
-          <a:p>
-            <a:r>
-              <a:rPr lang="ko-KR" altLang="en-US" dirty="0"/>
-              <a:t>배당률 </a:t>
-            </a:r>
-            <a:r>
-              <a:rPr lang="en-US" altLang="ko-KR" dirty="0"/>
-              <a:t>5.63%</a:t>
-            </a:r>
-            <a:r>
-              <a:rPr lang="ko-KR" altLang="en-US" dirty="0"/>
-              <a:t>에 자산가치 보존과 경기침체 같은 리스크 관리에도 꽤나 안정적인 포트폴리오입니다</a:t>
-            </a:r>
-            <a:r>
-              <a:rPr lang="en-US" altLang="ko-KR" dirty="0"/>
-              <a:t>.</a:t>
-            </a:r>
-          </a:p>
-          <a:p>
-            <a:r>
-              <a:rPr lang="ko-KR" altLang="en-US" dirty="0"/>
-              <a:t>포트폴리오 자체의 성과는 강의 후에 제가 배포해드린 프로그램을 활용해서 직접 테스트 해보시면</a:t>
-            </a:r>
-          </a:p>
-          <a:p>
-            <a:r>
-              <a:rPr lang="ko-KR" altLang="en-US" dirty="0"/>
-              <a:t>좋을 것 같고요</a:t>
-            </a:r>
-            <a:r>
-              <a:rPr lang="en-US" altLang="ko-KR" dirty="0"/>
-              <a:t>.</a:t>
-            </a:r>
-          </a:p>
-          <a:p>
-            <a:endParaRPr lang="en-US" altLang="ko-KR" dirty="0"/>
-          </a:p>
-          <a:p>
-            <a:r>
-              <a:rPr lang="ko-KR" altLang="en-US" dirty="0"/>
-              <a:t>지금 강의에서는 원래 말씀드리려고 했던 </a:t>
-            </a:r>
-            <a:r>
-              <a:rPr lang="en-US" altLang="ko-KR" dirty="0"/>
-              <a:t>5</a:t>
-            </a:r>
-            <a:r>
-              <a:rPr lang="ko-KR" altLang="en-US" dirty="0"/>
-              <a:t>억이 왜 </a:t>
-            </a:r>
-            <a:r>
-              <a:rPr lang="ko-KR" altLang="en-US" dirty="0" err="1"/>
-              <a:t>목표냐의</a:t>
-            </a:r>
-            <a:r>
-              <a:rPr lang="ko-KR" altLang="en-US" dirty="0"/>
-              <a:t> 관점으로 </a:t>
-            </a:r>
-            <a:r>
-              <a:rPr lang="ko-KR" altLang="en-US" dirty="0" err="1"/>
-              <a:t>설명드리겠습니다</a:t>
-            </a:r>
-            <a:r>
-              <a:rPr lang="en-US" altLang="ko-KR" dirty="0"/>
-              <a:t>.</a:t>
-            </a:r>
-          </a:p>
-          <a:p>
-            <a:r>
-              <a:rPr lang="ko-KR" altLang="en-US" dirty="0"/>
-              <a:t>왜 </a:t>
-            </a:r>
-            <a:r>
-              <a:rPr lang="en-US" altLang="ko-KR" dirty="0"/>
-              <a:t>5</a:t>
-            </a:r>
-            <a:r>
-              <a:rPr lang="ko-KR" altLang="en-US" dirty="0"/>
-              <a:t>억이냐 하면</a:t>
-            </a:r>
-            <a:r>
-              <a:rPr lang="en-US" altLang="ko-KR" dirty="0"/>
-              <a:t>, </a:t>
-            </a:r>
-            <a:r>
-              <a:rPr lang="ko-KR" altLang="en-US" dirty="0"/>
-              <a:t>월 배당 </a:t>
-            </a:r>
-            <a:r>
-              <a:rPr lang="en-US" altLang="ko-KR" dirty="0"/>
-              <a:t>200</a:t>
-            </a:r>
-            <a:r>
-              <a:rPr lang="ko-KR" altLang="en-US" dirty="0"/>
-              <a:t>만원을 안정적으로 받을 수 있는 자산 규모가 </a:t>
-            </a:r>
-            <a:r>
-              <a:rPr lang="en-US" altLang="ko-KR" dirty="0"/>
-              <a:t>5</a:t>
-            </a:r>
-            <a:r>
-              <a:rPr lang="ko-KR" altLang="en-US" dirty="0"/>
-              <a:t>억이기 때문인데요</a:t>
-            </a:r>
-            <a:r>
-              <a:rPr lang="en-US" altLang="ko-KR" dirty="0"/>
-              <a:t>.</a:t>
-            </a:r>
-          </a:p>
-          <a:p>
-            <a:r>
-              <a:rPr lang="ko-KR" altLang="en-US" dirty="0"/>
-              <a:t>포트폴리오를 이렇게 구성해 놓으면 매달 </a:t>
-            </a:r>
-            <a:r>
-              <a:rPr lang="en-US" altLang="ko-KR" dirty="0"/>
-              <a:t>200</a:t>
-            </a:r>
-            <a:r>
-              <a:rPr lang="ko-KR" altLang="en-US" dirty="0"/>
-              <a:t>만원을 안정적으로 받으면서</a:t>
-            </a:r>
-          </a:p>
-          <a:p>
-            <a:r>
-              <a:rPr lang="ko-KR" altLang="en-US" dirty="0"/>
-              <a:t>인플레이션이나 경기침체도 어느정도 회피할 수 있죠</a:t>
-            </a:r>
-            <a:r>
-              <a:rPr lang="en-US" altLang="ko-KR" dirty="0"/>
-              <a:t>.</a:t>
-            </a:r>
-          </a:p>
-          <a:p>
-            <a:endParaRPr lang="en-US" altLang="ko-KR" dirty="0"/>
-          </a:p>
-          <a:p>
-            <a:r>
-              <a:rPr lang="ko-KR" altLang="en-US" dirty="0"/>
-              <a:t>매달 </a:t>
-            </a:r>
-            <a:r>
-              <a:rPr lang="en-US" altLang="ko-KR" dirty="0"/>
-              <a:t>200</a:t>
-            </a:r>
-            <a:r>
-              <a:rPr lang="ko-KR" altLang="en-US" dirty="0"/>
-              <a:t>만원이 풍족한 금액은 아닐 수 있지만</a:t>
-            </a:r>
-            <a:r>
-              <a:rPr lang="en-US" altLang="ko-KR" dirty="0"/>
-              <a:t>,</a:t>
-            </a:r>
-          </a:p>
-          <a:p>
-            <a:r>
-              <a:rPr lang="ko-KR" altLang="en-US" dirty="0"/>
-              <a:t>그래도 생활 수준의 존엄성이라고 할까요</a:t>
-            </a:r>
-            <a:r>
-              <a:rPr lang="en-US" altLang="ko-KR" dirty="0"/>
-              <a:t>?</a:t>
-            </a:r>
-          </a:p>
-          <a:p>
-            <a:r>
-              <a:rPr lang="ko-KR" altLang="en-US" dirty="0" err="1"/>
-              <a:t>그정도를</a:t>
-            </a:r>
-            <a:r>
-              <a:rPr lang="ko-KR" altLang="en-US" dirty="0"/>
-              <a:t> 지키면서 살아가기에는 거뜬하다고 생각합니다</a:t>
-            </a:r>
-            <a:r>
-              <a:rPr lang="en-US" altLang="ko-KR" dirty="0"/>
-              <a:t>.</a:t>
-            </a:r>
-          </a:p>
-          <a:p>
-            <a:endParaRPr lang="en-US" altLang="ko-KR" dirty="0"/>
-          </a:p>
-          <a:p>
-            <a:r>
-              <a:rPr lang="ko-KR" altLang="en-US" dirty="0"/>
-              <a:t>특히</a:t>
-            </a:r>
-            <a:r>
-              <a:rPr lang="en-US" altLang="ko-KR" dirty="0"/>
-              <a:t>, </a:t>
-            </a:r>
-            <a:r>
-              <a:rPr lang="ko-KR" altLang="en-US" dirty="0"/>
-              <a:t>약간의 부업이나 소일거리가 있고</a:t>
-            </a:r>
-          </a:p>
-          <a:p>
-            <a:r>
-              <a:rPr lang="ko-KR" altLang="en-US" dirty="0"/>
-              <a:t>플러스 </a:t>
-            </a:r>
-            <a:r>
-              <a:rPr lang="en-US" altLang="ko-KR" dirty="0"/>
-              <a:t>200</a:t>
-            </a:r>
-            <a:r>
-              <a:rPr lang="ko-KR" altLang="en-US" dirty="0"/>
-              <a:t>의 현금흐름이면 뭐 나쁘지는 않죠</a:t>
-            </a:r>
-            <a:r>
-              <a:rPr lang="en-US" altLang="ko-KR" dirty="0"/>
-              <a:t>.</a:t>
-            </a:r>
-          </a:p>
-          <a:p>
-            <a:endParaRPr lang="en-US" altLang="ko-KR" dirty="0"/>
-          </a:p>
-          <a:p>
-            <a:r>
-              <a:rPr lang="ko-KR" altLang="en-US" dirty="0"/>
-              <a:t>근데 이번 강의는 주로 대상이 사회 초년생이었는데</a:t>
-            </a:r>
-          </a:p>
-          <a:p>
-            <a:r>
-              <a:rPr lang="ko-KR" altLang="en-US" dirty="0"/>
-              <a:t>은퇴이야기를 하면 크게 공감이 </a:t>
-            </a:r>
-            <a:r>
-              <a:rPr lang="ko-KR" altLang="en-US" dirty="0" err="1"/>
-              <a:t>안가죠</a:t>
-            </a:r>
-            <a:r>
-              <a:rPr lang="en-US" altLang="ko-KR" dirty="0"/>
-              <a:t>?</a:t>
-            </a:r>
-          </a:p>
-          <a:p>
-            <a:r>
-              <a:rPr lang="ko-KR" altLang="en-US" dirty="0" err="1"/>
-              <a:t>얼마전까지만</a:t>
-            </a:r>
-            <a:r>
-              <a:rPr lang="ko-KR" altLang="en-US" dirty="0"/>
-              <a:t> 해도 파이어족이나 경제적 자유 등이 트랜드를 좀 탔었는데</a:t>
-            </a:r>
-          </a:p>
-          <a:p>
-            <a:r>
-              <a:rPr lang="ko-KR" altLang="en-US" dirty="0"/>
-              <a:t>요즘에는 거의 </a:t>
-            </a:r>
-            <a:r>
-              <a:rPr lang="ko-KR" altLang="en-US" dirty="0" err="1"/>
-              <a:t>쏙들어간</a:t>
-            </a:r>
-            <a:r>
-              <a:rPr lang="ko-KR" altLang="en-US" dirty="0"/>
-              <a:t> 것 같아요</a:t>
-            </a:r>
-            <a:r>
-              <a:rPr lang="en-US" altLang="ko-KR" dirty="0"/>
-              <a:t>.</a:t>
-            </a:r>
-          </a:p>
-          <a:p>
-            <a:endParaRPr lang="en-US" altLang="ko-KR" dirty="0"/>
-          </a:p>
-          <a:p>
-            <a:r>
-              <a:rPr lang="ko-KR" altLang="en-US" dirty="0"/>
-              <a:t>저도 사실 처음에는 </a:t>
-            </a:r>
-            <a:r>
-              <a:rPr lang="ko-KR" altLang="en-US" dirty="0" err="1"/>
-              <a:t>직장생활하면서</a:t>
-            </a:r>
-            <a:r>
-              <a:rPr lang="ko-KR" altLang="en-US" dirty="0"/>
-              <a:t> 언제 </a:t>
-            </a:r>
-            <a:r>
-              <a:rPr lang="ko-KR" altLang="en-US" dirty="0" err="1"/>
-              <a:t>때려칠</a:t>
-            </a:r>
-            <a:r>
-              <a:rPr lang="ko-KR" altLang="en-US" dirty="0"/>
-              <a:t> 수 있을까</a:t>
-            </a:r>
-            <a:r>
-              <a:rPr lang="en-US" altLang="ko-KR" dirty="0"/>
-              <a:t>?</a:t>
-            </a:r>
-          </a:p>
-          <a:p>
-            <a:r>
-              <a:rPr lang="ko-KR" altLang="en-US" dirty="0" err="1"/>
-              <a:t>라고</a:t>
-            </a:r>
-            <a:r>
-              <a:rPr lang="ko-KR" altLang="en-US" dirty="0"/>
-              <a:t> 생각하면서 미국주식 투자를 시작했는데요</a:t>
-            </a:r>
-            <a:r>
-              <a:rPr lang="en-US" altLang="ko-KR" dirty="0"/>
-              <a:t>.</a:t>
-            </a:r>
-          </a:p>
-          <a:p>
-            <a:r>
-              <a:rPr lang="ko-KR" altLang="en-US" dirty="0"/>
-              <a:t>파이어족을 목표로 </a:t>
-            </a:r>
-            <a:r>
-              <a:rPr lang="ko-KR" altLang="en-US" dirty="0" err="1"/>
-              <a:t>했던거죠</a:t>
-            </a:r>
-            <a:r>
-              <a:rPr lang="en-US" altLang="ko-KR" dirty="0"/>
-              <a:t>.</a:t>
-            </a:r>
-          </a:p>
-          <a:p>
-            <a:endParaRPr lang="en-US" altLang="ko-KR" dirty="0"/>
-          </a:p>
-          <a:p>
-            <a:r>
-              <a:rPr lang="ko-KR" altLang="en-US" dirty="0"/>
-              <a:t>근데 회사를 좀 다니면서 막상 목표했던 금액에 도달하고 나니까</a:t>
-            </a:r>
-          </a:p>
-          <a:p>
-            <a:r>
-              <a:rPr lang="ko-KR" altLang="en-US" dirty="0"/>
-              <a:t>생각이 좀 바뀌더라고요</a:t>
-            </a:r>
-            <a:r>
-              <a:rPr lang="en-US" altLang="ko-KR" dirty="0"/>
-              <a:t>.</a:t>
-            </a:r>
-          </a:p>
-          <a:p>
-            <a:r>
-              <a:rPr lang="ko-KR" altLang="en-US" dirty="0"/>
-              <a:t>좀 더 욕심이 생겼다고 할까요</a:t>
-            </a:r>
-            <a:r>
-              <a:rPr lang="en-US" altLang="ko-KR" dirty="0"/>
-              <a:t>?</a:t>
-            </a:r>
-          </a:p>
-          <a:p>
-            <a:r>
-              <a:rPr lang="ko-KR" altLang="en-US" dirty="0"/>
-              <a:t>할 수 있을 때까지는 하는 것도 나쁘지 않겠다</a:t>
-            </a:r>
-            <a:r>
-              <a:rPr lang="en-US" altLang="ko-KR" dirty="0"/>
-              <a:t>.</a:t>
-            </a:r>
-          </a:p>
-          <a:p>
-            <a:r>
-              <a:rPr lang="ko-KR" altLang="en-US" dirty="0"/>
-              <a:t>이런 생각을 하고 있어요</a:t>
-            </a:r>
-            <a:r>
-              <a:rPr lang="en-US" altLang="ko-KR" dirty="0"/>
-              <a:t>.</a:t>
-            </a:r>
-          </a:p>
-          <a:p>
-            <a:endParaRPr lang="en-US" altLang="ko-KR" dirty="0"/>
-          </a:p>
-          <a:p>
-            <a:r>
-              <a:rPr lang="ko-KR" altLang="en-US" dirty="0"/>
-              <a:t>그래서 서울 내 집마련으로 좀 관심사를 바꿨는데요</a:t>
-            </a:r>
-            <a:r>
-              <a:rPr lang="en-US" altLang="ko-KR" dirty="0"/>
-              <a:t>.</a:t>
-            </a:r>
           </a:p>
         </p:txBody>
       </p:sp>
@@ -3838,7 +4121,7 @@
     </p:spTree>
     <p:extLst>
       <p:ext uri="{BB962C8B-B14F-4D97-AF65-F5344CB8AC3E}">
-        <p14:creationId xmlns:p14="http://schemas.microsoft.com/office/powerpoint/2010/main" val="2296726497"/>
+        <p14:creationId xmlns:p14="http://schemas.microsoft.com/office/powerpoint/2010/main" val="583714445"/>
       </p:ext>
     </p:extLst>
   </p:cSld>
@@ -3894,49 +4177,44 @@
           <a:p>
             <a:r>
               <a:rPr lang="ko-KR" altLang="en-US" dirty="0"/>
-              <a:t>서울 집값 정말 비싸죠</a:t>
-            </a:r>
-            <a:r>
-              <a:rPr lang="en-US" altLang="ko-KR" dirty="0"/>
-              <a:t>. </a:t>
-            </a:r>
-            <a:r>
-              <a:rPr lang="ko-KR" altLang="en-US" dirty="0"/>
-              <a:t>자료를 조사하면서 </a:t>
+              <a:t>이건 제가 활용하고 있는 </a:t>
             </a:r>
             <a:r>
               <a:rPr lang="ko-KR" altLang="en-US" dirty="0" err="1"/>
-              <a:t>세삼</a:t>
-            </a:r>
-            <a:r>
-              <a:rPr lang="ko-KR" altLang="en-US" dirty="0"/>
-              <a:t> 느꼈는데</a:t>
-            </a:r>
-          </a:p>
-          <a:p>
-            <a:r>
-              <a:rPr lang="en-US" altLang="ko-KR" dirty="0"/>
-              <a:t>30</a:t>
+              <a:t>배당시뮬레이션</a:t>
+            </a:r>
+            <a:r>
+              <a:rPr lang="ko-KR" altLang="en-US" dirty="0"/>
+              <a:t> 워크시트에서 </a:t>
             </a:r>
             <a:r>
               <a:rPr lang="ko-KR" altLang="en-US" dirty="0" err="1"/>
-              <a:t>평대는</a:t>
-            </a:r>
-            <a:r>
-              <a:rPr lang="ko-KR" altLang="en-US" dirty="0"/>
-              <a:t> </a:t>
-            </a:r>
-            <a:r>
-              <a:rPr lang="en-US" altLang="ko-KR" dirty="0"/>
-              <a:t>15</a:t>
-            </a:r>
-            <a:r>
-              <a:rPr lang="ko-KR" altLang="en-US" dirty="0"/>
-              <a:t>억을 훌쩍 넘는 경우가 </a:t>
+              <a:t>캡쳐한</a:t>
+            </a:r>
+            <a:r>
+              <a:rPr lang="ko-KR" altLang="en-US" dirty="0"/>
+              <a:t> 내용입니다</a:t>
+            </a:r>
+            <a:r>
+              <a:rPr lang="en-US" altLang="ko-KR" dirty="0"/>
+              <a:t>.</a:t>
+            </a:r>
+          </a:p>
+          <a:p>
+            <a:r>
+              <a:rPr lang="ko-KR" altLang="en-US" dirty="0"/>
+              <a:t>주로 은퇴를 앞두고 있는 분들이 </a:t>
             </a:r>
             <a:r>
               <a:rPr lang="ko-KR" altLang="en-US" dirty="0" err="1"/>
-              <a:t>다반사더라고요</a:t>
+              <a:t>여쭤보시면</a:t>
+            </a:r>
+            <a:endParaRPr lang="ko-KR" altLang="en-US" dirty="0"/>
+          </a:p>
+          <a:p>
+            <a:r>
+              <a:rPr lang="ko-KR" altLang="en-US" dirty="0"/>
+              <a:t>직관적으로 알려드리기 위해 사용하고 있습니다</a:t>
             </a:r>
             <a:r>
               <a:rPr lang="en-US" altLang="ko-KR" dirty="0"/>
@@ -3944,59 +4222,36 @@
             </a:r>
           </a:p>
           <a:p>
-            <a:r>
-              <a:rPr lang="ko-KR" altLang="en-US" dirty="0"/>
-              <a:t>그래서 </a:t>
-            </a:r>
-            <a:r>
-              <a:rPr lang="en-US" altLang="ko-KR" dirty="0"/>
-              <a:t>25</a:t>
-            </a:r>
+            <a:endParaRPr lang="en-US" altLang="ko-KR" dirty="0"/>
+          </a:p>
+          <a:p>
             <a:r>
               <a:rPr lang="ko-KR" altLang="en-US" dirty="0" err="1"/>
-              <a:t>평대를</a:t>
-            </a:r>
-            <a:r>
-              <a:rPr lang="ko-KR" altLang="en-US" dirty="0"/>
-              <a:t> 기준으로 정리해봤는데</a:t>
-            </a:r>
-          </a:p>
-          <a:p>
-            <a:r>
-              <a:rPr lang="en-US" altLang="ko-KR" dirty="0"/>
-              <a:t>25</a:t>
+              <a:t>슈드</a:t>
+            </a:r>
+            <a:r>
+              <a:rPr lang="en-US" altLang="ko-KR" dirty="0"/>
+              <a:t>, </a:t>
             </a:r>
             <a:r>
               <a:rPr lang="ko-KR" altLang="en-US" dirty="0" err="1"/>
-              <a:t>평대</a:t>
-            </a:r>
-            <a:r>
-              <a:rPr lang="ko-KR" altLang="en-US" dirty="0"/>
-              <a:t> 집의 매가가 </a:t>
-            </a:r>
-            <a:r>
-              <a:rPr lang="en-US" altLang="ko-KR" dirty="0"/>
-              <a:t>11</a:t>
-            </a:r>
-            <a:r>
-              <a:rPr lang="ko-KR" altLang="en-US" dirty="0"/>
-              <a:t>억에서 </a:t>
-            </a:r>
-            <a:r>
-              <a:rPr lang="en-US" altLang="ko-KR" dirty="0"/>
-              <a:t>13</a:t>
-            </a:r>
-            <a:r>
-              <a:rPr lang="ko-KR" altLang="en-US" dirty="0"/>
-              <a:t>억 중간으로 약 </a:t>
-            </a:r>
-            <a:r>
-              <a:rPr lang="en-US" altLang="ko-KR" dirty="0"/>
-              <a:t>12</a:t>
-            </a:r>
-            <a:r>
-              <a:rPr lang="ko-KR" altLang="en-US" dirty="0"/>
-              <a:t>억 정도 되겠더라고요</a:t>
+              <a:t>제피</a:t>
+            </a:r>
+            <a:r>
+              <a:rPr lang="en-US" altLang="ko-KR" dirty="0"/>
+              <a:t>, TLT </a:t>
+            </a:r>
+            <a:r>
+              <a:rPr lang="ko-KR" altLang="en-US" dirty="0"/>
+              <a:t>장기채권이죠</a:t>
+            </a:r>
+            <a:r>
+              <a:rPr lang="en-US" altLang="ko-KR" dirty="0"/>
+              <a:t>. SGOV </a:t>
+            </a:r>
+            <a:r>
+              <a:rPr lang="ko-KR" altLang="en-US" dirty="0"/>
+              <a:t>단기채권이고요</a:t>
             </a:r>
             <a:r>
               <a:rPr lang="en-US" altLang="ko-KR" dirty="0"/>
@@ -4006,7 +4261,100 @@
           <a:p>
             <a:r>
               <a:rPr lang="ko-KR" altLang="en-US" dirty="0"/>
-              <a:t>물론</a:t>
+              <a:t>이렇게 </a:t>
+            </a:r>
+            <a:r>
+              <a:rPr lang="en-US" altLang="ko-KR" dirty="0"/>
+              <a:t>25%</a:t>
+            </a:r>
+            <a:r>
+              <a:rPr lang="ko-KR" altLang="en-US" dirty="0"/>
+              <a:t>씩 포트폴리오를 구성하면 마르지 않는 배당 전략을 짤 수 있는데요</a:t>
+            </a:r>
+            <a:r>
+              <a:rPr lang="en-US" altLang="ko-KR" dirty="0"/>
+              <a:t>.</a:t>
+            </a:r>
+          </a:p>
+          <a:p>
+            <a:r>
+              <a:rPr lang="ko-KR" altLang="en-US" dirty="0"/>
+              <a:t>배당률 </a:t>
+            </a:r>
+            <a:r>
+              <a:rPr lang="en-US" altLang="ko-KR" dirty="0"/>
+              <a:t>5.63%</a:t>
+            </a:r>
+            <a:r>
+              <a:rPr lang="ko-KR" altLang="en-US" dirty="0"/>
+              <a:t>에 자산가치 보존과 경기침체 같은 리스크 관리에도 꽤나 안정적인 포트폴리오입니다</a:t>
+            </a:r>
+            <a:r>
+              <a:rPr lang="en-US" altLang="ko-KR" dirty="0"/>
+              <a:t>.</a:t>
+            </a:r>
+          </a:p>
+          <a:p>
+            <a:r>
+              <a:rPr lang="ko-KR" altLang="en-US" dirty="0"/>
+              <a:t>포트폴리오 자체의 성과는 강의 후에 제가 배포해드린 프로그램을 활용해서 직접 테스트 해보시면</a:t>
+            </a:r>
+          </a:p>
+          <a:p>
+            <a:r>
+              <a:rPr lang="ko-KR" altLang="en-US" dirty="0"/>
+              <a:t>좋을 것 같고요</a:t>
+            </a:r>
+            <a:r>
+              <a:rPr lang="en-US" altLang="ko-KR" dirty="0"/>
+              <a:t>.</a:t>
+            </a:r>
+          </a:p>
+          <a:p>
+            <a:endParaRPr lang="en-US" altLang="ko-KR" dirty="0"/>
+          </a:p>
+          <a:p>
+            <a:r>
+              <a:rPr lang="ko-KR" altLang="en-US" dirty="0"/>
+              <a:t>지금 강의에서는 원래 말씀드리려고 했던 </a:t>
+            </a:r>
+            <a:r>
+              <a:rPr lang="en-US" altLang="ko-KR" dirty="0"/>
+              <a:t>5</a:t>
+            </a:r>
+            <a:r>
+              <a:rPr lang="ko-KR" altLang="en-US" dirty="0"/>
+              <a:t>억이 왜 </a:t>
+            </a:r>
+            <a:r>
+              <a:rPr lang="ko-KR" altLang="en-US" dirty="0" err="1"/>
+              <a:t>목표냐의</a:t>
+            </a:r>
+            <a:r>
+              <a:rPr lang="ko-KR" altLang="en-US" dirty="0"/>
+              <a:t> 관점으로 </a:t>
+            </a:r>
+            <a:r>
+              <a:rPr lang="ko-KR" altLang="en-US" dirty="0" err="1"/>
+              <a:t>설명드리겠습니다</a:t>
+            </a:r>
+            <a:r>
+              <a:rPr lang="en-US" altLang="ko-KR" dirty="0"/>
+              <a:t>.</a:t>
+            </a:r>
+          </a:p>
+          <a:p>
+            <a:r>
+              <a:rPr lang="ko-KR" altLang="en-US" dirty="0"/>
+              <a:t>왜 </a:t>
+            </a:r>
+            <a:r>
+              <a:rPr lang="en-US" altLang="ko-KR" dirty="0"/>
+              <a:t>5</a:t>
+            </a:r>
+            <a:r>
+              <a:rPr lang="ko-KR" altLang="en-US" dirty="0"/>
+              <a:t>억이냐 하면</a:t>
             </a:r>
             <a:r>
               <a:rPr lang="en-US" altLang="ko-KR" dirty="0"/>
@@ -4014,29 +4362,178 @@
             </a:r>
             <a:r>
               <a:rPr lang="ko-KR" altLang="en-US" dirty="0"/>
-              <a:t>강남이나 </a:t>
-            </a:r>
+              <a:t>월 배당 </a:t>
+            </a:r>
+            <a:r>
+              <a:rPr lang="en-US" altLang="ko-KR" dirty="0"/>
+              <a:t>200</a:t>
+            </a:r>
+            <a:r>
+              <a:rPr lang="ko-KR" altLang="en-US" dirty="0"/>
+              <a:t>만원을 안정적으로 받을 수 있는 자산 규모가 </a:t>
+            </a:r>
+            <a:r>
+              <a:rPr lang="en-US" altLang="ko-KR" dirty="0"/>
+              <a:t>5</a:t>
+            </a:r>
+            <a:r>
+              <a:rPr lang="ko-KR" altLang="en-US" dirty="0"/>
+              <a:t>억이기 때문인데요</a:t>
+            </a:r>
+            <a:r>
+              <a:rPr lang="en-US" altLang="ko-KR" dirty="0"/>
+              <a:t>.</a:t>
+            </a:r>
+          </a:p>
+          <a:p>
+            <a:r>
+              <a:rPr lang="ko-KR" altLang="en-US" dirty="0"/>
+              <a:t>포트폴리오를 이렇게 구성해 놓으면 매달 </a:t>
+            </a:r>
+            <a:r>
+              <a:rPr lang="en-US" altLang="ko-KR" dirty="0"/>
+              <a:t>200</a:t>
+            </a:r>
+            <a:r>
+              <a:rPr lang="ko-KR" altLang="en-US" dirty="0"/>
+              <a:t>만원을 안정적으로 받으면서</a:t>
+            </a:r>
+          </a:p>
+          <a:p>
+            <a:r>
+              <a:rPr lang="ko-KR" altLang="en-US" dirty="0"/>
+              <a:t>인플레이션이나 경기침체도 어느정도 회피할 수 있죠</a:t>
+            </a:r>
+            <a:r>
+              <a:rPr lang="en-US" altLang="ko-KR" dirty="0"/>
+              <a:t>.</a:t>
+            </a:r>
+          </a:p>
+          <a:p>
+            <a:endParaRPr lang="en-US" altLang="ko-KR" dirty="0"/>
+          </a:p>
+          <a:p>
+            <a:r>
+              <a:rPr lang="ko-KR" altLang="en-US" dirty="0"/>
+              <a:t>매달 </a:t>
+            </a:r>
+            <a:r>
+              <a:rPr lang="en-US" altLang="ko-KR" dirty="0"/>
+              <a:t>200</a:t>
+            </a:r>
+            <a:r>
+              <a:rPr lang="ko-KR" altLang="en-US" dirty="0"/>
+              <a:t>만원이 풍족한 금액은 아닐 수 있지만</a:t>
+            </a:r>
+            <a:r>
+              <a:rPr lang="en-US" altLang="ko-KR" dirty="0"/>
+              <a:t>,</a:t>
+            </a:r>
+          </a:p>
+          <a:p>
+            <a:r>
+              <a:rPr lang="ko-KR" altLang="en-US" dirty="0"/>
+              <a:t>그래도 생활 수준의 존엄성이라고 할까요</a:t>
+            </a:r>
+            <a:r>
+              <a:rPr lang="en-US" altLang="ko-KR" dirty="0"/>
+              <a:t>?</a:t>
+            </a:r>
+          </a:p>
+          <a:p>
             <a:r>
               <a:rPr lang="ko-KR" altLang="en-US" dirty="0" err="1"/>
-              <a:t>마용성</a:t>
-            </a:r>
-            <a:r>
-              <a:rPr lang="ko-KR" altLang="en-US" dirty="0"/>
-              <a:t> 같은 완전 상급지는 힘들지만</a:t>
-            </a:r>
-          </a:p>
-          <a:p>
-            <a:r>
-              <a:rPr lang="en-US" altLang="ko-KR" dirty="0"/>
-              <a:t>DMC</a:t>
-            </a:r>
-            <a:r>
-              <a:rPr lang="ko-KR" altLang="en-US" dirty="0"/>
-              <a:t>나 상도동도 꽤 괜찮은 </a:t>
+              <a:t>그정도를</a:t>
+            </a:r>
+            <a:r>
+              <a:rPr lang="ko-KR" altLang="en-US" dirty="0"/>
+              <a:t> 지키면서 살아가기에는 거뜬하다고 생각합니다</a:t>
+            </a:r>
+            <a:r>
+              <a:rPr lang="en-US" altLang="ko-KR" dirty="0"/>
+              <a:t>.</a:t>
+            </a:r>
+          </a:p>
+          <a:p>
+            <a:endParaRPr lang="en-US" altLang="ko-KR" dirty="0"/>
+          </a:p>
+          <a:p>
+            <a:r>
+              <a:rPr lang="ko-KR" altLang="en-US" dirty="0"/>
+              <a:t>특히</a:t>
+            </a:r>
+            <a:r>
+              <a:rPr lang="en-US" altLang="ko-KR" dirty="0"/>
+              <a:t>, </a:t>
+            </a:r>
+            <a:r>
+              <a:rPr lang="ko-KR" altLang="en-US" dirty="0"/>
+              <a:t>약간의 부업이나 소일거리가 있고</a:t>
+            </a:r>
+          </a:p>
+          <a:p>
+            <a:r>
+              <a:rPr lang="ko-KR" altLang="en-US" dirty="0"/>
+              <a:t>플러스 </a:t>
+            </a:r>
+            <a:r>
+              <a:rPr lang="en-US" altLang="ko-KR" dirty="0"/>
+              <a:t>200</a:t>
+            </a:r>
+            <a:r>
+              <a:rPr lang="ko-KR" altLang="en-US" dirty="0"/>
+              <a:t>의 현금흐름이면 뭐 나쁘지는 않죠</a:t>
+            </a:r>
+            <a:r>
+              <a:rPr lang="en-US" altLang="ko-KR" dirty="0"/>
+              <a:t>.</a:t>
+            </a:r>
+          </a:p>
+          <a:p>
+            <a:endParaRPr lang="en-US" altLang="ko-KR" dirty="0"/>
+          </a:p>
+          <a:p>
+            <a:r>
+              <a:rPr lang="ko-KR" altLang="en-US" dirty="0"/>
+              <a:t>근데 이번 강의는 주로 대상이 사회 초년생이었는데</a:t>
+            </a:r>
+          </a:p>
+          <a:p>
+            <a:r>
+              <a:rPr lang="ko-KR" altLang="en-US" dirty="0"/>
+              <a:t>은퇴이야기를 하면 크게 공감이 </a:t>
             </a:r>
             <a:r>
               <a:rPr lang="ko-KR" altLang="en-US" dirty="0" err="1"/>
-              <a:t>동네죠</a:t>
+              <a:t>안가죠</a:t>
+            </a:r>
+            <a:r>
+              <a:rPr lang="en-US" altLang="ko-KR" dirty="0"/>
+              <a:t>?</a:t>
+            </a:r>
+          </a:p>
+          <a:p>
+            <a:r>
+              <a:rPr lang="ko-KR" altLang="en-US" dirty="0" err="1"/>
+              <a:t>얼마전까지만</a:t>
+            </a:r>
+            <a:r>
+              <a:rPr lang="ko-KR" altLang="en-US" dirty="0"/>
+              <a:t> 해도 파이어족이나 경제적 자유 등이 트랜드를 좀 탔었는데</a:t>
+            </a:r>
+          </a:p>
+          <a:p>
+            <a:r>
+              <a:rPr lang="ko-KR" altLang="en-US" dirty="0"/>
+              <a:t>요즘에는 거의 </a:t>
+            </a:r>
+            <a:r>
+              <a:rPr lang="ko-KR" altLang="en-US" dirty="0" err="1"/>
+              <a:t>쏙들어간</a:t>
+            </a:r>
+            <a:r>
+              <a:rPr lang="ko-KR" altLang="en-US" dirty="0"/>
+              <a:t> 것 같아요</a:t>
             </a:r>
             <a:r>
               <a:rPr lang="en-US" altLang="ko-KR" dirty="0"/>
@@ -4049,37 +4546,37 @@
           <a:p>
             <a:r>
               <a:rPr lang="ko-KR" altLang="en-US" dirty="0"/>
-              <a:t>매가 </a:t>
-            </a:r>
-            <a:r>
-              <a:rPr lang="en-US" altLang="ko-KR" dirty="0"/>
-              <a:t>12</a:t>
-            </a:r>
-            <a:r>
-              <a:rPr lang="ko-KR" altLang="en-US" dirty="0"/>
-              <a:t>억이면 </a:t>
-            </a:r>
-            <a:r>
-              <a:rPr lang="en-US" altLang="ko-KR" dirty="0"/>
-              <a:t>5</a:t>
-            </a:r>
-            <a:r>
-              <a:rPr lang="ko-KR" altLang="en-US" dirty="0"/>
-              <a:t>억으로 </a:t>
+              <a:t>저도 사실 처음에는 </a:t>
             </a:r>
             <a:r>
               <a:rPr lang="ko-KR" altLang="en-US" dirty="0" err="1"/>
-              <a:t>택도</a:t>
-            </a:r>
-            <a:r>
-              <a:rPr lang="ko-KR" altLang="en-US" dirty="0"/>
-              <a:t> 없다는 생각부터 들지만</a:t>
-            </a:r>
-          </a:p>
-          <a:p>
-            <a:r>
-              <a:rPr lang="ko-KR" altLang="en-US" dirty="0"/>
-              <a:t>사실 부동산은 레버리지 자산이죠</a:t>
+              <a:t>직장생활하면서</a:t>
+            </a:r>
+            <a:r>
+              <a:rPr lang="ko-KR" altLang="en-US" dirty="0"/>
+              <a:t> 언제 </a:t>
+            </a:r>
+            <a:r>
+              <a:rPr lang="ko-KR" altLang="en-US" dirty="0" err="1"/>
+              <a:t>때려칠</a:t>
+            </a:r>
+            <a:r>
+              <a:rPr lang="ko-KR" altLang="en-US" dirty="0"/>
+              <a:t> 수 있을까</a:t>
+            </a:r>
+            <a:r>
+              <a:rPr lang="en-US" altLang="ko-KR" dirty="0"/>
+              <a:t>?</a:t>
+            </a:r>
+          </a:p>
+          <a:p>
+            <a:r>
+              <a:rPr lang="ko-KR" altLang="en-US" dirty="0" err="1"/>
+              <a:t>라고</a:t>
+            </a:r>
+            <a:r>
+              <a:rPr lang="ko-KR" altLang="en-US" dirty="0"/>
+              <a:t> 생각하면서 미국주식 투자를 시작했는데요</a:t>
             </a:r>
             <a:r>
               <a:rPr lang="en-US" altLang="ko-KR" dirty="0"/>
@@ -4087,22 +4584,32 @@
             </a:r>
           </a:p>
           <a:p>
+            <a:r>
+              <a:rPr lang="ko-KR" altLang="en-US" dirty="0"/>
+              <a:t>파이어족을 목표로 </a:t>
+            </a:r>
+            <a:r>
+              <a:rPr lang="ko-KR" altLang="en-US" dirty="0" err="1"/>
+              <a:t>했던거죠</a:t>
+            </a:r>
+            <a:r>
+              <a:rPr lang="en-US" altLang="ko-KR" dirty="0"/>
+              <a:t>.</a:t>
+            </a:r>
+          </a:p>
+          <a:p>
             <a:endParaRPr lang="en-US" altLang="ko-KR" dirty="0"/>
           </a:p>
           <a:p>
             <a:r>
               <a:rPr lang="ko-KR" altLang="en-US" dirty="0"/>
-              <a:t>만약 실거주를 목표로 한다면 직장생활을 계속한다는 가정하에</a:t>
-            </a:r>
-          </a:p>
-          <a:p>
-            <a:r>
-              <a:rPr lang="en-US" altLang="ko-KR" dirty="0"/>
-              <a:t>7</a:t>
-            </a:r>
-            <a:r>
-              <a:rPr lang="ko-KR" altLang="en-US" dirty="0"/>
-              <a:t>억 정도 대출을 받을 수 있을 거예요</a:t>
+              <a:t>근데 회사를 좀 다니면서 막상 목표했던 금액에 도달하고 나니까</a:t>
+            </a:r>
+          </a:p>
+          <a:p>
+            <a:r>
+              <a:rPr lang="ko-KR" altLang="en-US" dirty="0"/>
+              <a:t>생각이 좀 바뀌더라고요</a:t>
             </a:r>
             <a:r>
               <a:rPr lang="en-US" altLang="ko-KR" dirty="0"/>
@@ -4112,58 +4619,17 @@
           <a:p>
             <a:r>
               <a:rPr lang="ko-KR" altLang="en-US" dirty="0"/>
-              <a:t>그러면 투자금이 </a:t>
-            </a:r>
-            <a:r>
-              <a:rPr lang="en-US" altLang="ko-KR" dirty="0"/>
-              <a:t>5</a:t>
-            </a:r>
-            <a:r>
-              <a:rPr lang="ko-KR" altLang="en-US" dirty="0"/>
-              <a:t>억 정도 들고</a:t>
-            </a:r>
-          </a:p>
-          <a:p>
-            <a:endParaRPr lang="ko-KR" altLang="en-US" dirty="0"/>
-          </a:p>
-          <a:p>
-            <a:r>
-              <a:rPr lang="ko-KR" altLang="en-US" dirty="0" err="1"/>
-              <a:t>갭투자</a:t>
-            </a:r>
-            <a:r>
-              <a:rPr lang="ko-KR" altLang="en-US" dirty="0"/>
-              <a:t> 역시</a:t>
-            </a:r>
-          </a:p>
-          <a:p>
-            <a:r>
-              <a:rPr lang="ko-KR" altLang="en-US" dirty="0"/>
-              <a:t>투자금 </a:t>
-            </a:r>
-            <a:r>
-              <a:rPr lang="en-US" altLang="ko-KR" dirty="0"/>
-              <a:t>5</a:t>
-            </a:r>
-            <a:r>
-              <a:rPr lang="ko-KR" altLang="en-US" dirty="0"/>
-              <a:t>억이면 </a:t>
-            </a:r>
-            <a:r>
-              <a:rPr lang="en-US" altLang="ko-KR" dirty="0"/>
-              <a:t>12</a:t>
-            </a:r>
-            <a:r>
-              <a:rPr lang="ko-KR" altLang="en-US" dirty="0"/>
-              <a:t>매가인 서울 </a:t>
-            </a:r>
-            <a:r>
-              <a:rPr lang="en-US" altLang="ko-KR" dirty="0"/>
-              <a:t>25</a:t>
-            </a:r>
-            <a:r>
-              <a:rPr lang="ko-KR" altLang="en-US" dirty="0"/>
-              <a:t>평 아파트를 매수할 수 있죠</a:t>
+              <a:t>좀 더 욕심이 생겼다고 할까요</a:t>
+            </a:r>
+            <a:r>
+              <a:rPr lang="en-US" altLang="ko-KR" dirty="0"/>
+              <a:t>?</a:t>
+            </a:r>
+          </a:p>
+          <a:p>
+            <a:r>
+              <a:rPr lang="ko-KR" altLang="en-US" dirty="0"/>
+              <a:t>할 수 있을 때까지는 하는 것도 나쁘지 않겠다</a:t>
             </a:r>
             <a:r>
               <a:rPr lang="en-US" altLang="ko-KR" dirty="0"/>
@@ -4172,16 +4638,8 @@
           </a:p>
           <a:p>
             <a:r>
-              <a:rPr lang="en-US" altLang="ko-KR" dirty="0"/>
-              <a:t>7</a:t>
-            </a:r>
-            <a:r>
-              <a:rPr lang="ko-KR" altLang="en-US" dirty="0"/>
-              <a:t>억 전세로 </a:t>
-            </a:r>
-            <a:r>
-              <a:rPr lang="ko-KR" altLang="en-US" dirty="0" err="1"/>
-              <a:t>주면요</a:t>
+              <a:rPr lang="ko-KR" altLang="en-US" dirty="0"/>
+              <a:t>이런 생각을 하고 있어요</a:t>
             </a:r>
             <a:r>
               <a:rPr lang="en-US" altLang="ko-KR" dirty="0"/>
@@ -4194,84 +4652,12 @@
           <a:p>
             <a:r>
               <a:rPr lang="ko-KR" altLang="en-US" dirty="0"/>
-              <a:t>그러니까 제가 </a:t>
-            </a:r>
-            <a:r>
-              <a:rPr lang="en-US" altLang="ko-KR" dirty="0"/>
-              <a:t>5</a:t>
-            </a:r>
-            <a:r>
-              <a:rPr lang="ko-KR" altLang="en-US" dirty="0"/>
-              <a:t>억이라는 돈을 목표로 제시한 이유는</a:t>
-            </a:r>
-          </a:p>
-          <a:p>
-            <a:r>
-              <a:rPr lang="en-US" altLang="ko-KR" dirty="0"/>
-              <a:t>5</a:t>
-            </a:r>
-            <a:r>
-              <a:rPr lang="ko-KR" altLang="en-US" dirty="0"/>
-              <a:t>억이면 월 배당 </a:t>
-            </a:r>
-            <a:r>
-              <a:rPr lang="en-US" altLang="ko-KR" dirty="0"/>
-              <a:t>200</a:t>
-            </a:r>
-            <a:r>
-              <a:rPr lang="ko-KR" altLang="en-US" dirty="0"/>
-              <a:t>을 안정적으로 만들거나</a:t>
-            </a:r>
-            <a:r>
-              <a:rPr lang="en-US" altLang="ko-KR" dirty="0"/>
-              <a:t>,</a:t>
-            </a:r>
-          </a:p>
-          <a:p>
-            <a:r>
-              <a:rPr lang="ko-KR" altLang="en-US" dirty="0"/>
-              <a:t>서울 </a:t>
-            </a:r>
-            <a:r>
-              <a:rPr lang="ko-KR" altLang="en-US" dirty="0" err="1"/>
-              <a:t>내집</a:t>
-            </a:r>
-            <a:r>
-              <a:rPr lang="ko-KR" altLang="en-US" dirty="0"/>
-              <a:t> 마련을 노려볼 수 있는 금액이기 때문에</a:t>
-            </a:r>
-          </a:p>
-          <a:p>
-            <a:endParaRPr lang="ko-KR" altLang="en-US" dirty="0"/>
-          </a:p>
-          <a:p>
-            <a:r>
-              <a:rPr lang="ko-KR" altLang="en-US" dirty="0"/>
-              <a:t>일단 </a:t>
-            </a:r>
-            <a:r>
-              <a:rPr lang="en-US" altLang="ko-KR" dirty="0"/>
-              <a:t>5</a:t>
-            </a:r>
-            <a:r>
-              <a:rPr lang="ko-KR" altLang="en-US" dirty="0"/>
-              <a:t>억을 목표로 미국 주식 투자를 시작해보자</a:t>
+              <a:t>그래서 서울 내 집마련으로 좀 관심사를 바꿨는데요</a:t>
             </a:r>
             <a:r>
               <a:rPr lang="en-US" altLang="ko-KR" dirty="0"/>
               <a:t>.</a:t>
             </a:r>
-          </a:p>
-          <a:p>
-            <a:r>
-              <a:rPr lang="ko-KR" altLang="en-US" dirty="0"/>
-              <a:t>이렇게 말씀드리는 겁니다</a:t>
-            </a:r>
-            <a:r>
-              <a:rPr lang="en-US" altLang="ko-KR" dirty="0"/>
-              <a:t>.</a:t>
-            </a:r>
-            <a:endParaRPr lang="ko-KR" altLang="en-US" dirty="0"/>
           </a:p>
         </p:txBody>
       </p:sp>
@@ -4292,7 +4678,7 @@
           <a:p>
             <a:fld id="{AF377DAE-6E9C-4F87-A8EC-C6E75F6BD3E4}" type="slidenum">
               <a:rPr lang="ko-KR" altLang="en-US" smtClean="0"/>
-              <a:t>5</a:t>
+              <a:t>4</a:t>
             </a:fld>
             <a:endParaRPr lang="ko-KR" altLang="en-US"/>
           </a:p>
@@ -4301,7 +4687,7 @@
     </p:spTree>
     <p:extLst>
       <p:ext uri="{BB962C8B-B14F-4D97-AF65-F5344CB8AC3E}">
-        <p14:creationId xmlns:p14="http://schemas.microsoft.com/office/powerpoint/2010/main" val="3868329396"/>
+        <p14:creationId xmlns:p14="http://schemas.microsoft.com/office/powerpoint/2010/main" val="2296726497"/>
       </p:ext>
     </p:extLst>
   </p:cSld>
@@ -4357,42 +4743,156 @@
           <a:p>
             <a:r>
               <a:rPr lang="ko-KR" altLang="en-US" dirty="0"/>
-              <a:t>자 그럼 목표 금액은 새웠는데</a:t>
-            </a:r>
-          </a:p>
-          <a:p>
-            <a:r>
-              <a:rPr lang="ko-KR" altLang="en-US" dirty="0"/>
-              <a:t>이제 어떻게 그 목표 금액에 </a:t>
+              <a:t>서울 집값 정말 비싸죠</a:t>
+            </a:r>
+            <a:r>
+              <a:rPr lang="en-US" altLang="ko-KR" dirty="0"/>
+              <a:t>. </a:t>
+            </a:r>
+            <a:r>
+              <a:rPr lang="ko-KR" altLang="en-US" dirty="0"/>
+              <a:t>자료를 조사하면서 </a:t>
             </a:r>
             <a:r>
               <a:rPr lang="ko-KR" altLang="en-US" dirty="0" err="1"/>
-              <a:t>도달할꺼냐</a:t>
-            </a:r>
-            <a:endParaRPr lang="ko-KR" altLang="en-US" dirty="0"/>
-          </a:p>
-          <a:p>
-            <a:r>
-              <a:rPr lang="ko-KR" altLang="en-US" dirty="0"/>
-              <a:t>그게 필요하죠</a:t>
-            </a:r>
-            <a:r>
-              <a:rPr lang="en-US" altLang="ko-KR" dirty="0"/>
-              <a:t>?</a:t>
-            </a:r>
-          </a:p>
-          <a:p>
-            <a:endParaRPr lang="en-US" altLang="ko-KR" dirty="0"/>
-          </a:p>
-          <a:p>
-            <a:r>
-              <a:rPr lang="ko-KR" altLang="en-US" dirty="0"/>
-              <a:t>그래서 제가 투자 전략 수립에 활용하는 방식을 공유해보려고 합니다</a:t>
+              <a:t>세삼</a:t>
+            </a:r>
+            <a:r>
+              <a:rPr lang="ko-KR" altLang="en-US" dirty="0"/>
+              <a:t> 느꼈는데</a:t>
+            </a:r>
+          </a:p>
+          <a:p>
+            <a:r>
+              <a:rPr lang="en-US" altLang="ko-KR" dirty="0"/>
+              <a:t>30</a:t>
+            </a:r>
+            <a:r>
+              <a:rPr lang="ko-KR" altLang="en-US" dirty="0" err="1"/>
+              <a:t>평대는</a:t>
+            </a:r>
+            <a:r>
+              <a:rPr lang="ko-KR" altLang="en-US" dirty="0"/>
+              <a:t> </a:t>
+            </a:r>
+            <a:r>
+              <a:rPr lang="en-US" altLang="ko-KR" dirty="0"/>
+              <a:t>15</a:t>
+            </a:r>
+            <a:r>
+              <a:rPr lang="ko-KR" altLang="en-US" dirty="0"/>
+              <a:t>억을 훌쩍 넘는 경우가 </a:t>
+            </a:r>
+            <a:r>
+              <a:rPr lang="ko-KR" altLang="en-US" dirty="0" err="1"/>
+              <a:t>다반사더라고요</a:t>
             </a:r>
             <a:r>
               <a:rPr lang="en-US" altLang="ko-KR" dirty="0"/>
               <a:t>.</a:t>
             </a:r>
+          </a:p>
+          <a:p>
+            <a:r>
+              <a:rPr lang="ko-KR" altLang="en-US" dirty="0"/>
+              <a:t>그래서 </a:t>
+            </a:r>
+            <a:r>
+              <a:rPr lang="en-US" altLang="ko-KR" dirty="0"/>
+              <a:t>25</a:t>
+            </a:r>
+            <a:r>
+              <a:rPr lang="ko-KR" altLang="en-US" dirty="0" err="1"/>
+              <a:t>평대를</a:t>
+            </a:r>
+            <a:r>
+              <a:rPr lang="ko-KR" altLang="en-US" dirty="0"/>
+              <a:t> 기준으로 정리해봤는데</a:t>
+            </a:r>
+          </a:p>
+          <a:p>
+            <a:r>
+              <a:rPr lang="en-US" altLang="ko-KR" dirty="0"/>
+              <a:t>25</a:t>
+            </a:r>
+            <a:r>
+              <a:rPr lang="ko-KR" altLang="en-US" dirty="0" err="1"/>
+              <a:t>평대</a:t>
+            </a:r>
+            <a:r>
+              <a:rPr lang="ko-KR" altLang="en-US" dirty="0"/>
+              <a:t> 집의 매가가 </a:t>
+            </a:r>
+            <a:r>
+              <a:rPr lang="en-US" altLang="ko-KR" dirty="0"/>
+              <a:t>11</a:t>
+            </a:r>
+            <a:r>
+              <a:rPr lang="ko-KR" altLang="en-US" dirty="0"/>
+              <a:t>억에서 </a:t>
+            </a:r>
+            <a:r>
+              <a:rPr lang="en-US" altLang="ko-KR" dirty="0"/>
+              <a:t>13</a:t>
+            </a:r>
+            <a:r>
+              <a:rPr lang="ko-KR" altLang="en-US" dirty="0"/>
+              <a:t>억 중간으로 약 </a:t>
+            </a:r>
+            <a:r>
+              <a:rPr lang="en-US" altLang="ko-KR" dirty="0"/>
+              <a:t>12</a:t>
+            </a:r>
+            <a:r>
+              <a:rPr lang="ko-KR" altLang="en-US" dirty="0"/>
+              <a:t>억 정도 되겠더라고요</a:t>
+            </a:r>
+            <a:r>
+              <a:rPr lang="en-US" altLang="ko-KR" dirty="0"/>
+              <a:t>.</a:t>
+            </a:r>
+          </a:p>
+          <a:p>
+            <a:r>
+              <a:rPr lang="ko-KR" altLang="en-US" dirty="0"/>
+              <a:t>물론</a:t>
+            </a:r>
+            <a:r>
+              <a:rPr lang="en-US" altLang="ko-KR" dirty="0"/>
+              <a:t>, </a:t>
+            </a:r>
+            <a:r>
+              <a:rPr lang="ko-KR" altLang="en-US" dirty="0"/>
+              <a:t>강남이나 </a:t>
+            </a:r>
+            <a:r>
+              <a:rPr lang="ko-KR" altLang="en-US" dirty="0" err="1"/>
+              <a:t>마용성</a:t>
+            </a:r>
+            <a:r>
+              <a:rPr lang="ko-KR" altLang="en-US" dirty="0"/>
+              <a:t> 같은 완전 상급지는 힘들지만</a:t>
+            </a:r>
+          </a:p>
+          <a:p>
+            <a:r>
+              <a:rPr lang="en-US" altLang="ko-KR" dirty="0"/>
+              <a:t>DMC</a:t>
+            </a:r>
+            <a:r>
+              <a:rPr lang="ko-KR" altLang="en-US" dirty="0"/>
+              <a:t>나 상도동도 꽤 괜찮은 </a:t>
+            </a:r>
+            <a:r>
+              <a:rPr lang="ko-KR" altLang="en-US" dirty="0" err="1"/>
+              <a:t>동네죠</a:t>
+            </a:r>
+            <a:r>
+              <a:rPr lang="en-US" altLang="ko-KR" dirty="0"/>
+              <a:t>.</a:t>
+            </a:r>
+          </a:p>
+          <a:p>
             <a:endParaRPr lang="ko-KR" altLang="en-US" dirty="0"/>
           </a:p>
         </p:txBody>
@@ -4414,7 +4914,7 @@
           <a:p>
             <a:fld id="{AF377DAE-6E9C-4F87-A8EC-C6E75F6BD3E4}" type="slidenum">
               <a:rPr lang="ko-KR" altLang="en-US" smtClean="0"/>
-              <a:t>6</a:t>
+              <a:t>5</a:t>
             </a:fld>
             <a:endParaRPr lang="ko-KR" altLang="en-US"/>
           </a:p>
@@ -4423,7 +4923,7 @@
     </p:spTree>
     <p:extLst>
       <p:ext uri="{BB962C8B-B14F-4D97-AF65-F5344CB8AC3E}">
-        <p14:creationId xmlns:p14="http://schemas.microsoft.com/office/powerpoint/2010/main" val="267696656"/>
+        <p14:creationId xmlns:p14="http://schemas.microsoft.com/office/powerpoint/2010/main" val="2993106320"/>
       </p:ext>
     </p:extLst>
   </p:cSld>
@@ -4478,20 +4978,38 @@
           <a:lstStyle/>
           <a:p>
             <a:r>
-              <a:rPr lang="en-US" altLang="ko-KR" dirty="0"/>
-              <a:t>K</a:t>
-            </a:r>
-            <a:r>
-              <a:rPr lang="ko-KR" altLang="en-US" dirty="0"/>
-              <a:t>는 </a:t>
-            </a:r>
-            <a:r>
-              <a:rPr lang="en-US" altLang="ko-KR" dirty="0"/>
-              <a:t>S </a:t>
-            </a:r>
-            <a:r>
-              <a:rPr lang="ko-KR" altLang="en-US" dirty="0"/>
-              <a:t>어쩌고 저쩌고 수식이 나오죠</a:t>
+              <a:rPr lang="ko-KR" altLang="en-US" dirty="0"/>
+              <a:t>매가 </a:t>
+            </a:r>
+            <a:r>
+              <a:rPr lang="en-US" altLang="ko-KR" dirty="0"/>
+              <a:t>11</a:t>
+            </a:r>
+            <a:r>
+              <a:rPr lang="ko-KR" altLang="en-US" dirty="0"/>
+              <a:t>억이면 </a:t>
+            </a:r>
+            <a:r>
+              <a:rPr lang="en-US" altLang="ko-KR" dirty="0"/>
+              <a:t>5</a:t>
+            </a:r>
+            <a:r>
+              <a:rPr lang="ko-KR" altLang="en-US" dirty="0"/>
+              <a:t>억으로 </a:t>
+            </a:r>
+            <a:r>
+              <a:rPr lang="ko-KR" altLang="en-US" dirty="0" err="1"/>
+              <a:t>택도</a:t>
+            </a:r>
+            <a:r>
+              <a:rPr lang="ko-KR" altLang="en-US" dirty="0"/>
+              <a:t> 없다는 생각부터 들지만</a:t>
+            </a:r>
+          </a:p>
+          <a:p>
+            <a:r>
+              <a:rPr lang="ko-KR" altLang="en-US" dirty="0"/>
+              <a:t>사실 부동산은 레버리지 자산이죠</a:t>
             </a:r>
             <a:r>
               <a:rPr lang="en-US" altLang="ko-KR" dirty="0"/>
@@ -4499,9 +5017,22 @@
             </a:r>
           </a:p>
           <a:p>
-            <a:r>
-              <a:rPr lang="ko-KR" altLang="en-US" dirty="0"/>
-              <a:t>수식이 나온다고 절대 겁내실 필요는 없습니다</a:t>
+            <a:endParaRPr lang="en-US" altLang="ko-KR" dirty="0"/>
+          </a:p>
+          <a:p>
+            <a:r>
+              <a:rPr lang="ko-KR" altLang="en-US" dirty="0"/>
+              <a:t>만약 실거주를 목표로 한다면 직장생활을 계속한다는 가정하에</a:t>
+            </a:r>
+          </a:p>
+          <a:p>
+            <a:r>
+              <a:rPr lang="en-US" altLang="ko-KR" dirty="0"/>
+              <a:t>6</a:t>
+            </a:r>
+            <a:r>
+              <a:rPr lang="ko-KR" altLang="en-US" dirty="0"/>
+              <a:t>억 정도 대출을 받을 수 있을 거예요</a:t>
             </a:r>
             <a:r>
               <a:rPr lang="en-US" altLang="ko-KR" dirty="0"/>
@@ -4511,7 +5042,58 @@
           <a:p>
             <a:r>
               <a:rPr lang="ko-KR" altLang="en-US" dirty="0"/>
-              <a:t>이 수식을 풀 필요는 전혀 없고요</a:t>
+              <a:t>그러면 투자금이 </a:t>
+            </a:r>
+            <a:r>
+              <a:rPr lang="en-US" altLang="ko-KR" dirty="0"/>
+              <a:t>5</a:t>
+            </a:r>
+            <a:r>
+              <a:rPr lang="ko-KR" altLang="en-US" dirty="0"/>
+              <a:t>억 정도 들고</a:t>
+            </a:r>
+          </a:p>
+          <a:p>
+            <a:endParaRPr lang="ko-KR" altLang="en-US" dirty="0"/>
+          </a:p>
+          <a:p>
+            <a:r>
+              <a:rPr lang="ko-KR" altLang="en-US" dirty="0" err="1"/>
+              <a:t>갭투자</a:t>
+            </a:r>
+            <a:r>
+              <a:rPr lang="ko-KR" altLang="en-US" dirty="0"/>
+              <a:t> 역시</a:t>
+            </a:r>
+          </a:p>
+          <a:p>
+            <a:r>
+              <a:rPr lang="ko-KR" altLang="en-US" dirty="0"/>
+              <a:t>투자금 </a:t>
+            </a:r>
+            <a:r>
+              <a:rPr lang="en-US" altLang="ko-KR" dirty="0"/>
+              <a:t>5</a:t>
+            </a:r>
+            <a:r>
+              <a:rPr lang="ko-KR" altLang="en-US" dirty="0"/>
+              <a:t>억이면 </a:t>
+            </a:r>
+            <a:r>
+              <a:rPr lang="en-US" altLang="ko-KR" dirty="0"/>
+              <a:t>12</a:t>
+            </a:r>
+            <a:r>
+              <a:rPr lang="ko-KR" altLang="en-US" dirty="0"/>
+              <a:t>매가인 서울 </a:t>
+            </a:r>
+            <a:r>
+              <a:rPr lang="en-US" altLang="ko-KR" dirty="0"/>
+              <a:t>25</a:t>
+            </a:r>
+            <a:r>
+              <a:rPr lang="ko-KR" altLang="en-US" dirty="0"/>
+              <a:t>평 아파트를 매수할 수 있죠</a:t>
             </a:r>
             <a:r>
               <a:rPr lang="en-US" altLang="ko-KR" dirty="0"/>
@@ -4519,24 +5101,91 @@
             </a:r>
           </a:p>
           <a:p>
+            <a:r>
+              <a:rPr lang="en-US" altLang="ko-KR" dirty="0"/>
+              <a:t>7</a:t>
+            </a:r>
+            <a:r>
+              <a:rPr lang="ko-KR" altLang="en-US" dirty="0"/>
+              <a:t>억 전세로 </a:t>
+            </a:r>
+            <a:r>
+              <a:rPr lang="ko-KR" altLang="en-US" dirty="0" err="1"/>
+              <a:t>주면요</a:t>
+            </a:r>
+            <a:r>
+              <a:rPr lang="en-US" altLang="ko-KR" dirty="0"/>
+              <a:t>.</a:t>
+            </a:r>
+          </a:p>
+          <a:p>
             <a:endParaRPr lang="en-US" altLang="ko-KR" dirty="0"/>
           </a:p>
           <a:p>
             <a:r>
               <a:rPr lang="ko-KR" altLang="en-US" dirty="0"/>
-              <a:t>그냥 저희는 여기 </a:t>
+              <a:t>그러니까 제가 </a:t>
+            </a:r>
+            <a:r>
+              <a:rPr lang="en-US" altLang="ko-KR" dirty="0"/>
+              <a:t>5</a:t>
+            </a:r>
+            <a:r>
+              <a:rPr lang="ko-KR" altLang="en-US" dirty="0"/>
+              <a:t>억이라는 돈을 목표로 제시한 이유는</a:t>
+            </a:r>
+          </a:p>
+          <a:p>
+            <a:r>
+              <a:rPr lang="en-US" altLang="ko-KR" dirty="0"/>
+              <a:t>5</a:t>
+            </a:r>
+            <a:r>
+              <a:rPr lang="ko-KR" altLang="en-US" dirty="0"/>
+              <a:t>억이면 월 배당 </a:t>
+            </a:r>
+            <a:r>
+              <a:rPr lang="en-US" altLang="ko-KR" dirty="0"/>
+              <a:t>200</a:t>
+            </a:r>
+            <a:r>
+              <a:rPr lang="ko-KR" altLang="en-US" dirty="0"/>
+              <a:t>을 안정적으로 만들거나</a:t>
+            </a:r>
+            <a:r>
+              <a:rPr lang="en-US" altLang="ko-KR" dirty="0"/>
+              <a:t>,</a:t>
+            </a:r>
+          </a:p>
+          <a:p>
+            <a:r>
+              <a:rPr lang="ko-KR" altLang="en-US" dirty="0"/>
+              <a:t>서울 </a:t>
             </a:r>
             <a:r>
               <a:rPr lang="ko-KR" altLang="en-US" dirty="0" err="1"/>
-              <a:t>아래있는</a:t>
-            </a:r>
-            <a:r>
-              <a:rPr lang="ko-KR" altLang="en-US" dirty="0"/>
-              <a:t> 개념들만 </a:t>
-            </a:r>
-            <a:r>
-              <a:rPr lang="ko-KR" altLang="en-US" dirty="0" err="1"/>
-              <a:t>알면돼요</a:t>
+              <a:t>내집</a:t>
+            </a:r>
+            <a:r>
+              <a:rPr lang="ko-KR" altLang="en-US" dirty="0"/>
+              <a:t> 마련을 노려볼 수 있는 금액이기 때문에</a:t>
+            </a:r>
+          </a:p>
+          <a:p>
+            <a:endParaRPr lang="ko-KR" altLang="en-US" dirty="0"/>
+          </a:p>
+          <a:p>
+            <a:r>
+              <a:rPr lang="ko-KR" altLang="en-US" dirty="0"/>
+              <a:t>일단 </a:t>
+            </a:r>
+            <a:r>
+              <a:rPr lang="en-US" altLang="ko-KR" dirty="0"/>
+              <a:t>5</a:t>
+            </a:r>
+            <a:r>
+              <a:rPr lang="ko-KR" altLang="en-US" dirty="0"/>
+              <a:t>억을 목표로 미국 주식 투자를 시작해보자</a:t>
             </a:r>
             <a:r>
               <a:rPr lang="en-US" altLang="ko-KR" dirty="0"/>
@@ -4544,38 +5193,9 @@
             </a:r>
           </a:p>
           <a:p>
-            <a:endParaRPr lang="en-US" altLang="ko-KR" dirty="0"/>
-          </a:p>
-          <a:p>
-            <a:r>
-              <a:rPr lang="ko-KR" altLang="en-US" dirty="0"/>
-              <a:t>목표 자산은 초기자산과 현금흐름 그리고 투자기간</a:t>
-            </a:r>
-            <a:r>
-              <a:rPr lang="en-US" altLang="ko-KR" dirty="0"/>
-              <a:t>, </a:t>
-            </a:r>
-            <a:r>
-              <a:rPr lang="ko-KR" altLang="en-US" dirty="0"/>
-              <a:t>기대수익률로 구성되어 있다</a:t>
-            </a:r>
-            <a:r>
-              <a:rPr lang="en-US" altLang="ko-KR" dirty="0"/>
-              <a:t>.</a:t>
-            </a:r>
-          </a:p>
-          <a:p>
-            <a:r>
-              <a:rPr lang="ko-KR" altLang="en-US" dirty="0"/>
-              <a:t>이것만 아시면 </a:t>
-            </a:r>
-            <a:r>
-              <a:rPr lang="ko-KR" altLang="en-US" dirty="0" err="1"/>
-              <a:t>여러분만의</a:t>
-            </a:r>
-            <a:r>
-              <a:rPr lang="ko-KR" altLang="en-US" dirty="0"/>
-              <a:t> 전략을 새워볼 수 있습니다</a:t>
+            <a:r>
+              <a:rPr lang="ko-KR" altLang="en-US" dirty="0"/>
+              <a:t>이렇게 말씀드리는 겁니다</a:t>
             </a:r>
             <a:r>
               <a:rPr lang="en-US" altLang="ko-KR" dirty="0"/>
@@ -4602,7 +5222,7 @@
           <a:p>
             <a:fld id="{AF377DAE-6E9C-4F87-A8EC-C6E75F6BD3E4}" type="slidenum">
               <a:rPr lang="ko-KR" altLang="en-US" smtClean="0"/>
-              <a:t>7</a:t>
+              <a:t>6</a:t>
             </a:fld>
             <a:endParaRPr lang="ko-KR" altLang="en-US"/>
           </a:p>
@@ -4611,7 +5231,7 @@
     </p:spTree>
     <p:extLst>
       <p:ext uri="{BB962C8B-B14F-4D97-AF65-F5344CB8AC3E}">
-        <p14:creationId xmlns:p14="http://schemas.microsoft.com/office/powerpoint/2010/main" val="1288249962"/>
+        <p14:creationId xmlns:p14="http://schemas.microsoft.com/office/powerpoint/2010/main" val="3868329396"/>
       </p:ext>
     </p:extLst>
   </p:cSld>
@@ -4667,170 +5287,43 @@
           <a:p>
             <a:r>
               <a:rPr lang="ko-KR" altLang="en-US" dirty="0"/>
-              <a:t>목표자산 일단 </a:t>
-            </a:r>
-            <a:r>
-              <a:rPr lang="en-US" altLang="ko-KR" dirty="0"/>
-              <a:t>5</a:t>
-            </a:r>
-            <a:r>
-              <a:rPr lang="ko-KR" altLang="en-US" dirty="0"/>
-              <a:t>억이죠</a:t>
+              <a:t>자 그럼 목표 금액은 새웠는데</a:t>
+            </a:r>
+          </a:p>
+          <a:p>
+            <a:r>
+              <a:rPr lang="ko-KR" altLang="en-US" dirty="0"/>
+              <a:t>이제 어떻게 그 목표 금액에 </a:t>
+            </a:r>
+            <a:r>
+              <a:rPr lang="ko-KR" altLang="en-US" dirty="0" err="1"/>
+              <a:t>도달할꺼냐</a:t>
+            </a:r>
+            <a:endParaRPr lang="ko-KR" altLang="en-US" dirty="0"/>
+          </a:p>
+          <a:p>
+            <a:r>
+              <a:rPr lang="ko-KR" altLang="en-US" dirty="0"/>
+              <a:t>그게 필요하죠</a:t>
+            </a:r>
+            <a:r>
+              <a:rPr lang="en-US" altLang="ko-KR" dirty="0"/>
+              <a:t>?</a:t>
+            </a:r>
+          </a:p>
+          <a:p>
+            <a:endParaRPr lang="en-US" altLang="ko-KR" dirty="0"/>
+          </a:p>
+          <a:p>
+            <a:r>
+              <a:rPr lang="ko-KR" altLang="en-US" dirty="0"/>
+              <a:t>그래서 제가 투자 전략 수립에 활용하는 방식을 공유해보려고 합니다</a:t>
             </a:r>
             <a:r>
               <a:rPr lang="en-US" altLang="ko-KR" dirty="0"/>
               <a:t>.</a:t>
             </a:r>
-          </a:p>
-          <a:p>
-            <a:r>
-              <a:rPr lang="ko-KR" altLang="en-US" dirty="0"/>
-              <a:t>초기 자산은 기존에 모아둔 돈이거나</a:t>
-            </a:r>
-            <a:r>
-              <a:rPr lang="en-US" altLang="ko-KR" dirty="0"/>
-              <a:t>, </a:t>
-            </a:r>
-            <a:r>
-              <a:rPr lang="ko-KR" altLang="en-US" dirty="0"/>
-              <a:t>증여</a:t>
-            </a:r>
-            <a:r>
-              <a:rPr lang="en-US" altLang="ko-KR" dirty="0"/>
-              <a:t>, </a:t>
-            </a:r>
-            <a:r>
-              <a:rPr lang="ko-KR" altLang="en-US" dirty="0"/>
-              <a:t>상속받은 돈 같은 거라고 생각하시면 됩니다</a:t>
-            </a:r>
-            <a:r>
-              <a:rPr lang="en-US" altLang="ko-KR" dirty="0"/>
-              <a:t>.</a:t>
-            </a:r>
-          </a:p>
-          <a:p>
-            <a:r>
-              <a:rPr lang="ko-KR" altLang="en-US" dirty="0" err="1"/>
-              <a:t>시드머니죠</a:t>
-            </a:r>
-            <a:r>
-              <a:rPr lang="en-US" altLang="ko-KR" dirty="0"/>
-              <a:t>.</a:t>
-            </a:r>
-          </a:p>
-          <a:p>
-            <a:r>
-              <a:rPr lang="ko-KR" altLang="en-US" dirty="0"/>
-              <a:t>현금흐름은 월급이나 사업 소득 </a:t>
-            </a:r>
-            <a:r>
-              <a:rPr lang="ko-KR" altLang="en-US" dirty="0" err="1"/>
-              <a:t>같은건데</a:t>
-            </a:r>
-            <a:r>
-              <a:rPr lang="ko-KR" altLang="en-US" dirty="0"/>
-              <a:t> 여기에 생활비를 </a:t>
-            </a:r>
-            <a:r>
-              <a:rPr lang="ko-KR" altLang="en-US" dirty="0" err="1"/>
-              <a:t>뺏</a:t>
-            </a:r>
-            <a:r>
-              <a:rPr lang="ko-KR" altLang="en-US" dirty="0"/>
-              <a:t> 투자가능 금액 이라고 생각하시면 됩니다</a:t>
-            </a:r>
-            <a:r>
-              <a:rPr lang="en-US" altLang="ko-KR" dirty="0"/>
-              <a:t>.</a:t>
-            </a:r>
-          </a:p>
-          <a:p>
-            <a:r>
-              <a:rPr lang="ko-KR" altLang="en-US" dirty="0"/>
-              <a:t>매월 투자할 수 있는 금액이죠</a:t>
-            </a:r>
-            <a:r>
-              <a:rPr lang="en-US" altLang="ko-KR" dirty="0"/>
-              <a:t>.</a:t>
-            </a:r>
-          </a:p>
-          <a:p>
-            <a:r>
-              <a:rPr lang="ko-KR" altLang="en-US" dirty="0"/>
-              <a:t>투자 기간은 사회 초년생들이 가진 최고의 무기인데요</a:t>
-            </a:r>
-            <a:r>
-              <a:rPr lang="en-US" altLang="ko-KR" dirty="0"/>
-              <a:t>. </a:t>
-            </a:r>
-            <a:r>
-              <a:rPr lang="ko-KR" altLang="en-US" dirty="0"/>
-              <a:t>바로 생애 흑자 기간이죠</a:t>
-            </a:r>
-            <a:r>
-              <a:rPr lang="en-US" altLang="ko-KR" dirty="0"/>
-              <a:t>.</a:t>
-            </a:r>
-          </a:p>
-          <a:p>
-            <a:r>
-              <a:rPr lang="ko-KR" altLang="en-US" dirty="0"/>
-              <a:t>위에 현금흐름을 얼마나 오랫동안 지속할 수 있느냐 하는 겁니다</a:t>
-            </a:r>
-            <a:r>
-              <a:rPr lang="en-US" altLang="ko-KR" dirty="0"/>
-              <a:t>.</a:t>
-            </a:r>
-          </a:p>
-          <a:p>
-            <a:r>
-              <a:rPr lang="ko-KR" altLang="en-US" dirty="0"/>
-              <a:t>그럼 기대수익률은 뭐냐</a:t>
-            </a:r>
-            <a:r>
-              <a:rPr lang="en-US" altLang="ko-KR" dirty="0"/>
-              <a:t>? </a:t>
-            </a:r>
-            <a:r>
-              <a:rPr lang="ko-KR" altLang="en-US" dirty="0"/>
-              <a:t>이게 전략과 직결된 부분인데 앞에 </a:t>
-            </a:r>
-            <a:r>
-              <a:rPr lang="en-US" altLang="ko-KR" dirty="0"/>
-              <a:t>SCT</a:t>
-            </a:r>
-            <a:r>
-              <a:rPr lang="ko-KR" altLang="en-US" dirty="0"/>
-              <a:t>를 알면</a:t>
-            </a:r>
-          </a:p>
-          <a:p>
-            <a:r>
-              <a:rPr lang="en-US" altLang="ko-KR" dirty="0"/>
-              <a:t>R</a:t>
-            </a:r>
-            <a:r>
-              <a:rPr lang="ko-KR" altLang="en-US" dirty="0"/>
-              <a:t>을 구할 수 있습니다</a:t>
-            </a:r>
-            <a:r>
-              <a:rPr lang="en-US" altLang="ko-KR" dirty="0"/>
-              <a:t>.</a:t>
-            </a:r>
-          </a:p>
-          <a:p>
-            <a:r>
-              <a:rPr lang="en-US" altLang="ko-KR" dirty="0"/>
-              <a:t>R</a:t>
-            </a:r>
-            <a:r>
-              <a:rPr lang="ko-KR" altLang="en-US" dirty="0"/>
-              <a:t>은 이야기가 좀 기니까 조금 있다가 알아보도록 하고요</a:t>
-            </a:r>
-            <a:r>
-              <a:rPr lang="en-US" altLang="ko-KR" dirty="0"/>
-              <a:t>.</a:t>
-            </a:r>
+            <a:endParaRPr lang="ko-KR" altLang="en-US" dirty="0"/>
           </a:p>
         </p:txBody>
       </p:sp>
@@ -4851,7 +5344,7 @@
           <a:p>
             <a:fld id="{AF377DAE-6E9C-4F87-A8EC-C6E75F6BD3E4}" type="slidenum">
               <a:rPr lang="ko-KR" altLang="en-US" smtClean="0"/>
-              <a:t>8</a:t>
+              <a:t>7</a:t>
             </a:fld>
             <a:endParaRPr lang="ko-KR" altLang="en-US"/>
           </a:p>
@@ -4860,7 +5353,7 @@
     </p:spTree>
     <p:extLst>
       <p:ext uri="{BB962C8B-B14F-4D97-AF65-F5344CB8AC3E}">
-        <p14:creationId xmlns:p14="http://schemas.microsoft.com/office/powerpoint/2010/main" val="3056759680"/>
+        <p14:creationId xmlns:p14="http://schemas.microsoft.com/office/powerpoint/2010/main" val="267696656"/>
       </p:ext>
     </p:extLst>
   </p:cSld>
@@ -4915,8 +5408,78 @@
           <a:lstStyle/>
           <a:p>
             <a:r>
-              <a:rPr lang="ko-KR" altLang="en-US" dirty="0"/>
-              <a:t>먼저</a:t>
+              <a:rPr lang="en-US" altLang="ko-KR" dirty="0"/>
+              <a:t>K</a:t>
+            </a:r>
+            <a:r>
+              <a:rPr lang="ko-KR" altLang="en-US" dirty="0"/>
+              <a:t>는 </a:t>
+            </a:r>
+            <a:r>
+              <a:rPr lang="en-US" altLang="ko-KR" dirty="0"/>
+              <a:t>S </a:t>
+            </a:r>
+            <a:r>
+              <a:rPr lang="ko-KR" altLang="en-US" dirty="0"/>
+              <a:t>어쩌고 저쩌고 수식이 나오죠</a:t>
+            </a:r>
+            <a:r>
+              <a:rPr lang="en-US" altLang="ko-KR" dirty="0"/>
+              <a:t>.</a:t>
+            </a:r>
+          </a:p>
+          <a:p>
+            <a:r>
+              <a:rPr lang="ko-KR" altLang="en-US" dirty="0"/>
+              <a:t>수식이 나온다고 절대 겁내실 필요는 없습니다</a:t>
+            </a:r>
+            <a:r>
+              <a:rPr lang="en-US" altLang="ko-KR" dirty="0"/>
+              <a:t>.</a:t>
+            </a:r>
+          </a:p>
+          <a:p>
+            <a:r>
+              <a:rPr lang="ko-KR" altLang="en-US" dirty="0"/>
+              <a:t>이 수식을 풀 필요는 전혀 없고요</a:t>
+            </a:r>
+            <a:r>
+              <a:rPr lang="en-US" altLang="ko-KR" dirty="0"/>
+              <a:t>.</a:t>
+            </a:r>
+          </a:p>
+          <a:p>
+            <a:endParaRPr lang="en-US" altLang="ko-KR" dirty="0"/>
+          </a:p>
+          <a:p>
+            <a:r>
+              <a:rPr lang="ko-KR" altLang="en-US" dirty="0"/>
+              <a:t>그냥 저희는 여기 </a:t>
+            </a:r>
+            <a:r>
+              <a:rPr lang="ko-KR" altLang="en-US" dirty="0" err="1"/>
+              <a:t>아래있는</a:t>
+            </a:r>
+            <a:r>
+              <a:rPr lang="ko-KR" altLang="en-US" dirty="0"/>
+              <a:t> 개념들만 </a:t>
+            </a:r>
+            <a:r>
+              <a:rPr lang="ko-KR" altLang="en-US" dirty="0" err="1"/>
+              <a:t>알면돼요</a:t>
+            </a:r>
+            <a:r>
+              <a:rPr lang="en-US" altLang="ko-KR" dirty="0"/>
+              <a:t>.</a:t>
+            </a:r>
+          </a:p>
+          <a:p>
+            <a:endParaRPr lang="en-US" altLang="ko-KR" dirty="0"/>
+          </a:p>
+          <a:p>
+            <a:r>
+              <a:rPr lang="ko-KR" altLang="en-US" dirty="0"/>
+              <a:t>목표 자산은 초기자산과 현금흐름 그리고 투자기간</a:t>
             </a:r>
             <a:r>
               <a:rPr lang="en-US" altLang="ko-KR" dirty="0"/>
@@ -4924,7 +5487,7 @@
             </a:r>
             <a:r>
               <a:rPr lang="ko-KR" altLang="en-US" dirty="0"/>
-              <a:t>투자기간을 좀 보죠</a:t>
+              <a:t>기대수익률로 구성되어 있다</a:t>
             </a:r>
             <a:r>
               <a:rPr lang="en-US" altLang="ko-KR" dirty="0"/>
@@ -4934,153 +5497,20 @@
           <a:p>
             <a:r>
               <a:rPr lang="ko-KR" altLang="en-US" dirty="0"/>
-              <a:t>초기자산이 없고</a:t>
-            </a:r>
-            <a:r>
-              <a:rPr lang="en-US" altLang="ko-KR" dirty="0"/>
-              <a:t>, </a:t>
-            </a:r>
-            <a:r>
-              <a:rPr lang="ko-KR" altLang="en-US" dirty="0"/>
-              <a:t>매월 </a:t>
-            </a:r>
-            <a:r>
-              <a:rPr lang="en-US" altLang="ko-KR" dirty="0"/>
-              <a:t>100</a:t>
-            </a:r>
-            <a:r>
-              <a:rPr lang="ko-KR" altLang="en-US" dirty="0"/>
-              <a:t>만원씩 투자한다고 하고요</a:t>
+              <a:t>이것만 아시면 </a:t>
+            </a:r>
+            <a:r>
+              <a:rPr lang="ko-KR" altLang="en-US" dirty="0" err="1"/>
+              <a:t>여러분만의</a:t>
+            </a:r>
+            <a:r>
+              <a:rPr lang="ko-KR" altLang="en-US" dirty="0"/>
+              <a:t> 전략을 새워볼 수 있습니다</a:t>
             </a:r>
             <a:r>
               <a:rPr lang="en-US" altLang="ko-KR" dirty="0"/>
               <a:t>.</a:t>
             </a:r>
-          </a:p>
-          <a:p>
-            <a:r>
-              <a:rPr lang="ko-KR" altLang="en-US" dirty="0"/>
-              <a:t>매년 </a:t>
-            </a:r>
-            <a:r>
-              <a:rPr lang="en-US" altLang="ko-KR" dirty="0"/>
-              <a:t>10%</a:t>
-            </a:r>
-            <a:r>
-              <a:rPr lang="ko-KR" altLang="en-US" dirty="0"/>
-              <a:t>씩 수익을 낸다고 하면</a:t>
-            </a:r>
-          </a:p>
-          <a:p>
-            <a:r>
-              <a:rPr lang="en-US" altLang="ko-KR" dirty="0"/>
-              <a:t>5</a:t>
-            </a:r>
-            <a:r>
-              <a:rPr lang="ko-KR" altLang="en-US" dirty="0"/>
-              <a:t>년 투자했을 때는 </a:t>
-            </a:r>
-            <a:r>
-              <a:rPr lang="en-US" altLang="ko-KR" dirty="0"/>
-              <a:t>7</a:t>
-            </a:r>
-            <a:r>
-              <a:rPr lang="ko-KR" altLang="en-US" dirty="0"/>
-              <a:t>천</a:t>
-            </a:r>
-            <a:r>
-              <a:rPr lang="en-US" altLang="ko-KR" dirty="0"/>
-              <a:t>3</a:t>
-            </a:r>
-            <a:r>
-              <a:rPr lang="ko-KR" altLang="en-US" dirty="0"/>
-              <a:t>백</a:t>
-            </a:r>
-          </a:p>
-          <a:p>
-            <a:r>
-              <a:rPr lang="en-US" altLang="ko-KR" dirty="0"/>
-              <a:t>10</a:t>
-            </a:r>
-            <a:r>
-              <a:rPr lang="ko-KR" altLang="en-US" dirty="0"/>
-              <a:t>년 투자했을 때는 </a:t>
-            </a:r>
-            <a:r>
-              <a:rPr lang="en-US" altLang="ko-KR" dirty="0"/>
-              <a:t>1</a:t>
-            </a:r>
-            <a:r>
-              <a:rPr lang="ko-KR" altLang="en-US" dirty="0"/>
-              <a:t>억</a:t>
-            </a:r>
-            <a:r>
-              <a:rPr lang="en-US" altLang="ko-KR" dirty="0"/>
-              <a:t>9</a:t>
-            </a:r>
-            <a:r>
-              <a:rPr lang="ko-KR" altLang="en-US" dirty="0"/>
-              <a:t>천</a:t>
-            </a:r>
-          </a:p>
-          <a:p>
-            <a:r>
-              <a:rPr lang="en-US" altLang="ko-KR" dirty="0"/>
-              <a:t>30</a:t>
-            </a:r>
-            <a:r>
-              <a:rPr lang="ko-KR" altLang="en-US" dirty="0"/>
-              <a:t>년 투자하면 </a:t>
-            </a:r>
-            <a:r>
-              <a:rPr lang="en-US" altLang="ko-KR" dirty="0"/>
-              <a:t>19</a:t>
-            </a:r>
-            <a:r>
-              <a:rPr lang="ko-KR" altLang="en-US" dirty="0"/>
-              <a:t>억</a:t>
-            </a:r>
-            <a:r>
-              <a:rPr lang="en-US" altLang="ko-KR" dirty="0"/>
-              <a:t>7</a:t>
-            </a:r>
-            <a:r>
-              <a:rPr lang="ko-KR" altLang="en-US" dirty="0"/>
-              <a:t>천을 만들 수 있고요</a:t>
-            </a:r>
-            <a:r>
-              <a:rPr lang="en-US" altLang="ko-KR" dirty="0"/>
-              <a:t>.</a:t>
-            </a:r>
-          </a:p>
-          <a:p>
-            <a:endParaRPr lang="en-US" altLang="ko-KR" dirty="0"/>
-          </a:p>
-          <a:p>
-            <a:r>
-              <a:rPr lang="ko-KR" altLang="en-US" dirty="0"/>
-              <a:t>여러분이 잘 아시는 </a:t>
-            </a:r>
-            <a:r>
-              <a:rPr lang="ko-KR" altLang="en-US" dirty="0" err="1"/>
-              <a:t>복리효과죠</a:t>
-            </a:r>
-            <a:r>
-              <a:rPr lang="en-US" altLang="ko-KR" dirty="0"/>
-              <a:t>.</a:t>
-            </a:r>
-          </a:p>
-          <a:p>
-            <a:r>
-              <a:rPr lang="ko-KR" altLang="en-US" dirty="0"/>
-              <a:t>투자기간이 깡패입니다</a:t>
-            </a:r>
-            <a:r>
-              <a:rPr lang="en-US" altLang="ko-KR" dirty="0"/>
-              <a:t>.</a:t>
-            </a:r>
-          </a:p>
-          <a:p>
             <a:endParaRPr lang="ko-KR" altLang="en-US" dirty="0"/>
           </a:p>
         </p:txBody>
@@ -5102,7 +5532,7 @@
           <a:p>
             <a:fld id="{AF377DAE-6E9C-4F87-A8EC-C6E75F6BD3E4}" type="slidenum">
               <a:rPr lang="ko-KR" altLang="en-US" smtClean="0"/>
-              <a:t>9</a:t>
+              <a:t>8</a:t>
             </a:fld>
             <a:endParaRPr lang="ko-KR" altLang="en-US"/>
           </a:p>
@@ -5111,7 +5541,7 @@
     </p:spTree>
     <p:extLst>
       <p:ext uri="{BB962C8B-B14F-4D97-AF65-F5344CB8AC3E}">
-        <p14:creationId xmlns:p14="http://schemas.microsoft.com/office/powerpoint/2010/main" val="1288199087"/>
+        <p14:creationId xmlns:p14="http://schemas.microsoft.com/office/powerpoint/2010/main" val="1288249962"/>
       </p:ext>
     </p:extLst>
   </p:cSld>
@@ -5167,57 +5597,15 @@
           <a:p>
             <a:r>
               <a:rPr lang="ko-KR" altLang="en-US" dirty="0"/>
-              <a:t>시간 못지않게 초기자산도 중요한데</a:t>
-            </a:r>
-          </a:p>
-          <a:p>
-            <a:r>
-              <a:rPr lang="ko-KR" altLang="en-US" dirty="0"/>
-              <a:t>초기 자산이 천만원 있었다면 매월 </a:t>
-            </a:r>
-            <a:r>
-              <a:rPr lang="en-US" altLang="ko-KR" dirty="0"/>
-              <a:t>100</a:t>
-            </a:r>
-            <a:r>
-              <a:rPr lang="ko-KR" altLang="en-US" dirty="0"/>
-              <a:t>만원씩 적립식으로 투자했을 때</a:t>
-            </a:r>
-          </a:p>
-          <a:p>
+              <a:t>목표자산 일단 </a:t>
+            </a:r>
             <a:r>
               <a:rPr lang="en-US" altLang="ko-KR" dirty="0"/>
               <a:t>5</a:t>
             </a:r>
             <a:r>
               <a:rPr lang="ko-KR" altLang="en-US" dirty="0"/>
-              <a:t>억을 달성하는데 </a:t>
-            </a:r>
-            <a:r>
-              <a:rPr lang="en-US" altLang="ko-KR" dirty="0"/>
-              <a:t>16</a:t>
-            </a:r>
-            <a:r>
-              <a:rPr lang="ko-KR" altLang="en-US" dirty="0"/>
-              <a:t>년이 걸리고</a:t>
-            </a:r>
-          </a:p>
-          <a:p>
-            <a:r>
-              <a:rPr lang="en-US" altLang="ko-KR" dirty="0"/>
-              <a:t>1</a:t>
-            </a:r>
-            <a:r>
-              <a:rPr lang="ko-KR" altLang="en-US" dirty="0"/>
-              <a:t>억이 있었다면 </a:t>
-            </a:r>
-            <a:r>
-              <a:rPr lang="en-US" altLang="ko-KR" dirty="0"/>
-              <a:t>11</a:t>
-            </a:r>
-            <a:r>
-              <a:rPr lang="ko-KR" altLang="en-US" dirty="0"/>
-              <a:t>년이 걸립니다</a:t>
+              <a:t>억이죠</a:t>
             </a:r>
             <a:r>
               <a:rPr lang="en-US" altLang="ko-KR" dirty="0"/>
@@ -5225,59 +5613,154 @@
             </a:r>
           </a:p>
           <a:p>
-            <a:endParaRPr lang="en-US" altLang="ko-KR" dirty="0"/>
-          </a:p>
-          <a:p>
-            <a:r>
-              <a:rPr lang="ko-KR" altLang="en-US" dirty="0"/>
-              <a:t>더 많았다면 더 크게 단축할 수 </a:t>
-            </a:r>
+            <a:r>
+              <a:rPr lang="ko-KR" altLang="en-US" dirty="0"/>
+              <a:t>초기 자산은 기존에 모아둔 돈이거나</a:t>
+            </a:r>
+            <a:r>
+              <a:rPr lang="en-US" altLang="ko-KR" dirty="0"/>
+              <a:t>, </a:t>
+            </a:r>
+            <a:r>
+              <a:rPr lang="ko-KR" altLang="en-US" dirty="0"/>
+              <a:t>증여</a:t>
+            </a:r>
+            <a:r>
+              <a:rPr lang="en-US" altLang="ko-KR" dirty="0"/>
+              <a:t>, </a:t>
+            </a:r>
+            <a:r>
+              <a:rPr lang="ko-KR" altLang="en-US" dirty="0"/>
+              <a:t>상속받은 돈 같은 거라고 생각하시면 됩니다</a:t>
+            </a:r>
+            <a:r>
+              <a:rPr lang="en-US" altLang="ko-KR" dirty="0"/>
+              <a:t>.</a:t>
+            </a:r>
+          </a:p>
+          <a:p>
             <a:r>
               <a:rPr lang="ko-KR" altLang="en-US" dirty="0" err="1"/>
-              <a:t>있었겠지만</a:t>
-            </a:r>
-            <a:r>
-              <a:rPr lang="en-US" altLang="ko-KR" dirty="0"/>
-              <a:t>,</a:t>
-            </a:r>
-          </a:p>
-          <a:p>
-            <a:r>
-              <a:rPr lang="ko-KR" altLang="en-US" dirty="0"/>
-              <a:t>이번 강의는 사회 초년생을 위한 </a:t>
+              <a:t>시드머니죠</a:t>
+            </a:r>
+            <a:r>
+              <a:rPr lang="en-US" altLang="ko-KR" dirty="0"/>
+              <a:t>.</a:t>
+            </a:r>
+          </a:p>
+          <a:p>
+            <a:r>
+              <a:rPr lang="ko-KR" altLang="en-US" dirty="0"/>
+              <a:t>현금흐름은 월급이나 사업 소득 </a:t>
             </a:r>
             <a:r>
               <a:rPr lang="ko-KR" altLang="en-US" dirty="0" err="1"/>
-              <a:t>강의니까</a:t>
-            </a:r>
-            <a:endParaRPr lang="ko-KR" altLang="en-US" dirty="0"/>
-          </a:p>
-          <a:p>
-            <a:r>
-              <a:rPr lang="ko-KR" altLang="en-US" dirty="0"/>
-              <a:t>초기자산은 </a:t>
-            </a:r>
-            <a:r>
-              <a:rPr lang="en-US" altLang="ko-KR" dirty="0"/>
-              <a:t>1</a:t>
-            </a:r>
-            <a:r>
-              <a:rPr lang="ko-KR" altLang="en-US" dirty="0"/>
-              <a:t>억 </a:t>
+              <a:t>같은건데</a:t>
+            </a:r>
+            <a:r>
+              <a:rPr lang="ko-KR" altLang="en-US" dirty="0"/>
+              <a:t> 여기에 생활비를 </a:t>
             </a:r>
             <a:r>
               <a:rPr lang="ko-KR" altLang="en-US" dirty="0" err="1"/>
-              <a:t>정도까지만</a:t>
-            </a:r>
-            <a:r>
-              <a:rPr lang="ko-KR" altLang="en-US" dirty="0"/>
-              <a:t> 살펴보겠습니다</a:t>
+              <a:t>뺏</a:t>
+            </a:r>
+            <a:r>
+              <a:rPr lang="ko-KR" altLang="en-US" dirty="0"/>
+              <a:t> 투자가능 금액 이라고 생각하시면 됩니다</a:t>
             </a:r>
             <a:r>
               <a:rPr lang="en-US" altLang="ko-KR" dirty="0"/>
               <a:t>.</a:t>
             </a:r>
-            <a:endParaRPr lang="ko-KR" altLang="en-US" dirty="0"/>
+          </a:p>
+          <a:p>
+            <a:r>
+              <a:rPr lang="ko-KR" altLang="en-US" dirty="0"/>
+              <a:t>매월 투자할 수 있는 금액이죠</a:t>
+            </a:r>
+            <a:r>
+              <a:rPr lang="en-US" altLang="ko-KR" dirty="0"/>
+              <a:t>.</a:t>
+            </a:r>
+          </a:p>
+          <a:p>
+            <a:r>
+              <a:rPr lang="ko-KR" altLang="en-US" dirty="0"/>
+              <a:t>투자 기간은 사회 초년생들이 가진 최고의 무기인데요</a:t>
+            </a:r>
+            <a:r>
+              <a:rPr lang="en-US" altLang="ko-KR" dirty="0"/>
+              <a:t>. </a:t>
+            </a:r>
+            <a:r>
+              <a:rPr lang="ko-KR" altLang="en-US" dirty="0"/>
+              <a:t>바로 생애 흑자 기간이죠</a:t>
+            </a:r>
+            <a:r>
+              <a:rPr lang="en-US" altLang="ko-KR" dirty="0"/>
+              <a:t>.</a:t>
+            </a:r>
+          </a:p>
+          <a:p>
+            <a:r>
+              <a:rPr lang="ko-KR" altLang="en-US" dirty="0"/>
+              <a:t>위에 현금흐름을 얼마나 오랫동안 지속할 수 있느냐 하는 겁니다</a:t>
+            </a:r>
+            <a:r>
+              <a:rPr lang="en-US" altLang="ko-KR" dirty="0"/>
+              <a:t>.</a:t>
+            </a:r>
+          </a:p>
+          <a:p>
+            <a:r>
+              <a:rPr lang="ko-KR" altLang="en-US" dirty="0"/>
+              <a:t>그럼 기대수익률은 뭐냐</a:t>
+            </a:r>
+            <a:r>
+              <a:rPr lang="en-US" altLang="ko-KR" dirty="0"/>
+              <a:t>? </a:t>
+            </a:r>
+            <a:r>
+              <a:rPr lang="ko-KR" altLang="en-US" dirty="0"/>
+              <a:t>이게 전략과 직결된 부분인데 앞에 </a:t>
+            </a:r>
+            <a:r>
+              <a:rPr lang="en-US" altLang="ko-KR" dirty="0"/>
+              <a:t>SCT</a:t>
+            </a:r>
+            <a:r>
+              <a:rPr lang="ko-KR" altLang="en-US" dirty="0"/>
+              <a:t>를 알면</a:t>
+            </a:r>
+          </a:p>
+          <a:p>
+            <a:r>
+              <a:rPr lang="en-US" altLang="ko-KR" dirty="0"/>
+              <a:t>R</a:t>
+            </a:r>
+            <a:r>
+              <a:rPr lang="ko-KR" altLang="en-US" dirty="0"/>
+              <a:t>을 구할 수 있습니다</a:t>
+            </a:r>
+            <a:r>
+              <a:rPr lang="en-US" altLang="ko-KR" dirty="0"/>
+              <a:t>.</a:t>
+            </a:r>
+          </a:p>
+          <a:p>
+            <a:r>
+              <a:rPr lang="en-US" altLang="ko-KR" dirty="0"/>
+              <a:t>R</a:t>
+            </a:r>
+            <a:r>
+              <a:rPr lang="ko-KR" altLang="en-US" dirty="0"/>
+              <a:t>은 이야기가 좀 기니까 조금 있다가 알아보도록 하고요</a:t>
+            </a:r>
+            <a:r>
+              <a:rPr lang="en-US" altLang="ko-KR" dirty="0"/>
+              <a:t>.</a:t>
+            </a:r>
           </a:p>
         </p:txBody>
       </p:sp>
@@ -5298,7 +5781,7 @@
           <a:p>
             <a:fld id="{AF377DAE-6E9C-4F87-A8EC-C6E75F6BD3E4}" type="slidenum">
               <a:rPr lang="ko-KR" altLang="en-US" smtClean="0"/>
-              <a:t>10</a:t>
+              <a:t>9</a:t>
             </a:fld>
             <a:endParaRPr lang="ko-KR" altLang="en-US"/>
           </a:p>
@@ -5307,7 +5790,7 @@
     </p:spTree>
     <p:extLst>
       <p:ext uri="{BB962C8B-B14F-4D97-AF65-F5344CB8AC3E}">
-        <p14:creationId xmlns:p14="http://schemas.microsoft.com/office/powerpoint/2010/main" val="922536909"/>
+        <p14:creationId xmlns:p14="http://schemas.microsoft.com/office/powerpoint/2010/main" val="3056759680"/>
       </p:ext>
     </p:extLst>
   </p:cSld>
@@ -5645,7 +6128,7 @@
           <a:p>
             <a:fld id="{EC246471-4917-4B9D-B667-BA417AE38048}" type="datetimeFigureOut">
               <a:rPr lang="ko-KR" altLang="en-US" smtClean="0"/>
-              <a:t>2025-02-21</a:t>
+              <a:t>2025-02-22</a:t>
             </a:fld>
             <a:endParaRPr lang="ko-KR" altLang="en-US"/>
           </a:p>
@@ -5883,7 +6366,7 @@
           <a:p>
             <a:fld id="{EC246471-4917-4B9D-B667-BA417AE38048}" type="datetimeFigureOut">
               <a:rPr lang="ko-KR" altLang="en-US" smtClean="0"/>
-              <a:t>2025-02-21</a:t>
+              <a:t>2025-02-22</a:t>
             </a:fld>
             <a:endParaRPr lang="ko-KR" altLang="en-US"/>
           </a:p>
@@ -6375,7 +6858,7 @@
           <a:p>
             <a:fld id="{EC246471-4917-4B9D-B667-BA417AE38048}" type="datetimeFigureOut">
               <a:rPr lang="ko-KR" altLang="en-US" smtClean="0"/>
-              <a:t>2025-02-21</a:t>
+              <a:t>2025-02-22</a:t>
             </a:fld>
             <a:endParaRPr lang="ko-KR" altLang="en-US"/>
           </a:p>
@@ -6696,7 +7179,7 @@
           <a:p>
             <a:fld id="{EC246471-4917-4B9D-B667-BA417AE38048}" type="datetimeFigureOut">
               <a:rPr lang="ko-KR" altLang="en-US" smtClean="0"/>
-              <a:t>2025-02-21</a:t>
+              <a:t>2025-02-22</a:t>
             </a:fld>
             <a:endParaRPr lang="ko-KR" altLang="en-US"/>
           </a:p>
@@ -6999,7 +7482,7 @@
           <a:p>
             <a:fld id="{EC246471-4917-4B9D-B667-BA417AE38048}" type="datetimeFigureOut">
               <a:rPr lang="ko-KR" altLang="en-US" smtClean="0"/>
-              <a:t>2025-02-21</a:t>
+              <a:t>2025-02-22</a:t>
             </a:fld>
             <a:endParaRPr lang="ko-KR" altLang="en-US"/>
           </a:p>
@@ -7450,7 +7933,7 @@
           <a:p>
             <a:fld id="{EC246471-4917-4B9D-B667-BA417AE38048}" type="datetimeFigureOut">
               <a:rPr lang="ko-KR" altLang="en-US" smtClean="0"/>
-              <a:t>2025-02-21</a:t>
+              <a:t>2025-02-22</a:t>
             </a:fld>
             <a:endParaRPr lang="ko-KR" altLang="en-US"/>
           </a:p>
@@ -7794,7 +8277,7 @@
           <a:p>
             <a:fld id="{EC246471-4917-4B9D-B667-BA417AE38048}" type="datetimeFigureOut">
               <a:rPr lang="ko-KR" altLang="en-US" smtClean="0"/>
-              <a:t>2025-02-21</a:t>
+              <a:t>2025-02-22</a:t>
             </a:fld>
             <a:endParaRPr lang="ko-KR" altLang="en-US"/>
           </a:p>
@@ -8115,7 +8598,7 @@
           <a:p>
             <a:fld id="{EC246471-4917-4B9D-B667-BA417AE38048}" type="datetimeFigureOut">
               <a:rPr lang="ko-KR" altLang="en-US" smtClean="0"/>
-              <a:t>2025-02-21</a:t>
+              <a:t>2025-02-22</a:t>
             </a:fld>
             <a:endParaRPr lang="ko-KR" altLang="en-US"/>
           </a:p>
@@ -8674,8 +9157,8 @@
         </p:nvSpPr>
         <p:spPr>
           <a:xfrm>
-            <a:off x="2726325" y="2921168"/>
-            <a:ext cx="6739345" cy="1200329"/>
+            <a:off x="2190925" y="1628506"/>
+            <a:ext cx="7810150" cy="1200329"/>
           </a:xfrm>
           <a:prstGeom prst="rect">
             <a:avLst/>
@@ -8683,12 +9166,11 @@
           <a:noFill/>
         </p:spPr>
         <p:txBody>
-          <a:bodyPr wrap="none" rtlCol="0">
+          <a:bodyPr wrap="square" rtlCol="0">
             <a:spAutoFit/>
           </a:bodyPr>
           <a:lstStyle/>
           <a:p>
-            <a:pPr algn="ctr"/>
             <a:r>
               <a:rPr lang="en-US" altLang="ko-KR" sz="7200" dirty="0">
                 <a:latin typeface="G마켓 산스 TTF Bold" panose="02000000000000000000" pitchFamily="2" charset="-127"/>
@@ -8708,10 +9190,10 @@
       </p:sp>
       <p:sp>
         <p:nvSpPr>
-          <p:cNvPr id="5" name="TextBox 4">
+          <p:cNvPr id="2" name="TextBox 1">
             <a:extLst>
               <a:ext uri="{FF2B5EF4-FFF2-40B4-BE49-F238E27FC236}">
-                <a16:creationId xmlns:a16="http://schemas.microsoft.com/office/drawing/2014/main" id="{53D3EA03-6BAE-424C-785E-25DE5E8B4AAB}"/>
+                <a16:creationId xmlns:a16="http://schemas.microsoft.com/office/drawing/2014/main" id="{C38C177C-E0EB-8998-846A-0AA367649851}"/>
               </a:ext>
             </a:extLst>
           </p:cNvPr>
@@ -8720,8 +9202,8 @@
         </p:nvSpPr>
         <p:spPr>
           <a:xfrm>
-            <a:off x="4208321" y="4121497"/>
-            <a:ext cx="3775393" cy="461665"/>
+            <a:off x="2190925" y="2828835"/>
+            <a:ext cx="7810150" cy="1200329"/>
           </a:xfrm>
           <a:prstGeom prst="rect">
             <a:avLst/>
@@ -8729,77 +9211,70 @@
           <a:noFill/>
         </p:spPr>
         <p:txBody>
+          <a:bodyPr wrap="square" rtlCol="0">
+            <a:spAutoFit/>
+          </a:bodyPr>
+          <a:lstStyle/>
+          <a:p>
+            <a:r>
+              <a:rPr lang="en-US" altLang="ko-KR" sz="7200" dirty="0">
+                <a:latin typeface="G마켓 산스 TTF Bold" panose="02000000000000000000" pitchFamily="2" charset="-127"/>
+                <a:ea typeface="G마켓 산스 TTF Bold" panose="02000000000000000000" pitchFamily="2" charset="-127"/>
+              </a:rPr>
+              <a:t>2. </a:t>
+            </a:r>
+            <a:r>
+              <a:rPr lang="ko-KR" altLang="en-US" sz="7200" dirty="0">
+                <a:latin typeface="G마켓 산스 TTF Bold" panose="02000000000000000000" pitchFamily="2" charset="-127"/>
+                <a:ea typeface="G마켓 산스 TTF Bold" panose="02000000000000000000" pitchFamily="2" charset="-127"/>
+              </a:rPr>
+              <a:t>전략 수립하기</a:t>
+            </a:r>
+          </a:p>
+        </p:txBody>
+      </p:sp>
+      <p:sp>
+        <p:nvSpPr>
+          <p:cNvPr id="3" name="TextBox 2">
+            <a:extLst>
+              <a:ext uri="{FF2B5EF4-FFF2-40B4-BE49-F238E27FC236}">
+                <a16:creationId xmlns:a16="http://schemas.microsoft.com/office/drawing/2014/main" id="{626DDA18-AF22-127B-CEC2-0E7C0941EAE6}"/>
+              </a:ext>
+            </a:extLst>
+          </p:cNvPr>
+          <p:cNvSpPr txBox="1"/>
+          <p:nvPr/>
+        </p:nvSpPr>
+        <p:spPr>
+          <a:xfrm>
+            <a:off x="2190925" y="4029164"/>
+            <a:ext cx="7810150" cy="1200329"/>
+          </a:xfrm>
+          <a:prstGeom prst="rect">
+            <a:avLst/>
+          </a:prstGeom>
+          <a:noFill/>
+        </p:spPr>
+        <p:txBody>
           <a:bodyPr wrap="none" rtlCol="0">
             <a:spAutoFit/>
           </a:bodyPr>
           <a:lstStyle/>
           <a:p>
-            <a:pPr algn="ctr"/>
-            <a:r>
-              <a:rPr lang="ko-KR" altLang="en-US" sz="2400" dirty="0">
-                <a:latin typeface="G마켓 산스 TTF Light" panose="02000000000000000000" pitchFamily="2" charset="-127"/>
-                <a:ea typeface="G마켓 산스 TTF Light" panose="02000000000000000000" pitchFamily="2" charset="-127"/>
-              </a:rPr>
-              <a:t>월 </a:t>
-            </a:r>
-            <a:r>
-              <a:rPr lang="en-US" altLang="ko-KR" sz="2400" dirty="0">
-                <a:latin typeface="G마켓 산스 TTF Light" panose="02000000000000000000" pitchFamily="2" charset="-127"/>
-                <a:ea typeface="G마켓 산스 TTF Light" panose="02000000000000000000" pitchFamily="2" charset="-127"/>
-              </a:rPr>
-              <a:t>200, </a:t>
-            </a:r>
-            <a:r>
-              <a:rPr lang="ko-KR" altLang="en-US" sz="2400" dirty="0">
-                <a:latin typeface="G마켓 산스 TTF Light" panose="02000000000000000000" pitchFamily="2" charset="-127"/>
-                <a:ea typeface="G마켓 산스 TTF Light" panose="02000000000000000000" pitchFamily="2" charset="-127"/>
-              </a:rPr>
-              <a:t>내 집 마련</a:t>
-            </a:r>
-            <a:r>
-              <a:rPr lang="en-US" altLang="ko-KR" sz="2400" dirty="0">
-                <a:latin typeface="G마켓 산스 TTF Light" panose="02000000000000000000" pitchFamily="2" charset="-127"/>
-                <a:ea typeface="G마켓 산스 TTF Light" panose="02000000000000000000" pitchFamily="2" charset="-127"/>
-              </a:rPr>
-              <a:t> = </a:t>
-            </a:r>
-            <a:r>
-              <a:rPr lang="en-US" altLang="ko-KR" sz="2400" dirty="0">
-                <a:solidFill>
-                  <a:srgbClr val="F22D50"/>
-                </a:solidFill>
+            <a:r>
+              <a:rPr lang="en-US" altLang="ko-KR" sz="7200" dirty="0">
                 <a:latin typeface="G마켓 산스 TTF Bold" panose="02000000000000000000" pitchFamily="2" charset="-127"/>
                 <a:ea typeface="G마켓 산스 TTF Bold" panose="02000000000000000000" pitchFamily="2" charset="-127"/>
               </a:rPr>
-              <a:t>5</a:t>
-            </a:r>
-            <a:r>
-              <a:rPr lang="ko-KR" altLang="en-US" sz="2400" dirty="0">
-                <a:solidFill>
-                  <a:srgbClr val="F22D50"/>
-                </a:solidFill>
+              <a:t>3. </a:t>
+            </a:r>
+            <a:r>
+              <a:rPr lang="ko-KR" altLang="en-US" sz="7200" dirty="0">
                 <a:latin typeface="G마켓 산스 TTF Bold" panose="02000000000000000000" pitchFamily="2" charset="-127"/>
                 <a:ea typeface="G마켓 산스 TTF Bold" panose="02000000000000000000" pitchFamily="2" charset="-127"/>
               </a:rPr>
-              <a:t>억</a:t>
-            </a:r>
-            <a:r>
-              <a:rPr lang="en-US" altLang="ko-KR" sz="2400" dirty="0">
-                <a:solidFill>
-                  <a:srgbClr val="F22D50"/>
-                </a:solidFill>
-                <a:latin typeface="G마켓 산스 TTF Bold" panose="02000000000000000000" pitchFamily="2" charset="-127"/>
-                <a:ea typeface="G마켓 산스 TTF Bold" panose="02000000000000000000" pitchFamily="2" charset="-127"/>
-              </a:rPr>
-              <a:t>?</a:t>
-            </a:r>
-            <a:endParaRPr lang="ko-KR" altLang="en-US" sz="2400" dirty="0">
-              <a:solidFill>
-                <a:srgbClr val="F22D50"/>
-              </a:solidFill>
-              <a:latin typeface="G마켓 산스 TTF Bold" panose="02000000000000000000" pitchFamily="2" charset="-127"/>
-              <a:ea typeface="G마켓 산스 TTF Bold" panose="02000000000000000000" pitchFamily="2" charset="-127"/>
-            </a:endParaRPr>
+              <a:t>전략 시뮬레이션</a:t>
+            </a:r>
           </a:p>
         </p:txBody>
       </p:sp>
@@ -8817,6 +9292,350 @@
 </file>
 
 <file path=ppt/slides/slide10.xml><?xml version="1.0" encoding="utf-8"?>
+<p:sld xmlns:a="http://schemas.openxmlformats.org/drawingml/2006/main" xmlns:r="http://schemas.openxmlformats.org/officeDocument/2006/relationships" xmlns:p="http://schemas.openxmlformats.org/presentationml/2006/main">
+  <p:cSld>
+    <p:spTree>
+      <p:nvGrpSpPr>
+        <p:cNvPr id="1" name="">
+          <a:extLst>
+            <a:ext uri="{FF2B5EF4-FFF2-40B4-BE49-F238E27FC236}">
+              <a16:creationId xmlns:a16="http://schemas.microsoft.com/office/drawing/2014/main" id="{07B40525-8462-0C38-7ABC-6FDA4D3B80E5}"/>
+            </a:ext>
+          </a:extLst>
+        </p:cNvPr>
+        <p:cNvGrpSpPr/>
+        <p:nvPr/>
+      </p:nvGrpSpPr>
+      <p:grpSpPr>
+        <a:xfrm>
+          <a:off x="0" y="0"/>
+          <a:ext cx="0" cy="0"/>
+          <a:chOff x="0" y="0"/>
+          <a:chExt cx="0" cy="0"/>
+        </a:xfrm>
+      </p:grpSpPr>
+      <p:pic>
+        <p:nvPicPr>
+          <p:cNvPr id="6" name="그림 5">
+            <a:extLst>
+              <a:ext uri="{FF2B5EF4-FFF2-40B4-BE49-F238E27FC236}">
+                <a16:creationId xmlns:a16="http://schemas.microsoft.com/office/drawing/2014/main" id="{71F752B1-83E5-9E5C-48E8-CE8C8CF28B2B}"/>
+              </a:ext>
+            </a:extLst>
+          </p:cNvPr>
+          <p:cNvPicPr>
+            <a:picLocks noChangeAspect="1"/>
+          </p:cNvPicPr>
+          <p:nvPr/>
+        </p:nvPicPr>
+        <p:blipFill>
+          <a:blip r:embed="rId3"/>
+          <a:stretch>
+            <a:fillRect/>
+          </a:stretch>
+        </p:blipFill>
+        <p:spPr>
+          <a:xfrm>
+            <a:off x="8882768" y="1416719"/>
+            <a:ext cx="2223139" cy="4722142"/>
+          </a:xfrm>
+          <a:prstGeom prst="rect">
+            <a:avLst/>
+          </a:prstGeom>
+        </p:spPr>
+      </p:pic>
+      <p:pic>
+        <p:nvPicPr>
+          <p:cNvPr id="4" name="그림 3">
+            <a:extLst>
+              <a:ext uri="{FF2B5EF4-FFF2-40B4-BE49-F238E27FC236}">
+                <a16:creationId xmlns:a16="http://schemas.microsoft.com/office/drawing/2014/main" id="{89857244-62D7-C6CD-45E3-0A64F1CA1070}"/>
+              </a:ext>
+            </a:extLst>
+          </p:cNvPr>
+          <p:cNvPicPr>
+            <a:picLocks noChangeAspect="1"/>
+          </p:cNvPicPr>
+          <p:nvPr/>
+        </p:nvPicPr>
+        <p:blipFill>
+          <a:blip r:embed="rId4"/>
+          <a:stretch>
+            <a:fillRect/>
+          </a:stretch>
+        </p:blipFill>
+        <p:spPr>
+          <a:xfrm>
+            <a:off x="693338" y="1416719"/>
+            <a:ext cx="7074840" cy="4722142"/>
+          </a:xfrm>
+          <a:prstGeom prst="rect">
+            <a:avLst/>
+          </a:prstGeom>
+        </p:spPr>
+      </p:pic>
+      <p:sp>
+        <p:nvSpPr>
+          <p:cNvPr id="2" name="제목 1">
+            <a:extLst>
+              <a:ext uri="{FF2B5EF4-FFF2-40B4-BE49-F238E27FC236}">
+                <a16:creationId xmlns:a16="http://schemas.microsoft.com/office/drawing/2014/main" id="{93195954-09A7-BAA8-18E0-8D0BECBC2957}"/>
+              </a:ext>
+            </a:extLst>
+          </p:cNvPr>
+          <p:cNvSpPr>
+            <a:spLocks noGrp="1"/>
+          </p:cNvSpPr>
+          <p:nvPr>
+            <p:ph type="title"/>
+          </p:nvPr>
+        </p:nvSpPr>
+        <p:spPr/>
+        <p:txBody>
+          <a:bodyPr/>
+          <a:lstStyle/>
+          <a:p>
+            <a:r>
+              <a:rPr lang="ko-KR" altLang="en-US" dirty="0"/>
+              <a:t>투자기간 </a:t>
+            </a:r>
+            <a:r>
+              <a:rPr lang="en-US" altLang="ko-KR" dirty="0"/>
+              <a:t>X </a:t>
+            </a:r>
+            <a:r>
+              <a:rPr lang="ko-KR" altLang="en-US" dirty="0"/>
+              <a:t>달성금액</a:t>
+            </a:r>
+          </a:p>
+        </p:txBody>
+      </p:sp>
+      <p:sp>
+        <p:nvSpPr>
+          <p:cNvPr id="16" name="TextBox 15">
+            <a:extLst>
+              <a:ext uri="{FF2B5EF4-FFF2-40B4-BE49-F238E27FC236}">
+                <a16:creationId xmlns:a16="http://schemas.microsoft.com/office/drawing/2014/main" id="{3F816AB3-8794-5C39-1D54-B836B05F12B5}"/>
+              </a:ext>
+            </a:extLst>
+          </p:cNvPr>
+          <p:cNvSpPr txBox="1"/>
+          <p:nvPr/>
+        </p:nvSpPr>
+        <p:spPr>
+          <a:xfrm>
+            <a:off x="2024768" y="2895938"/>
+            <a:ext cx="1473480" cy="338554"/>
+          </a:xfrm>
+          <a:prstGeom prst="rect">
+            <a:avLst/>
+          </a:prstGeom>
+          <a:noFill/>
+        </p:spPr>
+        <p:txBody>
+          <a:bodyPr wrap="none" rtlCol="0">
+            <a:spAutoFit/>
+          </a:bodyPr>
+          <a:lstStyle/>
+          <a:p>
+            <a:r>
+              <a:rPr lang="ko-KR" altLang="en-US" sz="1600" dirty="0">
+                <a:latin typeface="G마켓 산스 TTF Medium" panose="02000000000000000000" pitchFamily="2" charset="-127"/>
+                <a:ea typeface="G마켓 산스 TTF Medium" panose="02000000000000000000" pitchFamily="2" charset="-127"/>
+              </a:rPr>
+              <a:t>초기 자산</a:t>
+            </a:r>
+            <a:r>
+              <a:rPr lang="en-US" altLang="ko-KR" sz="1600" dirty="0">
+                <a:latin typeface="G마켓 산스 TTF Medium" panose="02000000000000000000" pitchFamily="2" charset="-127"/>
+                <a:ea typeface="G마켓 산스 TTF Medium" panose="02000000000000000000" pitchFamily="2" charset="-127"/>
+              </a:rPr>
+              <a:t>: 0</a:t>
+            </a:r>
+            <a:r>
+              <a:rPr lang="ko-KR" altLang="en-US" sz="1600" dirty="0">
+                <a:latin typeface="G마켓 산스 TTF Medium" panose="02000000000000000000" pitchFamily="2" charset="-127"/>
+                <a:ea typeface="G마켓 산스 TTF Medium" panose="02000000000000000000" pitchFamily="2" charset="-127"/>
+              </a:rPr>
+              <a:t>원</a:t>
+            </a:r>
+          </a:p>
+        </p:txBody>
+      </p:sp>
+      <p:sp>
+        <p:nvSpPr>
+          <p:cNvPr id="17" name="TextBox 16">
+            <a:extLst>
+              <a:ext uri="{FF2B5EF4-FFF2-40B4-BE49-F238E27FC236}">
+                <a16:creationId xmlns:a16="http://schemas.microsoft.com/office/drawing/2014/main" id="{C8238B4C-F08A-8220-D1EB-76E3A988D2EB}"/>
+              </a:ext>
+            </a:extLst>
+          </p:cNvPr>
+          <p:cNvSpPr txBox="1"/>
+          <p:nvPr/>
+        </p:nvSpPr>
+        <p:spPr>
+          <a:xfrm>
+            <a:off x="2024768" y="3272592"/>
+            <a:ext cx="1914307" cy="338554"/>
+          </a:xfrm>
+          <a:prstGeom prst="rect">
+            <a:avLst/>
+          </a:prstGeom>
+          <a:noFill/>
+        </p:spPr>
+        <p:txBody>
+          <a:bodyPr wrap="none" rtlCol="0">
+            <a:spAutoFit/>
+          </a:bodyPr>
+          <a:lstStyle/>
+          <a:p>
+            <a:r>
+              <a:rPr lang="ko-KR" altLang="en-US" sz="1600" dirty="0">
+                <a:latin typeface="G마켓 산스 TTF Medium" panose="02000000000000000000" pitchFamily="2" charset="-127"/>
+                <a:ea typeface="G마켓 산스 TTF Medium" panose="02000000000000000000" pitchFamily="2" charset="-127"/>
+              </a:rPr>
+              <a:t>월 투자금</a:t>
+            </a:r>
+            <a:r>
+              <a:rPr lang="en-US" altLang="ko-KR" sz="1600" dirty="0">
+                <a:latin typeface="G마켓 산스 TTF Medium" panose="02000000000000000000" pitchFamily="2" charset="-127"/>
+                <a:ea typeface="G마켓 산스 TTF Medium" panose="02000000000000000000" pitchFamily="2" charset="-127"/>
+              </a:rPr>
+              <a:t>: 100</a:t>
+            </a:r>
+            <a:r>
+              <a:rPr lang="ko-KR" altLang="en-US" sz="1600" dirty="0">
+                <a:latin typeface="G마켓 산스 TTF Medium" panose="02000000000000000000" pitchFamily="2" charset="-127"/>
+                <a:ea typeface="G마켓 산스 TTF Medium" panose="02000000000000000000" pitchFamily="2" charset="-127"/>
+              </a:rPr>
+              <a:t>만원</a:t>
+            </a:r>
+          </a:p>
+        </p:txBody>
+      </p:sp>
+      <p:sp>
+        <p:nvSpPr>
+          <p:cNvPr id="18" name="TextBox 17">
+            <a:extLst>
+              <a:ext uri="{FF2B5EF4-FFF2-40B4-BE49-F238E27FC236}">
+                <a16:creationId xmlns:a16="http://schemas.microsoft.com/office/drawing/2014/main" id="{7EB56F32-18A0-3103-C57C-63A8AE983AC5}"/>
+              </a:ext>
+            </a:extLst>
+          </p:cNvPr>
+          <p:cNvSpPr txBox="1"/>
+          <p:nvPr/>
+        </p:nvSpPr>
+        <p:spPr>
+          <a:xfrm>
+            <a:off x="2024768" y="3649246"/>
+            <a:ext cx="1717137" cy="338554"/>
+          </a:xfrm>
+          <a:prstGeom prst="rect">
+            <a:avLst/>
+          </a:prstGeom>
+          <a:noFill/>
+        </p:spPr>
+        <p:txBody>
+          <a:bodyPr wrap="none" rtlCol="0">
+            <a:spAutoFit/>
+          </a:bodyPr>
+          <a:lstStyle/>
+          <a:p>
+            <a:r>
+              <a:rPr lang="ko-KR" altLang="en-US" sz="1600" dirty="0">
+                <a:latin typeface="G마켓 산스 TTF Medium" panose="02000000000000000000" pitchFamily="2" charset="-127"/>
+                <a:ea typeface="G마켓 산스 TTF Medium" panose="02000000000000000000" pitchFamily="2" charset="-127"/>
+              </a:rPr>
+              <a:t>기대수익률</a:t>
+            </a:r>
+            <a:r>
+              <a:rPr lang="en-US" altLang="ko-KR" sz="1600" dirty="0">
+                <a:latin typeface="G마켓 산스 TTF Medium" panose="02000000000000000000" pitchFamily="2" charset="-127"/>
+                <a:ea typeface="G마켓 산스 TTF Medium" panose="02000000000000000000" pitchFamily="2" charset="-127"/>
+              </a:rPr>
+              <a:t>: 10%</a:t>
+            </a:r>
+          </a:p>
+        </p:txBody>
+      </p:sp>
+      <p:sp>
+        <p:nvSpPr>
+          <p:cNvPr id="7" name="사각형: 둥근 모서리 6">
+            <a:extLst>
+              <a:ext uri="{FF2B5EF4-FFF2-40B4-BE49-F238E27FC236}">
+                <a16:creationId xmlns:a16="http://schemas.microsoft.com/office/drawing/2014/main" id="{AEF9D58D-BF9D-E90D-F7E0-ED64BCAF2639}"/>
+              </a:ext>
+            </a:extLst>
+          </p:cNvPr>
+          <p:cNvSpPr/>
+          <p:nvPr/>
+        </p:nvSpPr>
+        <p:spPr>
+          <a:xfrm>
+            <a:off x="8796956" y="1296740"/>
+            <a:ext cx="2404444" cy="3256210"/>
+          </a:xfrm>
+          <a:prstGeom prst="roundRect">
+            <a:avLst>
+              <a:gd name="adj" fmla="val 9630"/>
+            </a:avLst>
+          </a:prstGeom>
+          <a:solidFill>
+            <a:srgbClr val="F22D50">
+              <a:alpha val="5098"/>
+            </a:srgbClr>
+          </a:solidFill>
+          <a:ln w="38100">
+            <a:solidFill>
+              <a:srgbClr val="F22D50"/>
+            </a:solidFill>
+            <a:prstDash val="dash"/>
+          </a:ln>
+        </p:spPr>
+        <p:style>
+          <a:lnRef idx="2">
+            <a:schemeClr val="accent1">
+              <a:shade val="15000"/>
+            </a:schemeClr>
+          </a:lnRef>
+          <a:fillRef idx="1">
+            <a:schemeClr val="accent1"/>
+          </a:fillRef>
+          <a:effectRef idx="0">
+            <a:schemeClr val="accent1"/>
+          </a:effectRef>
+          <a:fontRef idx="minor">
+            <a:schemeClr val="lt1"/>
+          </a:fontRef>
+        </p:style>
+        <p:txBody>
+          <a:bodyPr rtlCol="0" anchor="ctr"/>
+          <a:lstStyle/>
+          <a:p>
+            <a:pPr algn="ctr"/>
+            <a:endParaRPr lang="ko-KR" altLang="en-US" dirty="0">
+              <a:solidFill>
+                <a:srgbClr val="F22D50"/>
+              </a:solidFill>
+            </a:endParaRPr>
+          </a:p>
+        </p:txBody>
+      </p:sp>
+    </p:spTree>
+    <p:extLst>
+      <p:ext uri="{BB962C8B-B14F-4D97-AF65-F5344CB8AC3E}">
+        <p14:creationId xmlns:p14="http://schemas.microsoft.com/office/powerpoint/2010/main" val="1366466585"/>
+      </p:ext>
+    </p:extLst>
+  </p:cSld>
+  <p:clrMapOvr>
+    <a:masterClrMapping/>
+  </p:clrMapOvr>
+</p:sld>
+</file>
+
+<file path=ppt/slides/slide11.xml><?xml version="1.0" encoding="utf-8"?>
 <p:sld xmlns:a="http://schemas.openxmlformats.org/drawingml/2006/main" xmlns:r="http://schemas.openxmlformats.org/officeDocument/2006/relationships" xmlns:p="http://schemas.openxmlformats.org/presentationml/2006/main">
   <p:cSld>
     <p:spTree>
@@ -9101,7 +9920,7 @@
 </p:sld>
 </file>
 
-<file path=ppt/slides/slide11.xml><?xml version="1.0" encoding="utf-8"?>
+<file path=ppt/slides/slide12.xml><?xml version="1.0" encoding="utf-8"?>
 <p:sld xmlns:a="http://schemas.openxmlformats.org/drawingml/2006/main" xmlns:r="http://schemas.openxmlformats.org/officeDocument/2006/relationships" xmlns:p="http://schemas.openxmlformats.org/presentationml/2006/main">
   <p:cSld>
     <p:spTree>
@@ -9449,7 +10268,7 @@
 </p:sld>
 </file>
 
-<file path=ppt/slides/slide12.xml><?xml version="1.0" encoding="utf-8"?>
+<file path=ppt/slides/slide13.xml><?xml version="1.0" encoding="utf-8"?>
 <p:sld xmlns:a="http://schemas.openxmlformats.org/drawingml/2006/main" xmlns:r="http://schemas.openxmlformats.org/officeDocument/2006/relationships" xmlns:p="http://schemas.openxmlformats.org/presentationml/2006/main">
   <p:cSld>
     <p:spTree>
@@ -9800,7 +10619,7 @@
 </p:sld>
 </file>
 
-<file path=ppt/slides/slide13.xml><?xml version="1.0" encoding="utf-8"?>
+<file path=ppt/slides/slide14.xml><?xml version="1.0" encoding="utf-8"?>
 <p:sld xmlns:a="http://schemas.openxmlformats.org/drawingml/2006/main" xmlns:r="http://schemas.openxmlformats.org/officeDocument/2006/relationships" xmlns:p="http://schemas.openxmlformats.org/presentationml/2006/main">
   <p:cSld>
     <p:spTree>
@@ -9928,7 +10747,7 @@
 </p:sld>
 </file>
 
-<file path=ppt/slides/slide14.xml><?xml version="1.0" encoding="utf-8"?>
+<file path=ppt/slides/slide15.xml><?xml version="1.0" encoding="utf-8"?>
 <p:sld xmlns:a="http://schemas.openxmlformats.org/drawingml/2006/main" xmlns:r="http://schemas.openxmlformats.org/officeDocument/2006/relationships" xmlns:p="http://schemas.openxmlformats.org/presentationml/2006/main">
   <p:cSld>
     <p:spTree>
@@ -10614,7 +11433,7 @@
 </p:sld>
 </file>
 
-<file path=ppt/slides/slide15.xml><?xml version="1.0" encoding="utf-8"?>
+<file path=ppt/slides/slide16.xml><?xml version="1.0" encoding="utf-8"?>
 <p:sld xmlns:a="http://schemas.openxmlformats.org/drawingml/2006/main" xmlns:r="http://schemas.openxmlformats.org/officeDocument/2006/relationships" xmlns:p="http://schemas.openxmlformats.org/presentationml/2006/main">
   <p:cSld>
     <p:spTree>
@@ -10735,7 +11554,7 @@
 </p:sld>
 </file>
 
-<file path=ppt/slides/slide16.xml><?xml version="1.0" encoding="utf-8"?>
+<file path=ppt/slides/slide17.xml><?xml version="1.0" encoding="utf-8"?>
 <p:sld xmlns:a="http://schemas.openxmlformats.org/drawingml/2006/main" xmlns:r="http://schemas.openxmlformats.org/officeDocument/2006/relationships" xmlns:p="http://schemas.openxmlformats.org/presentationml/2006/main">
   <p:cSld>
     <p:spTree>
@@ -10882,7 +11701,7 @@
 </p:sld>
 </file>
 
-<file path=ppt/slides/slide17.xml><?xml version="1.0" encoding="utf-8"?>
+<file path=ppt/slides/slide18.xml><?xml version="1.0" encoding="utf-8"?>
 <p:sld xmlns:a="http://schemas.openxmlformats.org/drawingml/2006/main" xmlns:r="http://schemas.openxmlformats.org/officeDocument/2006/relationships" xmlns:p="http://schemas.openxmlformats.org/presentationml/2006/main">
   <p:cSld>
     <p:spTree>
@@ -10968,7 +11787,7 @@
 </p:sld>
 </file>
 
-<file path=ppt/slides/slide18.xml><?xml version="1.0" encoding="utf-8"?>
+<file path=ppt/slides/slide19.xml><?xml version="1.0" encoding="utf-8"?>
 <p:sld xmlns:a="http://schemas.openxmlformats.org/drawingml/2006/main" xmlns:r="http://schemas.openxmlformats.org/officeDocument/2006/relationships" xmlns:p="http://schemas.openxmlformats.org/presentationml/2006/main">
   <p:cSld>
     <p:spTree>
@@ -11323,7 +12142,186 @@
 </p:sld>
 </file>
 
-<file path=ppt/slides/slide19.xml><?xml version="1.0" encoding="utf-8"?>
+<file path=ppt/slides/slide2.xml><?xml version="1.0" encoding="utf-8"?>
+<p:sld xmlns:a="http://schemas.openxmlformats.org/drawingml/2006/main" xmlns:r="http://schemas.openxmlformats.org/officeDocument/2006/relationships" xmlns:p="http://schemas.openxmlformats.org/presentationml/2006/main">
+  <p:cSld>
+    <p:spTree>
+      <p:nvGrpSpPr>
+        <p:cNvPr id="1" name="">
+          <a:extLst>
+            <a:ext uri="{FF2B5EF4-FFF2-40B4-BE49-F238E27FC236}">
+              <a16:creationId xmlns:a16="http://schemas.microsoft.com/office/drawing/2014/main" id="{548D2C7F-F02B-96D6-D8EA-894E1F439977}"/>
+            </a:ext>
+          </a:extLst>
+        </p:cNvPr>
+        <p:cNvGrpSpPr/>
+        <p:nvPr/>
+      </p:nvGrpSpPr>
+      <p:grpSpPr>
+        <a:xfrm>
+          <a:off x="0" y="0"/>
+          <a:ext cx="0" cy="0"/>
+          <a:chOff x="0" y="0"/>
+          <a:chExt cx="0" cy="0"/>
+        </a:xfrm>
+      </p:grpSpPr>
+      <p:sp>
+        <p:nvSpPr>
+          <p:cNvPr id="4" name="TextBox 3">
+            <a:extLst>
+              <a:ext uri="{FF2B5EF4-FFF2-40B4-BE49-F238E27FC236}">
+                <a16:creationId xmlns:a16="http://schemas.microsoft.com/office/drawing/2014/main" id="{822AD69D-9052-B07D-CFB9-C78139617A0F}"/>
+              </a:ext>
+            </a:extLst>
+          </p:cNvPr>
+          <p:cNvSpPr txBox="1"/>
+          <p:nvPr/>
+        </p:nvSpPr>
+        <p:spPr>
+          <a:xfrm>
+            <a:off x="2726325" y="2921168"/>
+            <a:ext cx="6739345" cy="1200329"/>
+          </a:xfrm>
+          <a:prstGeom prst="rect">
+            <a:avLst/>
+          </a:prstGeom>
+          <a:noFill/>
+        </p:spPr>
+        <p:txBody>
+          <a:bodyPr wrap="none" rtlCol="0">
+            <a:spAutoFit/>
+          </a:bodyPr>
+          <a:lstStyle/>
+          <a:p>
+            <a:pPr algn="ctr"/>
+            <a:r>
+              <a:rPr lang="en-US" altLang="ko-KR" sz="7200" dirty="0">
+                <a:latin typeface="G마켓 산스 TTF Bold" panose="02000000000000000000" pitchFamily="2" charset="-127"/>
+                <a:ea typeface="G마켓 산스 TTF Bold" panose="02000000000000000000" pitchFamily="2" charset="-127"/>
+              </a:rPr>
+              <a:t>1. </a:t>
+            </a:r>
+            <a:r>
+              <a:rPr lang="ko-KR" altLang="en-US" sz="7200" dirty="0">
+                <a:latin typeface="G마켓 산스 TTF Bold" panose="02000000000000000000" pitchFamily="2" charset="-127"/>
+                <a:ea typeface="G마켓 산스 TTF Bold" panose="02000000000000000000" pitchFamily="2" charset="-127"/>
+              </a:rPr>
+              <a:t>목표 설정하기</a:t>
+            </a:r>
+          </a:p>
+        </p:txBody>
+      </p:sp>
+      <p:sp>
+        <p:nvSpPr>
+          <p:cNvPr id="5" name="TextBox 4">
+            <a:extLst>
+              <a:ext uri="{FF2B5EF4-FFF2-40B4-BE49-F238E27FC236}">
+                <a16:creationId xmlns:a16="http://schemas.microsoft.com/office/drawing/2014/main" id="{198D815C-F099-F550-4DBE-BE6477A40D47}"/>
+              </a:ext>
+            </a:extLst>
+          </p:cNvPr>
+          <p:cNvSpPr txBox="1"/>
+          <p:nvPr/>
+        </p:nvSpPr>
+        <p:spPr>
+          <a:xfrm>
+            <a:off x="4208321" y="4121497"/>
+            <a:ext cx="3775393" cy="461665"/>
+          </a:xfrm>
+          <a:prstGeom prst="rect">
+            <a:avLst/>
+          </a:prstGeom>
+          <a:noFill/>
+        </p:spPr>
+        <p:txBody>
+          <a:bodyPr wrap="none" rtlCol="0">
+            <a:spAutoFit/>
+          </a:bodyPr>
+          <a:lstStyle/>
+          <a:p>
+            <a:pPr algn="ctr"/>
+            <a:r>
+              <a:rPr lang="ko-KR" altLang="en-US" sz="2400" dirty="0">
+                <a:latin typeface="G마켓 산스 TTF Light" panose="02000000000000000000" pitchFamily="2" charset="-127"/>
+                <a:ea typeface="G마켓 산스 TTF Light" panose="02000000000000000000" pitchFamily="2" charset="-127"/>
+              </a:rPr>
+              <a:t>월 </a:t>
+            </a:r>
+            <a:r>
+              <a:rPr lang="en-US" altLang="ko-KR" sz="2400" dirty="0">
+                <a:latin typeface="G마켓 산스 TTF Light" panose="02000000000000000000" pitchFamily="2" charset="-127"/>
+                <a:ea typeface="G마켓 산스 TTF Light" panose="02000000000000000000" pitchFamily="2" charset="-127"/>
+              </a:rPr>
+              <a:t>200, </a:t>
+            </a:r>
+            <a:r>
+              <a:rPr lang="ko-KR" altLang="en-US" sz="2400" dirty="0">
+                <a:latin typeface="G마켓 산스 TTF Light" panose="02000000000000000000" pitchFamily="2" charset="-127"/>
+                <a:ea typeface="G마켓 산스 TTF Light" panose="02000000000000000000" pitchFamily="2" charset="-127"/>
+              </a:rPr>
+              <a:t>내 집 마련</a:t>
+            </a:r>
+            <a:r>
+              <a:rPr lang="en-US" altLang="ko-KR" sz="2400" dirty="0">
+                <a:latin typeface="G마켓 산스 TTF Light" panose="02000000000000000000" pitchFamily="2" charset="-127"/>
+                <a:ea typeface="G마켓 산스 TTF Light" panose="02000000000000000000" pitchFamily="2" charset="-127"/>
+              </a:rPr>
+              <a:t> = </a:t>
+            </a:r>
+            <a:r>
+              <a:rPr lang="en-US" altLang="ko-KR" sz="2400" dirty="0">
+                <a:solidFill>
+                  <a:srgbClr val="F22D50"/>
+                </a:solidFill>
+                <a:latin typeface="G마켓 산스 TTF Bold" panose="02000000000000000000" pitchFamily="2" charset="-127"/>
+                <a:ea typeface="G마켓 산스 TTF Bold" panose="02000000000000000000" pitchFamily="2" charset="-127"/>
+              </a:rPr>
+              <a:t>5</a:t>
+            </a:r>
+            <a:r>
+              <a:rPr lang="ko-KR" altLang="en-US" sz="2400" dirty="0">
+                <a:solidFill>
+                  <a:srgbClr val="F22D50"/>
+                </a:solidFill>
+                <a:latin typeface="G마켓 산스 TTF Bold" panose="02000000000000000000" pitchFamily="2" charset="-127"/>
+                <a:ea typeface="G마켓 산스 TTF Bold" panose="02000000000000000000" pitchFamily="2" charset="-127"/>
+              </a:rPr>
+              <a:t>억</a:t>
+            </a:r>
+            <a:r>
+              <a:rPr lang="en-US" altLang="ko-KR" sz="2400" dirty="0">
+                <a:solidFill>
+                  <a:srgbClr val="F22D50"/>
+                </a:solidFill>
+                <a:latin typeface="G마켓 산스 TTF Bold" panose="02000000000000000000" pitchFamily="2" charset="-127"/>
+                <a:ea typeface="G마켓 산스 TTF Bold" panose="02000000000000000000" pitchFamily="2" charset="-127"/>
+              </a:rPr>
+              <a:t>?</a:t>
+            </a:r>
+            <a:endParaRPr lang="ko-KR" altLang="en-US" sz="2400" dirty="0">
+              <a:solidFill>
+                <a:srgbClr val="F22D50"/>
+              </a:solidFill>
+              <a:latin typeface="G마켓 산스 TTF Bold" panose="02000000000000000000" pitchFamily="2" charset="-127"/>
+              <a:ea typeface="G마켓 산스 TTF Bold" panose="02000000000000000000" pitchFamily="2" charset="-127"/>
+            </a:endParaRPr>
+          </a:p>
+        </p:txBody>
+      </p:sp>
+    </p:spTree>
+    <p:extLst>
+      <p:ext uri="{BB962C8B-B14F-4D97-AF65-F5344CB8AC3E}">
+        <p14:creationId xmlns:p14="http://schemas.microsoft.com/office/powerpoint/2010/main" val="3452934472"/>
+      </p:ext>
+    </p:extLst>
+  </p:cSld>
+  <p:clrMapOvr>
+    <a:masterClrMapping/>
+  </p:clrMapOvr>
+</p:sld>
+</file>
+
+<file path=ppt/slides/slide20.xml><?xml version="1.0" encoding="utf-8"?>
 <p:sld xmlns:a="http://schemas.openxmlformats.org/drawingml/2006/main" xmlns:r="http://schemas.openxmlformats.org/officeDocument/2006/relationships" xmlns:p="http://schemas.openxmlformats.org/presentationml/2006/main">
   <p:cSld>
     <p:spTree>
@@ -11426,95 +12424,7 @@
 </p:sld>
 </file>
 
-<file path=ppt/slides/slide2.xml><?xml version="1.0" encoding="utf-8"?>
-<p:sld xmlns:a="http://schemas.openxmlformats.org/drawingml/2006/main" xmlns:r="http://schemas.openxmlformats.org/officeDocument/2006/relationships" xmlns:p="http://schemas.openxmlformats.org/presentationml/2006/main">
-  <p:cSld>
-    <p:spTree>
-      <p:nvGrpSpPr>
-        <p:cNvPr id="1" name="">
-          <a:extLst>
-            <a:ext uri="{FF2B5EF4-FFF2-40B4-BE49-F238E27FC236}">
-              <a16:creationId xmlns:a16="http://schemas.microsoft.com/office/drawing/2014/main" id="{8462E40A-E540-771C-4D34-61FFDA65D1EF}"/>
-            </a:ext>
-          </a:extLst>
-        </p:cNvPr>
-        <p:cNvGrpSpPr/>
-        <p:nvPr/>
-      </p:nvGrpSpPr>
-      <p:grpSpPr>
-        <a:xfrm>
-          <a:off x="0" y="0"/>
-          <a:ext cx="0" cy="0"/>
-          <a:chOff x="0" y="0"/>
-          <a:chExt cx="0" cy="0"/>
-        </a:xfrm>
-      </p:grpSpPr>
-      <p:sp>
-        <p:nvSpPr>
-          <p:cNvPr id="2" name="TextBox 1">
-            <a:extLst>
-              <a:ext uri="{FF2B5EF4-FFF2-40B4-BE49-F238E27FC236}">
-                <a16:creationId xmlns:a16="http://schemas.microsoft.com/office/drawing/2014/main" id="{F58CB713-3688-2AEF-E967-09102441FBA2}"/>
-              </a:ext>
-            </a:extLst>
-          </p:cNvPr>
-          <p:cNvSpPr txBox="1"/>
-          <p:nvPr/>
-        </p:nvSpPr>
-        <p:spPr>
-          <a:xfrm>
-            <a:off x="4807027" y="2828835"/>
-            <a:ext cx="2577949" cy="1200329"/>
-          </a:xfrm>
-          <a:prstGeom prst="rect">
-            <a:avLst/>
-          </a:prstGeom>
-          <a:noFill/>
-        </p:spPr>
-        <p:txBody>
-          <a:bodyPr wrap="none" rtlCol="0">
-            <a:spAutoFit/>
-          </a:bodyPr>
-          <a:lstStyle/>
-          <a:p>
-            <a:pPr algn="ctr"/>
-            <a:r>
-              <a:rPr lang="en-US" altLang="ko-KR" sz="7200" dirty="0">
-                <a:solidFill>
-                  <a:srgbClr val="F22D50"/>
-                </a:solidFill>
-                <a:latin typeface="G마켓 산스 TTF Bold" panose="02000000000000000000" pitchFamily="2" charset="-127"/>
-                <a:ea typeface="G마켓 산스 TTF Bold" panose="02000000000000000000" pitchFamily="2" charset="-127"/>
-              </a:rPr>
-              <a:t>5</a:t>
-            </a:r>
-            <a:r>
-              <a:rPr lang="ko-KR" altLang="en-US" sz="7200" dirty="0">
-                <a:solidFill>
-                  <a:srgbClr val="F22D50"/>
-                </a:solidFill>
-                <a:latin typeface="G마켓 산스 TTF Bold" panose="02000000000000000000" pitchFamily="2" charset="-127"/>
-                <a:ea typeface="G마켓 산스 TTF Bold" panose="02000000000000000000" pitchFamily="2" charset="-127"/>
-              </a:rPr>
-              <a:t>억？</a:t>
-            </a:r>
-          </a:p>
-        </p:txBody>
-      </p:sp>
-    </p:spTree>
-    <p:extLst>
-      <p:ext uri="{BB962C8B-B14F-4D97-AF65-F5344CB8AC3E}">
-        <p14:creationId xmlns:p14="http://schemas.microsoft.com/office/powerpoint/2010/main" val="3969747013"/>
-      </p:ext>
-    </p:extLst>
-  </p:cSld>
-  <p:clrMapOvr>
-    <a:masterClrMapping/>
-  </p:clrMapOvr>
-</p:sld>
-</file>
-
-<file path=ppt/slides/slide20.xml><?xml version="1.0" encoding="utf-8"?>
+<file path=ppt/slides/slide21.xml><?xml version="1.0" encoding="utf-8"?>
 <p:sld xmlns:a="http://schemas.openxmlformats.org/drawingml/2006/main" xmlns:r="http://schemas.openxmlformats.org/officeDocument/2006/relationships" xmlns:p="http://schemas.openxmlformats.org/presentationml/2006/main">
   <p:cSld>
     <p:spTree>
@@ -11618,7 +12528,7 @@
 </p:sld>
 </file>
 
-<file path=ppt/slides/slide21.xml><?xml version="1.0" encoding="utf-8"?>
+<file path=ppt/slides/slide22.xml><?xml version="1.0" encoding="utf-8"?>
 <p:sld xmlns:a="http://schemas.openxmlformats.org/drawingml/2006/main" xmlns:r="http://schemas.openxmlformats.org/officeDocument/2006/relationships" xmlns:p="http://schemas.openxmlformats.org/presentationml/2006/main">
   <p:cSld>
     <p:spTree>
@@ -11722,7 +12632,7 @@
 </p:sld>
 </file>
 
-<file path=ppt/slides/slide22.xml><?xml version="1.0" encoding="utf-8"?>
+<file path=ppt/slides/slide23.xml><?xml version="1.0" encoding="utf-8"?>
 <p:sld xmlns:a="http://schemas.openxmlformats.org/drawingml/2006/main" xmlns:r="http://schemas.openxmlformats.org/officeDocument/2006/relationships" xmlns:p="http://schemas.openxmlformats.org/presentationml/2006/main">
   <p:cSld>
     <p:spTree>
@@ -11826,7 +12736,7 @@
 </p:sld>
 </file>
 
-<file path=ppt/slides/slide23.xml><?xml version="1.0" encoding="utf-8"?>
+<file path=ppt/slides/slide24.xml><?xml version="1.0" encoding="utf-8"?>
 <p:sld xmlns:a="http://schemas.openxmlformats.org/drawingml/2006/main" xmlns:r="http://schemas.openxmlformats.org/officeDocument/2006/relationships" xmlns:p="http://schemas.openxmlformats.org/presentationml/2006/main">
   <p:cSld>
     <p:spTree>
@@ -11905,7 +12815,7 @@
 </p:sld>
 </file>
 
-<file path=ppt/slides/slide24.xml><?xml version="1.0" encoding="utf-8"?>
+<file path=ppt/slides/slide25.xml><?xml version="1.0" encoding="utf-8"?>
 <p:sld xmlns:a="http://schemas.openxmlformats.org/drawingml/2006/main" xmlns:r="http://schemas.openxmlformats.org/officeDocument/2006/relationships" xmlns:p="http://schemas.openxmlformats.org/presentationml/2006/main">
   <p:cSld>
     <p:spTree>
@@ -12116,6 +13026,94 @@
 </file>
 
 <file path=ppt/slides/slide3.xml><?xml version="1.0" encoding="utf-8"?>
+<p:sld xmlns:a="http://schemas.openxmlformats.org/drawingml/2006/main" xmlns:r="http://schemas.openxmlformats.org/officeDocument/2006/relationships" xmlns:p="http://schemas.openxmlformats.org/presentationml/2006/main">
+  <p:cSld>
+    <p:spTree>
+      <p:nvGrpSpPr>
+        <p:cNvPr id="1" name="">
+          <a:extLst>
+            <a:ext uri="{FF2B5EF4-FFF2-40B4-BE49-F238E27FC236}">
+              <a16:creationId xmlns:a16="http://schemas.microsoft.com/office/drawing/2014/main" id="{8462E40A-E540-771C-4D34-61FFDA65D1EF}"/>
+            </a:ext>
+          </a:extLst>
+        </p:cNvPr>
+        <p:cNvGrpSpPr/>
+        <p:nvPr/>
+      </p:nvGrpSpPr>
+      <p:grpSpPr>
+        <a:xfrm>
+          <a:off x="0" y="0"/>
+          <a:ext cx="0" cy="0"/>
+          <a:chOff x="0" y="0"/>
+          <a:chExt cx="0" cy="0"/>
+        </a:xfrm>
+      </p:grpSpPr>
+      <p:sp>
+        <p:nvSpPr>
+          <p:cNvPr id="2" name="TextBox 1">
+            <a:extLst>
+              <a:ext uri="{FF2B5EF4-FFF2-40B4-BE49-F238E27FC236}">
+                <a16:creationId xmlns:a16="http://schemas.microsoft.com/office/drawing/2014/main" id="{F58CB713-3688-2AEF-E967-09102441FBA2}"/>
+              </a:ext>
+            </a:extLst>
+          </p:cNvPr>
+          <p:cNvSpPr txBox="1"/>
+          <p:nvPr/>
+        </p:nvSpPr>
+        <p:spPr>
+          <a:xfrm>
+            <a:off x="4807027" y="2828835"/>
+            <a:ext cx="2577949" cy="1200329"/>
+          </a:xfrm>
+          <a:prstGeom prst="rect">
+            <a:avLst/>
+          </a:prstGeom>
+          <a:noFill/>
+        </p:spPr>
+        <p:txBody>
+          <a:bodyPr wrap="none" rtlCol="0">
+            <a:spAutoFit/>
+          </a:bodyPr>
+          <a:lstStyle/>
+          <a:p>
+            <a:pPr algn="ctr"/>
+            <a:r>
+              <a:rPr lang="en-US" altLang="ko-KR" sz="7200" dirty="0">
+                <a:solidFill>
+                  <a:srgbClr val="F22D50"/>
+                </a:solidFill>
+                <a:latin typeface="G마켓 산스 TTF Bold" panose="02000000000000000000" pitchFamily="2" charset="-127"/>
+                <a:ea typeface="G마켓 산스 TTF Bold" panose="02000000000000000000" pitchFamily="2" charset="-127"/>
+              </a:rPr>
+              <a:t>5</a:t>
+            </a:r>
+            <a:r>
+              <a:rPr lang="ko-KR" altLang="en-US" sz="7200" dirty="0">
+                <a:solidFill>
+                  <a:srgbClr val="F22D50"/>
+                </a:solidFill>
+                <a:latin typeface="G마켓 산스 TTF Bold" panose="02000000000000000000" pitchFamily="2" charset="-127"/>
+                <a:ea typeface="G마켓 산스 TTF Bold" panose="02000000000000000000" pitchFamily="2" charset="-127"/>
+              </a:rPr>
+              <a:t>억？</a:t>
+            </a:r>
+          </a:p>
+        </p:txBody>
+      </p:sp>
+    </p:spTree>
+    <p:extLst>
+      <p:ext uri="{BB962C8B-B14F-4D97-AF65-F5344CB8AC3E}">
+        <p14:creationId xmlns:p14="http://schemas.microsoft.com/office/powerpoint/2010/main" val="3969747013"/>
+      </p:ext>
+    </p:extLst>
+  </p:cSld>
+  <p:clrMapOvr>
+    <a:masterClrMapping/>
+  </p:clrMapOvr>
+</p:sld>
+</file>
+
+<file path=ppt/slides/slide4.xml><?xml version="1.0" encoding="utf-8"?>
 <p:sld xmlns:a="http://schemas.openxmlformats.org/drawingml/2006/main" xmlns:r="http://schemas.openxmlformats.org/officeDocument/2006/relationships" xmlns:p="http://schemas.openxmlformats.org/presentationml/2006/main">
   <p:cSld>
     <p:spTree>
@@ -12374,7 +13372,7 @@
 </p:sld>
 </file>
 
-<file path=ppt/slides/slide4.xml><?xml version="1.0" encoding="utf-8"?>
+<file path=ppt/slides/slide5.xml><?xml version="1.0" encoding="utf-8"?>
 <p:sld xmlns:a="http://schemas.openxmlformats.org/drawingml/2006/main" xmlns:r="http://schemas.openxmlformats.org/officeDocument/2006/relationships" xmlns:p="http://schemas.openxmlformats.org/presentationml/2006/main">
   <p:cSld>
     <p:spTree>
@@ -12412,7 +13410,7 @@
           <p:nvPr/>
         </p:nvPicPr>
         <p:blipFill>
-          <a:blip r:embed="rId2"/>
+          <a:blip r:embed="rId3"/>
           <a:stretch>
             <a:fillRect/>
           </a:stretch>
@@ -12449,7 +13447,7 @@
           <p:nvPr/>
         </p:nvPicPr>
         <p:blipFill>
-          <a:blip r:embed="rId3"/>
+          <a:blip r:embed="rId4"/>
           <a:stretch>
             <a:fillRect/>
           </a:stretch>
@@ -12486,7 +13484,7 @@
           <p:nvPr/>
         </p:nvPicPr>
         <p:blipFill>
-          <a:blip r:embed="rId4"/>
+          <a:blip r:embed="rId5"/>
           <a:stretch>
             <a:fillRect/>
           </a:stretch>
@@ -12557,7 +13555,7 @@
 </p:sld>
 </file>
 
-<file path=ppt/slides/slide5.xml><?xml version="1.0" encoding="utf-8"?>
+<file path=ppt/slides/slide6.xml><?xml version="1.0" encoding="utf-8"?>
 <p:sld xmlns:a="http://schemas.openxmlformats.org/drawingml/2006/main" xmlns:r="http://schemas.openxmlformats.org/officeDocument/2006/relationships" xmlns:p="http://schemas.openxmlformats.org/presentationml/2006/main">
   <p:cSld>
     <p:spTree>
@@ -12676,8 +13674,8 @@
         </p:nvSpPr>
         <p:spPr>
           <a:xfrm>
-            <a:off x="1064971" y="2469178"/>
-            <a:ext cx="2438488" cy="584775"/>
+            <a:off x="1106649" y="2469178"/>
+            <a:ext cx="2355133" cy="584775"/>
           </a:xfrm>
           <a:prstGeom prst="rect">
             <a:avLst/>
@@ -12703,7 +13701,7 @@
                 <a:latin typeface="G마켓 산스 TTF Medium" panose="02000000000000000000" pitchFamily="2" charset="-127"/>
                 <a:ea typeface="G마켓 산스 TTF Medium" panose="02000000000000000000" pitchFamily="2" charset="-127"/>
               </a:rPr>
-              <a:t>: 12</a:t>
+              <a:t>: 11</a:t>
             </a:r>
             <a:r>
               <a:rPr lang="ko-KR" altLang="en-US" sz="3200" dirty="0">
@@ -12756,7 +13754,7 @@
                 <a:latin typeface="G마켓 산스 TTF Medium" panose="02000000000000000000" pitchFamily="2" charset="-127"/>
                 <a:ea typeface="G마켓 산스 TTF Medium" panose="02000000000000000000" pitchFamily="2" charset="-127"/>
               </a:rPr>
-              <a:t>: 7</a:t>
+              <a:t>: 6</a:t>
             </a:r>
             <a:r>
               <a:rPr lang="ko-KR" altLang="en-US" sz="3200" dirty="0">
@@ -12994,7 +13992,7 @@
                 <a:latin typeface="G마켓 산스 TTF Medium" panose="02000000000000000000" pitchFamily="2" charset="-127"/>
                 <a:ea typeface="G마켓 산스 TTF Medium" panose="02000000000000000000" pitchFamily="2" charset="-127"/>
               </a:rPr>
-              <a:t>: 12</a:t>
+              <a:t>: 11</a:t>
             </a:r>
             <a:r>
               <a:rPr lang="ko-KR" altLang="en-US" sz="3200" dirty="0">
@@ -13047,7 +14045,7 @@
                 <a:latin typeface="G마켓 산스 TTF Medium" panose="02000000000000000000" pitchFamily="2" charset="-127"/>
                 <a:ea typeface="G마켓 산스 TTF Medium" panose="02000000000000000000" pitchFamily="2" charset="-127"/>
               </a:rPr>
-              <a:t>: 7</a:t>
+              <a:t>: 6</a:t>
             </a:r>
             <a:r>
               <a:rPr lang="ko-KR" altLang="en-US" sz="3200" dirty="0">
@@ -13211,7 +14209,7 @@
 </p:sld>
 </file>
 
-<file path=ppt/slides/slide6.xml><?xml version="1.0" encoding="utf-8"?>
+<file path=ppt/slides/slide7.xml><?xml version="1.0" encoding="utf-8"?>
 <p:sld xmlns:a="http://schemas.openxmlformats.org/drawingml/2006/main" xmlns:r="http://schemas.openxmlformats.org/officeDocument/2006/relationships" xmlns:p="http://schemas.openxmlformats.org/presentationml/2006/main">
   <p:cSld>
     <p:spTree>
@@ -13381,7 +14379,7 @@
 </p:sld>
 </file>
 
-<file path=ppt/slides/slide7.xml><?xml version="1.0" encoding="utf-8"?>
+<file path=ppt/slides/slide8.xml><?xml version="1.0" encoding="utf-8"?>
 <p:sld xmlns:a="http://schemas.openxmlformats.org/drawingml/2006/main" xmlns:r="http://schemas.openxmlformats.org/officeDocument/2006/relationships" xmlns:p="http://schemas.openxmlformats.org/presentationml/2006/main">
   <p:cSld>
     <p:spTree>
@@ -13972,7 +14970,7 @@
 </p:sld>
 </file>
 
-<file path=ppt/slides/slide8.xml><?xml version="1.0" encoding="utf-8"?>
+<file path=ppt/slides/slide9.xml><?xml version="1.0" encoding="utf-8"?>
 <p:sld xmlns:a="http://schemas.openxmlformats.org/drawingml/2006/main" xmlns:r="http://schemas.openxmlformats.org/officeDocument/2006/relationships" xmlns:p="http://schemas.openxmlformats.org/presentationml/2006/main">
   <p:cSld>
     <p:spTree>
@@ -14596,350 +15594,6 @@
     <p:extLst>
       <p:ext uri="{BB962C8B-B14F-4D97-AF65-F5344CB8AC3E}">
         <p14:creationId xmlns:p14="http://schemas.microsoft.com/office/powerpoint/2010/main" val="3596118737"/>
-      </p:ext>
-    </p:extLst>
-  </p:cSld>
-  <p:clrMapOvr>
-    <a:masterClrMapping/>
-  </p:clrMapOvr>
-</p:sld>
-</file>
-
-<file path=ppt/slides/slide9.xml><?xml version="1.0" encoding="utf-8"?>
-<p:sld xmlns:a="http://schemas.openxmlformats.org/drawingml/2006/main" xmlns:r="http://schemas.openxmlformats.org/officeDocument/2006/relationships" xmlns:p="http://schemas.openxmlformats.org/presentationml/2006/main">
-  <p:cSld>
-    <p:spTree>
-      <p:nvGrpSpPr>
-        <p:cNvPr id="1" name="">
-          <a:extLst>
-            <a:ext uri="{FF2B5EF4-FFF2-40B4-BE49-F238E27FC236}">
-              <a16:creationId xmlns:a16="http://schemas.microsoft.com/office/drawing/2014/main" id="{07B40525-8462-0C38-7ABC-6FDA4D3B80E5}"/>
-            </a:ext>
-          </a:extLst>
-        </p:cNvPr>
-        <p:cNvGrpSpPr/>
-        <p:nvPr/>
-      </p:nvGrpSpPr>
-      <p:grpSpPr>
-        <a:xfrm>
-          <a:off x="0" y="0"/>
-          <a:ext cx="0" cy="0"/>
-          <a:chOff x="0" y="0"/>
-          <a:chExt cx="0" cy="0"/>
-        </a:xfrm>
-      </p:grpSpPr>
-      <p:pic>
-        <p:nvPicPr>
-          <p:cNvPr id="6" name="그림 5">
-            <a:extLst>
-              <a:ext uri="{FF2B5EF4-FFF2-40B4-BE49-F238E27FC236}">
-                <a16:creationId xmlns:a16="http://schemas.microsoft.com/office/drawing/2014/main" id="{71F752B1-83E5-9E5C-48E8-CE8C8CF28B2B}"/>
-              </a:ext>
-            </a:extLst>
-          </p:cNvPr>
-          <p:cNvPicPr>
-            <a:picLocks noChangeAspect="1"/>
-          </p:cNvPicPr>
-          <p:nvPr/>
-        </p:nvPicPr>
-        <p:blipFill>
-          <a:blip r:embed="rId3"/>
-          <a:stretch>
-            <a:fillRect/>
-          </a:stretch>
-        </p:blipFill>
-        <p:spPr>
-          <a:xfrm>
-            <a:off x="8882768" y="1416719"/>
-            <a:ext cx="2223139" cy="4722142"/>
-          </a:xfrm>
-          <a:prstGeom prst="rect">
-            <a:avLst/>
-          </a:prstGeom>
-        </p:spPr>
-      </p:pic>
-      <p:pic>
-        <p:nvPicPr>
-          <p:cNvPr id="4" name="그림 3">
-            <a:extLst>
-              <a:ext uri="{FF2B5EF4-FFF2-40B4-BE49-F238E27FC236}">
-                <a16:creationId xmlns:a16="http://schemas.microsoft.com/office/drawing/2014/main" id="{89857244-62D7-C6CD-45E3-0A64F1CA1070}"/>
-              </a:ext>
-            </a:extLst>
-          </p:cNvPr>
-          <p:cNvPicPr>
-            <a:picLocks noChangeAspect="1"/>
-          </p:cNvPicPr>
-          <p:nvPr/>
-        </p:nvPicPr>
-        <p:blipFill>
-          <a:blip r:embed="rId4"/>
-          <a:stretch>
-            <a:fillRect/>
-          </a:stretch>
-        </p:blipFill>
-        <p:spPr>
-          <a:xfrm>
-            <a:off x="693338" y="1416719"/>
-            <a:ext cx="7074840" cy="4722142"/>
-          </a:xfrm>
-          <a:prstGeom prst="rect">
-            <a:avLst/>
-          </a:prstGeom>
-        </p:spPr>
-      </p:pic>
-      <p:sp>
-        <p:nvSpPr>
-          <p:cNvPr id="2" name="제목 1">
-            <a:extLst>
-              <a:ext uri="{FF2B5EF4-FFF2-40B4-BE49-F238E27FC236}">
-                <a16:creationId xmlns:a16="http://schemas.microsoft.com/office/drawing/2014/main" id="{93195954-09A7-BAA8-18E0-8D0BECBC2957}"/>
-              </a:ext>
-            </a:extLst>
-          </p:cNvPr>
-          <p:cNvSpPr>
-            <a:spLocks noGrp="1"/>
-          </p:cNvSpPr>
-          <p:nvPr>
-            <p:ph type="title"/>
-          </p:nvPr>
-        </p:nvSpPr>
-        <p:spPr/>
-        <p:txBody>
-          <a:bodyPr/>
-          <a:lstStyle/>
-          <a:p>
-            <a:r>
-              <a:rPr lang="ko-KR" altLang="en-US" dirty="0"/>
-              <a:t>투자기간 </a:t>
-            </a:r>
-            <a:r>
-              <a:rPr lang="en-US" altLang="ko-KR" dirty="0"/>
-              <a:t>X </a:t>
-            </a:r>
-            <a:r>
-              <a:rPr lang="ko-KR" altLang="en-US" dirty="0"/>
-              <a:t>달성금액</a:t>
-            </a:r>
-          </a:p>
-        </p:txBody>
-      </p:sp>
-      <p:sp>
-        <p:nvSpPr>
-          <p:cNvPr id="16" name="TextBox 15">
-            <a:extLst>
-              <a:ext uri="{FF2B5EF4-FFF2-40B4-BE49-F238E27FC236}">
-                <a16:creationId xmlns:a16="http://schemas.microsoft.com/office/drawing/2014/main" id="{3F816AB3-8794-5C39-1D54-B836B05F12B5}"/>
-              </a:ext>
-            </a:extLst>
-          </p:cNvPr>
-          <p:cNvSpPr txBox="1"/>
-          <p:nvPr/>
-        </p:nvSpPr>
-        <p:spPr>
-          <a:xfrm>
-            <a:off x="2024768" y="2895938"/>
-            <a:ext cx="1473480" cy="338554"/>
-          </a:xfrm>
-          <a:prstGeom prst="rect">
-            <a:avLst/>
-          </a:prstGeom>
-          <a:noFill/>
-        </p:spPr>
-        <p:txBody>
-          <a:bodyPr wrap="none" rtlCol="0">
-            <a:spAutoFit/>
-          </a:bodyPr>
-          <a:lstStyle/>
-          <a:p>
-            <a:r>
-              <a:rPr lang="ko-KR" altLang="en-US" sz="1600" dirty="0">
-                <a:latin typeface="G마켓 산스 TTF Medium" panose="02000000000000000000" pitchFamily="2" charset="-127"/>
-                <a:ea typeface="G마켓 산스 TTF Medium" panose="02000000000000000000" pitchFamily="2" charset="-127"/>
-              </a:rPr>
-              <a:t>초기 자산</a:t>
-            </a:r>
-            <a:r>
-              <a:rPr lang="en-US" altLang="ko-KR" sz="1600" dirty="0">
-                <a:latin typeface="G마켓 산스 TTF Medium" panose="02000000000000000000" pitchFamily="2" charset="-127"/>
-                <a:ea typeface="G마켓 산스 TTF Medium" panose="02000000000000000000" pitchFamily="2" charset="-127"/>
-              </a:rPr>
-              <a:t>: 0</a:t>
-            </a:r>
-            <a:r>
-              <a:rPr lang="ko-KR" altLang="en-US" sz="1600" dirty="0">
-                <a:latin typeface="G마켓 산스 TTF Medium" panose="02000000000000000000" pitchFamily="2" charset="-127"/>
-                <a:ea typeface="G마켓 산스 TTF Medium" panose="02000000000000000000" pitchFamily="2" charset="-127"/>
-              </a:rPr>
-              <a:t>원</a:t>
-            </a:r>
-          </a:p>
-        </p:txBody>
-      </p:sp>
-      <p:sp>
-        <p:nvSpPr>
-          <p:cNvPr id="17" name="TextBox 16">
-            <a:extLst>
-              <a:ext uri="{FF2B5EF4-FFF2-40B4-BE49-F238E27FC236}">
-                <a16:creationId xmlns:a16="http://schemas.microsoft.com/office/drawing/2014/main" id="{C8238B4C-F08A-8220-D1EB-76E3A988D2EB}"/>
-              </a:ext>
-            </a:extLst>
-          </p:cNvPr>
-          <p:cNvSpPr txBox="1"/>
-          <p:nvPr/>
-        </p:nvSpPr>
-        <p:spPr>
-          <a:xfrm>
-            <a:off x="2024768" y="3272592"/>
-            <a:ext cx="1914307" cy="338554"/>
-          </a:xfrm>
-          <a:prstGeom prst="rect">
-            <a:avLst/>
-          </a:prstGeom>
-          <a:noFill/>
-        </p:spPr>
-        <p:txBody>
-          <a:bodyPr wrap="none" rtlCol="0">
-            <a:spAutoFit/>
-          </a:bodyPr>
-          <a:lstStyle/>
-          <a:p>
-            <a:r>
-              <a:rPr lang="ko-KR" altLang="en-US" sz="1600" dirty="0">
-                <a:latin typeface="G마켓 산스 TTF Medium" panose="02000000000000000000" pitchFamily="2" charset="-127"/>
-                <a:ea typeface="G마켓 산스 TTF Medium" panose="02000000000000000000" pitchFamily="2" charset="-127"/>
-              </a:rPr>
-              <a:t>월 투자금</a:t>
-            </a:r>
-            <a:r>
-              <a:rPr lang="en-US" altLang="ko-KR" sz="1600" dirty="0">
-                <a:latin typeface="G마켓 산스 TTF Medium" panose="02000000000000000000" pitchFamily="2" charset="-127"/>
-                <a:ea typeface="G마켓 산스 TTF Medium" panose="02000000000000000000" pitchFamily="2" charset="-127"/>
-              </a:rPr>
-              <a:t>: 100</a:t>
-            </a:r>
-            <a:r>
-              <a:rPr lang="ko-KR" altLang="en-US" sz="1600" dirty="0">
-                <a:latin typeface="G마켓 산스 TTF Medium" panose="02000000000000000000" pitchFamily="2" charset="-127"/>
-                <a:ea typeface="G마켓 산스 TTF Medium" panose="02000000000000000000" pitchFamily="2" charset="-127"/>
-              </a:rPr>
-              <a:t>만원</a:t>
-            </a:r>
-          </a:p>
-        </p:txBody>
-      </p:sp>
-      <p:sp>
-        <p:nvSpPr>
-          <p:cNvPr id="18" name="TextBox 17">
-            <a:extLst>
-              <a:ext uri="{FF2B5EF4-FFF2-40B4-BE49-F238E27FC236}">
-                <a16:creationId xmlns:a16="http://schemas.microsoft.com/office/drawing/2014/main" id="{7EB56F32-18A0-3103-C57C-63A8AE983AC5}"/>
-              </a:ext>
-            </a:extLst>
-          </p:cNvPr>
-          <p:cNvSpPr txBox="1"/>
-          <p:nvPr/>
-        </p:nvSpPr>
-        <p:spPr>
-          <a:xfrm>
-            <a:off x="2024768" y="3649246"/>
-            <a:ext cx="1717137" cy="338554"/>
-          </a:xfrm>
-          <a:prstGeom prst="rect">
-            <a:avLst/>
-          </a:prstGeom>
-          <a:noFill/>
-        </p:spPr>
-        <p:txBody>
-          <a:bodyPr wrap="none" rtlCol="0">
-            <a:spAutoFit/>
-          </a:bodyPr>
-          <a:lstStyle/>
-          <a:p>
-            <a:r>
-              <a:rPr lang="ko-KR" altLang="en-US" sz="1600" dirty="0">
-                <a:latin typeface="G마켓 산스 TTF Medium" panose="02000000000000000000" pitchFamily="2" charset="-127"/>
-                <a:ea typeface="G마켓 산스 TTF Medium" panose="02000000000000000000" pitchFamily="2" charset="-127"/>
-              </a:rPr>
-              <a:t>기대수익률</a:t>
-            </a:r>
-            <a:r>
-              <a:rPr lang="en-US" altLang="ko-KR" sz="1600" dirty="0">
-                <a:latin typeface="G마켓 산스 TTF Medium" panose="02000000000000000000" pitchFamily="2" charset="-127"/>
-                <a:ea typeface="G마켓 산스 TTF Medium" panose="02000000000000000000" pitchFamily="2" charset="-127"/>
-              </a:rPr>
-              <a:t>: 10%</a:t>
-            </a:r>
-          </a:p>
-        </p:txBody>
-      </p:sp>
-      <p:sp>
-        <p:nvSpPr>
-          <p:cNvPr id="7" name="사각형: 둥근 모서리 6">
-            <a:extLst>
-              <a:ext uri="{FF2B5EF4-FFF2-40B4-BE49-F238E27FC236}">
-                <a16:creationId xmlns:a16="http://schemas.microsoft.com/office/drawing/2014/main" id="{AEF9D58D-BF9D-E90D-F7E0-ED64BCAF2639}"/>
-              </a:ext>
-            </a:extLst>
-          </p:cNvPr>
-          <p:cNvSpPr/>
-          <p:nvPr/>
-        </p:nvSpPr>
-        <p:spPr>
-          <a:xfrm>
-            <a:off x="8796956" y="1296740"/>
-            <a:ext cx="2404444" cy="3256210"/>
-          </a:xfrm>
-          <a:prstGeom prst="roundRect">
-            <a:avLst>
-              <a:gd name="adj" fmla="val 9630"/>
-            </a:avLst>
-          </a:prstGeom>
-          <a:solidFill>
-            <a:srgbClr val="F22D50">
-              <a:alpha val="5098"/>
-            </a:srgbClr>
-          </a:solidFill>
-          <a:ln w="38100">
-            <a:solidFill>
-              <a:srgbClr val="F22D50"/>
-            </a:solidFill>
-            <a:prstDash val="dash"/>
-          </a:ln>
-        </p:spPr>
-        <p:style>
-          <a:lnRef idx="2">
-            <a:schemeClr val="accent1">
-              <a:shade val="15000"/>
-            </a:schemeClr>
-          </a:lnRef>
-          <a:fillRef idx="1">
-            <a:schemeClr val="accent1"/>
-          </a:fillRef>
-          <a:effectRef idx="0">
-            <a:schemeClr val="accent1"/>
-          </a:effectRef>
-          <a:fontRef idx="minor">
-            <a:schemeClr val="lt1"/>
-          </a:fontRef>
-        </p:style>
-        <p:txBody>
-          <a:bodyPr rtlCol="0" anchor="ctr"/>
-          <a:lstStyle/>
-          <a:p>
-            <a:pPr algn="ctr"/>
-            <a:endParaRPr lang="ko-KR" altLang="en-US" dirty="0">
-              <a:solidFill>
-                <a:srgbClr val="F22D50"/>
-              </a:solidFill>
-            </a:endParaRPr>
-          </a:p>
-        </p:txBody>
-      </p:sp>
-    </p:spTree>
-    <p:extLst>
-      <p:ext uri="{BB962C8B-B14F-4D97-AF65-F5344CB8AC3E}">
-        <p14:creationId xmlns:p14="http://schemas.microsoft.com/office/powerpoint/2010/main" val="1366466585"/>
       </p:ext>
     </p:extLst>
   </p:cSld>
